--- a/Lections/L7/FE-L7-17-05-pseudo-sel.pptx
+++ b/Lections/L7/FE-L7-17-05-pseudo-sel.pptx
@@ -5,7 +5,7 @@
     <p:sldMasterId id="2147483660" r:id="rId1"/>
   </p:sldMasterIdLst>
   <p:notesMasterIdLst>
-    <p:notesMasterId r:id="rId10"/>
+    <p:notesMasterId r:id="rId14"/>
   </p:notesMasterIdLst>
   <p:sldIdLst>
     <p:sldId id="256" r:id="rId2"/>
@@ -16,6 +16,10 @@
     <p:sldId id="266" r:id="rId7"/>
     <p:sldId id="265" r:id="rId8"/>
     <p:sldId id="267" r:id="rId9"/>
+    <p:sldId id="268" r:id="rId10"/>
+    <p:sldId id="269" r:id="rId11"/>
+    <p:sldId id="270" r:id="rId12"/>
+    <p:sldId id="271" r:id="rId13"/>
   </p:sldIdLst>
   <p:sldSz cx="9144000" cy="5715000" type="screen16x10"/>
   <p:notesSz cx="6858000" cy="9144000"/>
@@ -899,20 +903,20 @@
             <ac:spMk id="4" creationId="{796C3D3A-5450-4384-BA8C-C0F143C4EF5E}"/>
           </ac:spMkLst>
         </pc:spChg>
+        <pc:spChg chg="add del">
+          <ac:chgData name="Никола Алексеев" userId="ba66283bcb01e904" providerId="LiveId" clId="{9FA99FA1-656E-4361-BD8C-5D97150E1C72}" dt="2018-02-25T00:39:16.401" v="1835" actId="478"/>
+          <ac:spMkLst>
+            <pc:docMk/>
+            <pc:sldMk cId="158552046" sldId="262"/>
+            <ac:spMk id="5" creationId="{07CFDB7C-45AB-4DE8-9414-8539C4EC197B}"/>
+          </ac:spMkLst>
+        </pc:spChg>
         <pc:spChg chg="add mod">
           <ac:chgData name="Никола Алексеев" userId="ba66283bcb01e904" providerId="LiveId" clId="{9FA99FA1-656E-4361-BD8C-5D97150E1C72}" dt="2018-02-25T22:29:58.914" v="6351" actId="14100"/>
           <ac:spMkLst>
             <pc:docMk/>
             <pc:sldMk cId="158552046" sldId="262"/>
             <ac:spMk id="5" creationId="{CA852A51-4143-458E-88BB-C5AB2D1D5D0A}"/>
-          </ac:spMkLst>
-        </pc:spChg>
-        <pc:spChg chg="add del">
-          <ac:chgData name="Никола Алексеев" userId="ba66283bcb01e904" providerId="LiveId" clId="{9FA99FA1-656E-4361-BD8C-5D97150E1C72}" dt="2018-02-25T00:39:16.401" v="1835" actId="478"/>
-          <ac:spMkLst>
-            <pc:docMk/>
-            <pc:sldMk cId="158552046" sldId="262"/>
-            <ac:spMk id="5" creationId="{07CFDB7C-45AB-4DE8-9414-8539C4EC197B}"/>
           </ac:spMkLst>
         </pc:spChg>
         <pc:spChg chg="add del mod">
@@ -2142,19 +2146,19 @@
           </ac:spMkLst>
         </pc:spChg>
         <pc:picChg chg="add del mod">
-          <ac:chgData name="Никола Алексеев" userId="ba66283bcb01e904" providerId="LiveId" clId="{9FA99FA1-656E-4361-BD8C-5D97150E1C72}" dt="2018-02-26T23:03:48.572" v="18120" actId="1076"/>
+          <ac:chgData name="Никола Алексеев" userId="ba66283bcb01e904" providerId="LiveId" clId="{9FA99FA1-656E-4361-BD8C-5D97150E1C72}" dt="2018-02-25T23:41:05.104" v="9218" actId="478"/>
           <ac:picMkLst>
             <pc:docMk/>
             <pc:sldMk cId="2490399688" sldId="268"/>
-            <ac:picMk id="2" creationId="{FD38FF66-4851-4302-A0CB-D6E6885FD3D9}"/>
+            <ac:picMk id="2" creationId="{4D5E1687-730B-46DA-AF90-254C0B7F9B74}"/>
           </ac:picMkLst>
         </pc:picChg>
         <pc:picChg chg="add del mod">
-          <ac:chgData name="Никола Алексеев" userId="ba66283bcb01e904" providerId="LiveId" clId="{9FA99FA1-656E-4361-BD8C-5D97150E1C72}" dt="2018-02-25T23:41:05.104" v="9218" actId="478"/>
+          <ac:chgData name="Никола Алексеев" userId="ba66283bcb01e904" providerId="LiveId" clId="{9FA99FA1-656E-4361-BD8C-5D97150E1C72}" dt="2018-02-26T23:03:48.572" v="18120" actId="1076"/>
           <ac:picMkLst>
             <pc:docMk/>
             <pc:sldMk cId="2490399688" sldId="268"/>
-            <ac:picMk id="2" creationId="{4D5E1687-730B-46DA-AF90-254C0B7F9B74}"/>
+            <ac:picMk id="2" creationId="{FD38FF66-4851-4302-A0CB-D6E6885FD3D9}"/>
           </ac:picMkLst>
         </pc:picChg>
         <pc:picChg chg="add mod">
@@ -3899,7 +3903,7 @@
           <a:p>
             <a:fld id="{F6D8C1CC-B947-4082-943C-2B15D0562C1D}" type="datetimeFigureOut">
               <a:rPr lang="en-US" smtClean="0"/>
-              <a:t>16-May-18</a:t>
+              <a:t>5/17/2018</a:t>
             </a:fld>
             <a:endParaRPr lang="en-US"/>
           </a:p>
@@ -4250,6 +4254,174 @@
 </p:notes>
 </file>
 
+<file path=ppt/notesSlides/notesSlide10.xml><?xml version="1.0" encoding="utf-8"?>
+<p:notes xmlns:a="http://schemas.openxmlformats.org/drawingml/2006/main" xmlns:r="http://schemas.openxmlformats.org/officeDocument/2006/relationships" xmlns:p="http://schemas.openxmlformats.org/presentationml/2006/main">
+  <p:cSld>
+    <p:spTree>
+      <p:nvGrpSpPr>
+        <p:cNvPr id="1" name=""/>
+        <p:cNvGrpSpPr/>
+        <p:nvPr/>
+      </p:nvGrpSpPr>
+      <p:grpSpPr>
+        <a:xfrm>
+          <a:off x="0" y="0"/>
+          <a:ext cx="0" cy="0"/>
+          <a:chOff x="0" y="0"/>
+          <a:chExt cx="0" cy="0"/>
+        </a:xfrm>
+      </p:grpSpPr>
+      <p:sp>
+        <p:nvSpPr>
+          <p:cNvPr id="2" name="Slide Image Placeholder 1"/>
+          <p:cNvSpPr>
+            <a:spLocks noGrp="1" noRot="1" noChangeAspect="1"/>
+          </p:cNvSpPr>
+          <p:nvPr>
+            <p:ph type="sldImg"/>
+          </p:nvPr>
+        </p:nvSpPr>
+        <p:spPr/>
+      </p:sp>
+      <p:sp>
+        <p:nvSpPr>
+          <p:cNvPr id="3" name="Notes Placeholder 2"/>
+          <p:cNvSpPr>
+            <a:spLocks noGrp="1"/>
+          </p:cNvSpPr>
+          <p:nvPr>
+            <p:ph type="body" idx="1"/>
+          </p:nvPr>
+        </p:nvSpPr>
+        <p:spPr/>
+        <p:txBody>
+          <a:bodyPr/>
+          <a:lstStyle/>
+          <a:p>
+            <a:endParaRPr lang="en-US" dirty="0"/>
+          </a:p>
+        </p:txBody>
+      </p:sp>
+      <p:sp>
+        <p:nvSpPr>
+          <p:cNvPr id="4" name="Slide Number Placeholder 3"/>
+          <p:cNvSpPr>
+            <a:spLocks noGrp="1"/>
+          </p:cNvSpPr>
+          <p:nvPr>
+            <p:ph type="sldNum" sz="quarter" idx="10"/>
+          </p:nvPr>
+        </p:nvSpPr>
+        <p:spPr/>
+        <p:txBody>
+          <a:bodyPr/>
+          <a:lstStyle/>
+          <a:p>
+            <a:fld id="{8C65C300-19CC-4360-A650-4F04F63F7B82}" type="slidenum">
+              <a:rPr lang="en-US" smtClean="0"/>
+              <a:t>11</a:t>
+            </a:fld>
+            <a:endParaRPr lang="en-US"/>
+          </a:p>
+        </p:txBody>
+      </p:sp>
+    </p:spTree>
+    <p:extLst>
+      <p:ext uri="{BB962C8B-B14F-4D97-AF65-F5344CB8AC3E}">
+        <p14:creationId xmlns:p14="http://schemas.microsoft.com/office/powerpoint/2010/main" val="682625171"/>
+      </p:ext>
+    </p:extLst>
+  </p:cSld>
+  <p:clrMapOvr>
+    <a:masterClrMapping/>
+  </p:clrMapOvr>
+</p:notes>
+</file>
+
+<file path=ppt/notesSlides/notesSlide11.xml><?xml version="1.0" encoding="utf-8"?>
+<p:notes xmlns:a="http://schemas.openxmlformats.org/drawingml/2006/main" xmlns:r="http://schemas.openxmlformats.org/officeDocument/2006/relationships" xmlns:p="http://schemas.openxmlformats.org/presentationml/2006/main">
+  <p:cSld>
+    <p:spTree>
+      <p:nvGrpSpPr>
+        <p:cNvPr id="1" name=""/>
+        <p:cNvGrpSpPr/>
+        <p:nvPr/>
+      </p:nvGrpSpPr>
+      <p:grpSpPr>
+        <a:xfrm>
+          <a:off x="0" y="0"/>
+          <a:ext cx="0" cy="0"/>
+          <a:chOff x="0" y="0"/>
+          <a:chExt cx="0" cy="0"/>
+        </a:xfrm>
+      </p:grpSpPr>
+      <p:sp>
+        <p:nvSpPr>
+          <p:cNvPr id="2" name="Slide Image Placeholder 1"/>
+          <p:cNvSpPr>
+            <a:spLocks noGrp="1" noRot="1" noChangeAspect="1"/>
+          </p:cNvSpPr>
+          <p:nvPr>
+            <p:ph type="sldImg"/>
+          </p:nvPr>
+        </p:nvSpPr>
+        <p:spPr/>
+      </p:sp>
+      <p:sp>
+        <p:nvSpPr>
+          <p:cNvPr id="3" name="Notes Placeholder 2"/>
+          <p:cNvSpPr>
+            <a:spLocks noGrp="1"/>
+          </p:cNvSpPr>
+          <p:nvPr>
+            <p:ph type="body" idx="1"/>
+          </p:nvPr>
+        </p:nvSpPr>
+        <p:spPr/>
+        <p:txBody>
+          <a:bodyPr/>
+          <a:lstStyle/>
+          <a:p>
+            <a:endParaRPr lang="en-US" dirty="0"/>
+          </a:p>
+        </p:txBody>
+      </p:sp>
+      <p:sp>
+        <p:nvSpPr>
+          <p:cNvPr id="4" name="Slide Number Placeholder 3"/>
+          <p:cNvSpPr>
+            <a:spLocks noGrp="1"/>
+          </p:cNvSpPr>
+          <p:nvPr>
+            <p:ph type="sldNum" sz="quarter" idx="10"/>
+          </p:nvPr>
+        </p:nvSpPr>
+        <p:spPr/>
+        <p:txBody>
+          <a:bodyPr/>
+          <a:lstStyle/>
+          <a:p>
+            <a:fld id="{8C65C300-19CC-4360-A650-4F04F63F7B82}" type="slidenum">
+              <a:rPr lang="en-US" smtClean="0"/>
+              <a:t>12</a:t>
+            </a:fld>
+            <a:endParaRPr lang="en-US"/>
+          </a:p>
+        </p:txBody>
+      </p:sp>
+    </p:spTree>
+    <p:extLst>
+      <p:ext uri="{BB962C8B-B14F-4D97-AF65-F5344CB8AC3E}">
+        <p14:creationId xmlns:p14="http://schemas.microsoft.com/office/powerpoint/2010/main" val="1627915930"/>
+      </p:ext>
+    </p:extLst>
+  </p:cSld>
+  <p:clrMapOvr>
+    <a:masterClrMapping/>
+  </p:clrMapOvr>
+</p:notes>
+</file>
+
 <file path=ppt/notesSlides/notesSlide2.xml><?xml version="1.0" encoding="utf-8"?>
 <p:notes xmlns:a="http://schemas.openxmlformats.org/drawingml/2006/main" xmlns:r="http://schemas.openxmlformats.org/officeDocument/2006/relationships" xmlns:p="http://schemas.openxmlformats.org/presentationml/2006/main">
   <p:cSld>
@@ -4463,7 +4635,7 @@
           <a:lstStyle/>
           <a:p>
             <a:r>
-              <a:rPr lang="en-US" sz="1200" b="1" i="1" kern="1200" dirty="0" smtClean="0">
+              <a:rPr lang="en-US" sz="1200" b="1" i="1" kern="1200" dirty="0">
                 <a:solidFill>
                   <a:schemeClr val="tx1"/>
                 </a:solidFill>
@@ -4475,7 +4647,7 @@
               <a:t>Pro-tip</a:t>
             </a:r>
             <a:r>
-              <a:rPr lang="en-US" sz="1200" b="0" i="1" kern="1200" dirty="0" smtClean="0">
+              <a:rPr lang="en-US" sz="1200" b="0" i="1" kern="1200" dirty="0">
                 <a:solidFill>
                   <a:schemeClr val="tx1"/>
                 </a:solidFill>
@@ -4487,15 +4659,15 @@
               <a:t> - If your selector looks like </a:t>
             </a:r>
             <a:r>
-              <a:rPr lang="en-US" dirty="0" smtClean="0"/>
+              <a:rPr lang="en-US" dirty="0"/>
               <a:t>X Y Z A </a:t>
             </a:r>
             <a:r>
-              <a:rPr lang="en-US" dirty="0" err="1" smtClean="0"/>
+              <a:rPr lang="en-US" dirty="0" err="1"/>
               <a:t>B.error</a:t>
             </a:r>
             <a:r>
-              <a:rPr lang="en-US" sz="1200" b="0" i="1" kern="1200" dirty="0" smtClean="0">
+              <a:rPr lang="en-US" sz="1200" b="0" i="1" kern="1200" dirty="0">
                 <a:solidFill>
                   <a:schemeClr val="tx1"/>
                 </a:solidFill>
@@ -4759,19 +4931,18 @@
           <a:lstStyle/>
           <a:p>
             <a:r>
-              <a:rPr lang="en-US" dirty="0" smtClean="0"/>
+              <a:rPr lang="en-US" dirty="0"/>
               <a:t>https://css-tricks.com/pseudo-class-selectors/</a:t>
             </a:r>
           </a:p>
           <a:p>
-            <a:endParaRPr lang="en-US" dirty="0" smtClean="0"/>
-          </a:p>
-          <a:p>
-            <a:r>
-              <a:rPr lang="en-US" dirty="0" smtClean="0"/>
+            <a:endParaRPr lang="en-US" dirty="0"/>
+          </a:p>
+          <a:p>
+            <a:r>
+              <a:rPr lang="en-US" dirty="0"/>
               <a:t>https://developer.mozilla.org/en-US/docs/Web/CSS/Pseudo-classes</a:t>
             </a:r>
-            <a:endParaRPr lang="en-US" dirty="0"/>
           </a:p>
         </p:txBody>
       </p:sp>
@@ -4802,6 +4973,174 @@
     <p:extLst>
       <p:ext uri="{BB962C8B-B14F-4D97-AF65-F5344CB8AC3E}">
         <p14:creationId xmlns:p14="http://schemas.microsoft.com/office/powerpoint/2010/main" val="631489924"/>
+      </p:ext>
+    </p:extLst>
+  </p:cSld>
+  <p:clrMapOvr>
+    <a:masterClrMapping/>
+  </p:clrMapOvr>
+</p:notes>
+</file>
+
+<file path=ppt/notesSlides/notesSlide8.xml><?xml version="1.0" encoding="utf-8"?>
+<p:notes xmlns:a="http://schemas.openxmlformats.org/drawingml/2006/main" xmlns:r="http://schemas.openxmlformats.org/officeDocument/2006/relationships" xmlns:p="http://schemas.openxmlformats.org/presentationml/2006/main">
+  <p:cSld>
+    <p:spTree>
+      <p:nvGrpSpPr>
+        <p:cNvPr id="1" name=""/>
+        <p:cNvGrpSpPr/>
+        <p:nvPr/>
+      </p:nvGrpSpPr>
+      <p:grpSpPr>
+        <a:xfrm>
+          <a:off x="0" y="0"/>
+          <a:ext cx="0" cy="0"/>
+          <a:chOff x="0" y="0"/>
+          <a:chExt cx="0" cy="0"/>
+        </a:xfrm>
+      </p:grpSpPr>
+      <p:sp>
+        <p:nvSpPr>
+          <p:cNvPr id="2" name="Slide Image Placeholder 1"/>
+          <p:cNvSpPr>
+            <a:spLocks noGrp="1" noRot="1" noChangeAspect="1"/>
+          </p:cNvSpPr>
+          <p:nvPr>
+            <p:ph type="sldImg"/>
+          </p:nvPr>
+        </p:nvSpPr>
+        <p:spPr/>
+      </p:sp>
+      <p:sp>
+        <p:nvSpPr>
+          <p:cNvPr id="3" name="Notes Placeholder 2"/>
+          <p:cNvSpPr>
+            <a:spLocks noGrp="1"/>
+          </p:cNvSpPr>
+          <p:nvPr>
+            <p:ph type="body" idx="1"/>
+          </p:nvPr>
+        </p:nvSpPr>
+        <p:spPr/>
+        <p:txBody>
+          <a:bodyPr/>
+          <a:lstStyle/>
+          <a:p>
+            <a:endParaRPr lang="en-US" dirty="0"/>
+          </a:p>
+        </p:txBody>
+      </p:sp>
+      <p:sp>
+        <p:nvSpPr>
+          <p:cNvPr id="4" name="Slide Number Placeholder 3"/>
+          <p:cNvSpPr>
+            <a:spLocks noGrp="1"/>
+          </p:cNvSpPr>
+          <p:nvPr>
+            <p:ph type="sldNum" sz="quarter" idx="10"/>
+          </p:nvPr>
+        </p:nvSpPr>
+        <p:spPr/>
+        <p:txBody>
+          <a:bodyPr/>
+          <a:lstStyle/>
+          <a:p>
+            <a:fld id="{8C65C300-19CC-4360-A650-4F04F63F7B82}" type="slidenum">
+              <a:rPr lang="en-US" smtClean="0"/>
+              <a:t>9</a:t>
+            </a:fld>
+            <a:endParaRPr lang="en-US"/>
+          </a:p>
+        </p:txBody>
+      </p:sp>
+    </p:spTree>
+    <p:extLst>
+      <p:ext uri="{BB962C8B-B14F-4D97-AF65-F5344CB8AC3E}">
+        <p14:creationId xmlns:p14="http://schemas.microsoft.com/office/powerpoint/2010/main" val="1631821630"/>
+      </p:ext>
+    </p:extLst>
+  </p:cSld>
+  <p:clrMapOvr>
+    <a:masterClrMapping/>
+  </p:clrMapOvr>
+</p:notes>
+</file>
+
+<file path=ppt/notesSlides/notesSlide9.xml><?xml version="1.0" encoding="utf-8"?>
+<p:notes xmlns:a="http://schemas.openxmlformats.org/drawingml/2006/main" xmlns:r="http://schemas.openxmlformats.org/officeDocument/2006/relationships" xmlns:p="http://schemas.openxmlformats.org/presentationml/2006/main">
+  <p:cSld>
+    <p:spTree>
+      <p:nvGrpSpPr>
+        <p:cNvPr id="1" name=""/>
+        <p:cNvGrpSpPr/>
+        <p:nvPr/>
+      </p:nvGrpSpPr>
+      <p:grpSpPr>
+        <a:xfrm>
+          <a:off x="0" y="0"/>
+          <a:ext cx="0" cy="0"/>
+          <a:chOff x="0" y="0"/>
+          <a:chExt cx="0" cy="0"/>
+        </a:xfrm>
+      </p:grpSpPr>
+      <p:sp>
+        <p:nvSpPr>
+          <p:cNvPr id="2" name="Slide Image Placeholder 1"/>
+          <p:cNvSpPr>
+            <a:spLocks noGrp="1" noRot="1" noChangeAspect="1"/>
+          </p:cNvSpPr>
+          <p:nvPr>
+            <p:ph type="sldImg"/>
+          </p:nvPr>
+        </p:nvSpPr>
+        <p:spPr/>
+      </p:sp>
+      <p:sp>
+        <p:nvSpPr>
+          <p:cNvPr id="3" name="Notes Placeholder 2"/>
+          <p:cNvSpPr>
+            <a:spLocks noGrp="1"/>
+          </p:cNvSpPr>
+          <p:nvPr>
+            <p:ph type="body" idx="1"/>
+          </p:nvPr>
+        </p:nvSpPr>
+        <p:spPr/>
+        <p:txBody>
+          <a:bodyPr/>
+          <a:lstStyle/>
+          <a:p>
+            <a:endParaRPr lang="en-US" dirty="0"/>
+          </a:p>
+        </p:txBody>
+      </p:sp>
+      <p:sp>
+        <p:nvSpPr>
+          <p:cNvPr id="4" name="Slide Number Placeholder 3"/>
+          <p:cNvSpPr>
+            <a:spLocks noGrp="1"/>
+          </p:cNvSpPr>
+          <p:nvPr>
+            <p:ph type="sldNum" sz="quarter" idx="10"/>
+          </p:nvPr>
+        </p:nvSpPr>
+        <p:spPr/>
+        <p:txBody>
+          <a:bodyPr/>
+          <a:lstStyle/>
+          <a:p>
+            <a:fld id="{8C65C300-19CC-4360-A650-4F04F63F7B82}" type="slidenum">
+              <a:rPr lang="en-US" smtClean="0"/>
+              <a:t>10</a:t>
+            </a:fld>
+            <a:endParaRPr lang="en-US"/>
+          </a:p>
+        </p:txBody>
+      </p:sp>
+    </p:spTree>
+    <p:extLst>
+      <p:ext uri="{BB962C8B-B14F-4D97-AF65-F5344CB8AC3E}">
+        <p14:creationId xmlns:p14="http://schemas.microsoft.com/office/powerpoint/2010/main" val="2847846662"/>
       </p:ext>
     </p:extLst>
   </p:cSld>
@@ -4833,7 +5172,7 @@
           <p:cNvPr id="2" name="Title 1">
             <a:extLst>
               <a:ext uri="{FF2B5EF4-FFF2-40B4-BE49-F238E27FC236}">
-                <a16:creationId xmlns="" xmlns:a16="http://schemas.microsoft.com/office/drawing/2014/main" id="{797E933C-7502-4F4D-819B-1376D681604C}"/>
+                <a16:creationId xmlns:a16="http://schemas.microsoft.com/office/drawing/2014/main" id="{797E933C-7502-4F4D-819B-1376D681604C}"/>
               </a:ext>
             </a:extLst>
           </p:cNvPr>
@@ -4870,7 +5209,7 @@
           <p:cNvPr id="3" name="Subtitle 2">
             <a:extLst>
               <a:ext uri="{FF2B5EF4-FFF2-40B4-BE49-F238E27FC236}">
-                <a16:creationId xmlns="" xmlns:a16="http://schemas.microsoft.com/office/drawing/2014/main" id="{810F970D-4C44-4675-AC1D-2452B2D10126}"/>
+                <a16:creationId xmlns:a16="http://schemas.microsoft.com/office/drawing/2014/main" id="{810F970D-4C44-4675-AC1D-2452B2D10126}"/>
               </a:ext>
             </a:extLst>
           </p:cNvPr>
@@ -4940,7 +5279,7 @@
           <p:cNvPr id="4" name="Date Placeholder 3">
             <a:extLst>
               <a:ext uri="{FF2B5EF4-FFF2-40B4-BE49-F238E27FC236}">
-                <a16:creationId xmlns="" xmlns:a16="http://schemas.microsoft.com/office/drawing/2014/main" id="{AA0A371D-EDD3-49FB-A5E7-B8C2B4A743D0}"/>
+                <a16:creationId xmlns:a16="http://schemas.microsoft.com/office/drawing/2014/main" id="{AA0A371D-EDD3-49FB-A5E7-B8C2B4A743D0}"/>
               </a:ext>
             </a:extLst>
           </p:cNvPr>
@@ -4958,7 +5297,7 @@
           <a:p>
             <a:fld id="{C3092D70-B9B3-42E8-972A-1A494C668E52}" type="datetimeFigureOut">
               <a:rPr lang="bg-BG" smtClean="0"/>
-              <a:t>16.5.2018 г.</a:t>
+              <a:t>17.5.2018 г.</a:t>
             </a:fld>
             <a:endParaRPr lang="bg-BG"/>
           </a:p>
@@ -4969,7 +5308,7 @@
           <p:cNvPr id="5" name="Footer Placeholder 4">
             <a:extLst>
               <a:ext uri="{FF2B5EF4-FFF2-40B4-BE49-F238E27FC236}">
-                <a16:creationId xmlns="" xmlns:a16="http://schemas.microsoft.com/office/drawing/2014/main" id="{A0DDBA1B-E053-4C8C-BCB6-32A726F7587A}"/>
+                <a16:creationId xmlns:a16="http://schemas.microsoft.com/office/drawing/2014/main" id="{A0DDBA1B-E053-4C8C-BCB6-32A726F7587A}"/>
               </a:ext>
             </a:extLst>
           </p:cNvPr>
@@ -4994,7 +5333,7 @@
           <p:cNvPr id="6" name="Slide Number Placeholder 5">
             <a:extLst>
               <a:ext uri="{FF2B5EF4-FFF2-40B4-BE49-F238E27FC236}">
-                <a16:creationId xmlns="" xmlns:a16="http://schemas.microsoft.com/office/drawing/2014/main" id="{027369A6-CA85-4F4E-9B7F-D58C297C3E2E}"/>
+                <a16:creationId xmlns:a16="http://schemas.microsoft.com/office/drawing/2014/main" id="{027369A6-CA85-4F4E-9B7F-D58C297C3E2E}"/>
               </a:ext>
             </a:extLst>
           </p:cNvPr>
@@ -5053,7 +5392,7 @@
           <p:cNvPr id="2" name="Title 1">
             <a:extLst>
               <a:ext uri="{FF2B5EF4-FFF2-40B4-BE49-F238E27FC236}">
-                <a16:creationId xmlns="" xmlns:a16="http://schemas.microsoft.com/office/drawing/2014/main" id="{A5C274AD-169E-43A5-B98F-253891EC8316}"/>
+                <a16:creationId xmlns:a16="http://schemas.microsoft.com/office/drawing/2014/main" id="{A5C274AD-169E-43A5-B98F-253891EC8316}"/>
               </a:ext>
             </a:extLst>
           </p:cNvPr>
@@ -5081,7 +5420,7 @@
           <p:cNvPr id="3" name="Vertical Text Placeholder 2">
             <a:extLst>
               <a:ext uri="{FF2B5EF4-FFF2-40B4-BE49-F238E27FC236}">
-                <a16:creationId xmlns="" xmlns:a16="http://schemas.microsoft.com/office/drawing/2014/main" id="{7D3BA573-C352-46A1-A9D7-969987561C38}"/>
+                <a16:creationId xmlns:a16="http://schemas.microsoft.com/office/drawing/2014/main" id="{7D3BA573-C352-46A1-A9D7-969987561C38}"/>
               </a:ext>
             </a:extLst>
           </p:cNvPr>
@@ -5138,7 +5477,7 @@
           <p:cNvPr id="4" name="Date Placeholder 3">
             <a:extLst>
               <a:ext uri="{FF2B5EF4-FFF2-40B4-BE49-F238E27FC236}">
-                <a16:creationId xmlns="" xmlns:a16="http://schemas.microsoft.com/office/drawing/2014/main" id="{F1BA29C4-F0DF-473A-AF84-3572AB7211F5}"/>
+                <a16:creationId xmlns:a16="http://schemas.microsoft.com/office/drawing/2014/main" id="{F1BA29C4-F0DF-473A-AF84-3572AB7211F5}"/>
               </a:ext>
             </a:extLst>
           </p:cNvPr>
@@ -5156,7 +5495,7 @@
           <a:p>
             <a:fld id="{C3092D70-B9B3-42E8-972A-1A494C668E52}" type="datetimeFigureOut">
               <a:rPr lang="bg-BG" smtClean="0"/>
-              <a:t>16.5.2018 г.</a:t>
+              <a:t>17.5.2018 г.</a:t>
             </a:fld>
             <a:endParaRPr lang="bg-BG"/>
           </a:p>
@@ -5167,7 +5506,7 @@
           <p:cNvPr id="5" name="Footer Placeholder 4">
             <a:extLst>
               <a:ext uri="{FF2B5EF4-FFF2-40B4-BE49-F238E27FC236}">
-                <a16:creationId xmlns="" xmlns:a16="http://schemas.microsoft.com/office/drawing/2014/main" id="{99BCF1D9-AFA4-437D-A014-D039F746082A}"/>
+                <a16:creationId xmlns:a16="http://schemas.microsoft.com/office/drawing/2014/main" id="{99BCF1D9-AFA4-437D-A014-D039F746082A}"/>
               </a:ext>
             </a:extLst>
           </p:cNvPr>
@@ -5192,7 +5531,7 @@
           <p:cNvPr id="6" name="Slide Number Placeholder 5">
             <a:extLst>
               <a:ext uri="{FF2B5EF4-FFF2-40B4-BE49-F238E27FC236}">
-                <a16:creationId xmlns="" xmlns:a16="http://schemas.microsoft.com/office/drawing/2014/main" id="{477A2EBE-A687-45F8-8E43-CCF51EF8A7FE}"/>
+                <a16:creationId xmlns:a16="http://schemas.microsoft.com/office/drawing/2014/main" id="{477A2EBE-A687-45F8-8E43-CCF51EF8A7FE}"/>
               </a:ext>
             </a:extLst>
           </p:cNvPr>
@@ -5251,7 +5590,7 @@
           <p:cNvPr id="2" name="Vertical Title 1">
             <a:extLst>
               <a:ext uri="{FF2B5EF4-FFF2-40B4-BE49-F238E27FC236}">
-                <a16:creationId xmlns="" xmlns:a16="http://schemas.microsoft.com/office/drawing/2014/main" id="{D073D44B-91FC-4E46-AE45-86CE8E7B6EC0}"/>
+                <a16:creationId xmlns:a16="http://schemas.microsoft.com/office/drawing/2014/main" id="{D073D44B-91FC-4E46-AE45-86CE8E7B6EC0}"/>
               </a:ext>
             </a:extLst>
           </p:cNvPr>
@@ -5284,7 +5623,7 @@
           <p:cNvPr id="3" name="Vertical Text Placeholder 2">
             <a:extLst>
               <a:ext uri="{FF2B5EF4-FFF2-40B4-BE49-F238E27FC236}">
-                <a16:creationId xmlns="" xmlns:a16="http://schemas.microsoft.com/office/drawing/2014/main" id="{C6C0A9D6-0319-40A3-9E6B-3B0EFA4D471C}"/>
+                <a16:creationId xmlns:a16="http://schemas.microsoft.com/office/drawing/2014/main" id="{C6C0A9D6-0319-40A3-9E6B-3B0EFA4D471C}"/>
               </a:ext>
             </a:extLst>
           </p:cNvPr>
@@ -5346,7 +5685,7 @@
           <p:cNvPr id="4" name="Date Placeholder 3">
             <a:extLst>
               <a:ext uri="{FF2B5EF4-FFF2-40B4-BE49-F238E27FC236}">
-                <a16:creationId xmlns="" xmlns:a16="http://schemas.microsoft.com/office/drawing/2014/main" id="{E24C1A50-5C87-467B-A7C4-6A0843C6AACE}"/>
+                <a16:creationId xmlns:a16="http://schemas.microsoft.com/office/drawing/2014/main" id="{E24C1A50-5C87-467B-A7C4-6A0843C6AACE}"/>
               </a:ext>
             </a:extLst>
           </p:cNvPr>
@@ -5364,7 +5703,7 @@
           <a:p>
             <a:fld id="{C3092D70-B9B3-42E8-972A-1A494C668E52}" type="datetimeFigureOut">
               <a:rPr lang="bg-BG" smtClean="0"/>
-              <a:t>16.5.2018 г.</a:t>
+              <a:t>17.5.2018 г.</a:t>
             </a:fld>
             <a:endParaRPr lang="bg-BG"/>
           </a:p>
@@ -5375,7 +5714,7 @@
           <p:cNvPr id="5" name="Footer Placeholder 4">
             <a:extLst>
               <a:ext uri="{FF2B5EF4-FFF2-40B4-BE49-F238E27FC236}">
-                <a16:creationId xmlns="" xmlns:a16="http://schemas.microsoft.com/office/drawing/2014/main" id="{A7DBC687-7231-499D-8C04-D28756B35529}"/>
+                <a16:creationId xmlns:a16="http://schemas.microsoft.com/office/drawing/2014/main" id="{A7DBC687-7231-499D-8C04-D28756B35529}"/>
               </a:ext>
             </a:extLst>
           </p:cNvPr>
@@ -5400,7 +5739,7 @@
           <p:cNvPr id="6" name="Slide Number Placeholder 5">
             <a:extLst>
               <a:ext uri="{FF2B5EF4-FFF2-40B4-BE49-F238E27FC236}">
-                <a16:creationId xmlns="" xmlns:a16="http://schemas.microsoft.com/office/drawing/2014/main" id="{D2E55FB4-382C-4E6C-BBCE-22AE7988668F}"/>
+                <a16:creationId xmlns:a16="http://schemas.microsoft.com/office/drawing/2014/main" id="{D2E55FB4-382C-4E6C-BBCE-22AE7988668F}"/>
               </a:ext>
             </a:extLst>
           </p:cNvPr>
@@ -5459,7 +5798,7 @@
           <p:cNvPr id="2" name="Title 1">
             <a:extLst>
               <a:ext uri="{FF2B5EF4-FFF2-40B4-BE49-F238E27FC236}">
-                <a16:creationId xmlns="" xmlns:a16="http://schemas.microsoft.com/office/drawing/2014/main" id="{98A8ACE3-ABA5-497F-B402-8DC42C9D067F}"/>
+                <a16:creationId xmlns:a16="http://schemas.microsoft.com/office/drawing/2014/main" id="{98A8ACE3-ABA5-497F-B402-8DC42C9D067F}"/>
               </a:ext>
             </a:extLst>
           </p:cNvPr>
@@ -5487,7 +5826,7 @@
           <p:cNvPr id="3" name="Content Placeholder 2">
             <a:extLst>
               <a:ext uri="{FF2B5EF4-FFF2-40B4-BE49-F238E27FC236}">
-                <a16:creationId xmlns="" xmlns:a16="http://schemas.microsoft.com/office/drawing/2014/main" id="{E0F1BAC3-966A-4323-B970-65C29C5C417B}"/>
+                <a16:creationId xmlns:a16="http://schemas.microsoft.com/office/drawing/2014/main" id="{E0F1BAC3-966A-4323-B970-65C29C5C417B}"/>
               </a:ext>
             </a:extLst>
           </p:cNvPr>
@@ -5544,7 +5883,7 @@
           <p:cNvPr id="4" name="Date Placeholder 3">
             <a:extLst>
               <a:ext uri="{FF2B5EF4-FFF2-40B4-BE49-F238E27FC236}">
-                <a16:creationId xmlns="" xmlns:a16="http://schemas.microsoft.com/office/drawing/2014/main" id="{9C3EECC1-969E-4374-A0DD-07E2D200FACB}"/>
+                <a16:creationId xmlns:a16="http://schemas.microsoft.com/office/drawing/2014/main" id="{9C3EECC1-969E-4374-A0DD-07E2D200FACB}"/>
               </a:ext>
             </a:extLst>
           </p:cNvPr>
@@ -5562,7 +5901,7 @@
           <a:p>
             <a:fld id="{C3092D70-B9B3-42E8-972A-1A494C668E52}" type="datetimeFigureOut">
               <a:rPr lang="bg-BG" smtClean="0"/>
-              <a:t>16.5.2018 г.</a:t>
+              <a:t>17.5.2018 г.</a:t>
             </a:fld>
             <a:endParaRPr lang="bg-BG"/>
           </a:p>
@@ -5573,7 +5912,7 @@
           <p:cNvPr id="5" name="Footer Placeholder 4">
             <a:extLst>
               <a:ext uri="{FF2B5EF4-FFF2-40B4-BE49-F238E27FC236}">
-                <a16:creationId xmlns="" xmlns:a16="http://schemas.microsoft.com/office/drawing/2014/main" id="{63AA7379-2F0D-4A22-9D95-496969919E1D}"/>
+                <a16:creationId xmlns:a16="http://schemas.microsoft.com/office/drawing/2014/main" id="{63AA7379-2F0D-4A22-9D95-496969919E1D}"/>
               </a:ext>
             </a:extLst>
           </p:cNvPr>
@@ -5598,7 +5937,7 @@
           <p:cNvPr id="6" name="Slide Number Placeholder 5">
             <a:extLst>
               <a:ext uri="{FF2B5EF4-FFF2-40B4-BE49-F238E27FC236}">
-                <a16:creationId xmlns="" xmlns:a16="http://schemas.microsoft.com/office/drawing/2014/main" id="{E7A7ADAC-87AE-4D25-8BAD-B49421DF4232}"/>
+                <a16:creationId xmlns:a16="http://schemas.microsoft.com/office/drawing/2014/main" id="{E7A7ADAC-87AE-4D25-8BAD-B49421DF4232}"/>
               </a:ext>
             </a:extLst>
           </p:cNvPr>
@@ -5657,7 +5996,7 @@
           <p:cNvPr id="2" name="Title 1">
             <a:extLst>
               <a:ext uri="{FF2B5EF4-FFF2-40B4-BE49-F238E27FC236}">
-                <a16:creationId xmlns="" xmlns:a16="http://schemas.microsoft.com/office/drawing/2014/main" id="{C069FEC6-6106-46A3-8A0C-60F10327B5FC}"/>
+                <a16:creationId xmlns:a16="http://schemas.microsoft.com/office/drawing/2014/main" id="{C069FEC6-6106-46A3-8A0C-60F10327B5FC}"/>
               </a:ext>
             </a:extLst>
           </p:cNvPr>
@@ -5694,7 +6033,7 @@
           <p:cNvPr id="3" name="Text Placeholder 2">
             <a:extLst>
               <a:ext uri="{FF2B5EF4-FFF2-40B4-BE49-F238E27FC236}">
-                <a16:creationId xmlns="" xmlns:a16="http://schemas.microsoft.com/office/drawing/2014/main" id="{B0A98B17-A0BB-40E9-83F6-2E40901B69AA}"/>
+                <a16:creationId xmlns:a16="http://schemas.microsoft.com/office/drawing/2014/main" id="{B0A98B17-A0BB-40E9-83F6-2E40901B69AA}"/>
               </a:ext>
             </a:extLst>
           </p:cNvPr>
@@ -5819,7 +6158,7 @@
           <p:cNvPr id="4" name="Date Placeholder 3">
             <a:extLst>
               <a:ext uri="{FF2B5EF4-FFF2-40B4-BE49-F238E27FC236}">
-                <a16:creationId xmlns="" xmlns:a16="http://schemas.microsoft.com/office/drawing/2014/main" id="{753A77B6-F3A8-4FFC-8BD6-A296315587C4}"/>
+                <a16:creationId xmlns:a16="http://schemas.microsoft.com/office/drawing/2014/main" id="{753A77B6-F3A8-4FFC-8BD6-A296315587C4}"/>
               </a:ext>
             </a:extLst>
           </p:cNvPr>
@@ -5837,7 +6176,7 @@
           <a:p>
             <a:fld id="{C3092D70-B9B3-42E8-972A-1A494C668E52}" type="datetimeFigureOut">
               <a:rPr lang="bg-BG" smtClean="0"/>
-              <a:t>16.5.2018 г.</a:t>
+              <a:t>17.5.2018 г.</a:t>
             </a:fld>
             <a:endParaRPr lang="bg-BG"/>
           </a:p>
@@ -5848,7 +6187,7 @@
           <p:cNvPr id="5" name="Footer Placeholder 4">
             <a:extLst>
               <a:ext uri="{FF2B5EF4-FFF2-40B4-BE49-F238E27FC236}">
-                <a16:creationId xmlns="" xmlns:a16="http://schemas.microsoft.com/office/drawing/2014/main" id="{D5AF541E-40C5-4DF5-9AA4-FFCA11673B69}"/>
+                <a16:creationId xmlns:a16="http://schemas.microsoft.com/office/drawing/2014/main" id="{D5AF541E-40C5-4DF5-9AA4-FFCA11673B69}"/>
               </a:ext>
             </a:extLst>
           </p:cNvPr>
@@ -5873,7 +6212,7 @@
           <p:cNvPr id="6" name="Slide Number Placeholder 5">
             <a:extLst>
               <a:ext uri="{FF2B5EF4-FFF2-40B4-BE49-F238E27FC236}">
-                <a16:creationId xmlns="" xmlns:a16="http://schemas.microsoft.com/office/drawing/2014/main" id="{ECF717A8-6EFF-40A3-985A-8490714C44F2}"/>
+                <a16:creationId xmlns:a16="http://schemas.microsoft.com/office/drawing/2014/main" id="{ECF717A8-6EFF-40A3-985A-8490714C44F2}"/>
               </a:ext>
             </a:extLst>
           </p:cNvPr>
@@ -5932,7 +6271,7 @@
           <p:cNvPr id="2" name="Title 1">
             <a:extLst>
               <a:ext uri="{FF2B5EF4-FFF2-40B4-BE49-F238E27FC236}">
-                <a16:creationId xmlns="" xmlns:a16="http://schemas.microsoft.com/office/drawing/2014/main" id="{B82B55F1-3114-49B5-9D34-27437253BDD4}"/>
+                <a16:creationId xmlns:a16="http://schemas.microsoft.com/office/drawing/2014/main" id="{B82B55F1-3114-49B5-9D34-27437253BDD4}"/>
               </a:ext>
             </a:extLst>
           </p:cNvPr>
@@ -5960,7 +6299,7 @@
           <p:cNvPr id="3" name="Content Placeholder 2">
             <a:extLst>
               <a:ext uri="{FF2B5EF4-FFF2-40B4-BE49-F238E27FC236}">
-                <a16:creationId xmlns="" xmlns:a16="http://schemas.microsoft.com/office/drawing/2014/main" id="{D78F6BF2-AF0B-49F5-A1C8-5CB2F790A952}"/>
+                <a16:creationId xmlns:a16="http://schemas.microsoft.com/office/drawing/2014/main" id="{D78F6BF2-AF0B-49F5-A1C8-5CB2F790A952}"/>
               </a:ext>
             </a:extLst>
           </p:cNvPr>
@@ -6022,7 +6361,7 @@
           <p:cNvPr id="4" name="Content Placeholder 3">
             <a:extLst>
               <a:ext uri="{FF2B5EF4-FFF2-40B4-BE49-F238E27FC236}">
-                <a16:creationId xmlns="" xmlns:a16="http://schemas.microsoft.com/office/drawing/2014/main" id="{DE3D1C98-6F43-458F-B026-1488F7958B55}"/>
+                <a16:creationId xmlns:a16="http://schemas.microsoft.com/office/drawing/2014/main" id="{DE3D1C98-6F43-458F-B026-1488F7958B55}"/>
               </a:ext>
             </a:extLst>
           </p:cNvPr>
@@ -6084,7 +6423,7 @@
           <p:cNvPr id="5" name="Date Placeholder 4">
             <a:extLst>
               <a:ext uri="{FF2B5EF4-FFF2-40B4-BE49-F238E27FC236}">
-                <a16:creationId xmlns="" xmlns:a16="http://schemas.microsoft.com/office/drawing/2014/main" id="{C7D004A0-CB96-4E21-A678-39C37D814ED2}"/>
+                <a16:creationId xmlns:a16="http://schemas.microsoft.com/office/drawing/2014/main" id="{C7D004A0-CB96-4E21-A678-39C37D814ED2}"/>
               </a:ext>
             </a:extLst>
           </p:cNvPr>
@@ -6102,7 +6441,7 @@
           <a:p>
             <a:fld id="{C3092D70-B9B3-42E8-972A-1A494C668E52}" type="datetimeFigureOut">
               <a:rPr lang="bg-BG" smtClean="0"/>
-              <a:t>16.5.2018 г.</a:t>
+              <a:t>17.5.2018 г.</a:t>
             </a:fld>
             <a:endParaRPr lang="bg-BG"/>
           </a:p>
@@ -6113,7 +6452,7 @@
           <p:cNvPr id="6" name="Footer Placeholder 5">
             <a:extLst>
               <a:ext uri="{FF2B5EF4-FFF2-40B4-BE49-F238E27FC236}">
-                <a16:creationId xmlns="" xmlns:a16="http://schemas.microsoft.com/office/drawing/2014/main" id="{4E3D6B65-1FD8-42A4-981A-749270DB698C}"/>
+                <a16:creationId xmlns:a16="http://schemas.microsoft.com/office/drawing/2014/main" id="{4E3D6B65-1FD8-42A4-981A-749270DB698C}"/>
               </a:ext>
             </a:extLst>
           </p:cNvPr>
@@ -6138,7 +6477,7 @@
           <p:cNvPr id="7" name="Slide Number Placeholder 6">
             <a:extLst>
               <a:ext uri="{FF2B5EF4-FFF2-40B4-BE49-F238E27FC236}">
-                <a16:creationId xmlns="" xmlns:a16="http://schemas.microsoft.com/office/drawing/2014/main" id="{B13C0180-9791-4ADE-AC70-BBFA48C7D2AC}"/>
+                <a16:creationId xmlns:a16="http://schemas.microsoft.com/office/drawing/2014/main" id="{B13C0180-9791-4ADE-AC70-BBFA48C7D2AC}"/>
               </a:ext>
             </a:extLst>
           </p:cNvPr>
@@ -6197,7 +6536,7 @@
           <p:cNvPr id="2" name="Title 1">
             <a:extLst>
               <a:ext uri="{FF2B5EF4-FFF2-40B4-BE49-F238E27FC236}">
-                <a16:creationId xmlns="" xmlns:a16="http://schemas.microsoft.com/office/drawing/2014/main" id="{10CC678D-06CA-4FEF-AD6D-A6D964F953D0}"/>
+                <a16:creationId xmlns:a16="http://schemas.microsoft.com/office/drawing/2014/main" id="{10CC678D-06CA-4FEF-AD6D-A6D964F953D0}"/>
               </a:ext>
             </a:extLst>
           </p:cNvPr>
@@ -6230,7 +6569,7 @@
           <p:cNvPr id="3" name="Text Placeholder 2">
             <a:extLst>
               <a:ext uri="{FF2B5EF4-FFF2-40B4-BE49-F238E27FC236}">
-                <a16:creationId xmlns="" xmlns:a16="http://schemas.microsoft.com/office/drawing/2014/main" id="{0838CE19-F3D8-438D-B282-EEB9C3534D11}"/>
+                <a16:creationId xmlns:a16="http://schemas.microsoft.com/office/drawing/2014/main" id="{0838CE19-F3D8-438D-B282-EEB9C3534D11}"/>
               </a:ext>
             </a:extLst>
           </p:cNvPr>
@@ -6301,7 +6640,7 @@
           <p:cNvPr id="4" name="Content Placeholder 3">
             <a:extLst>
               <a:ext uri="{FF2B5EF4-FFF2-40B4-BE49-F238E27FC236}">
-                <a16:creationId xmlns="" xmlns:a16="http://schemas.microsoft.com/office/drawing/2014/main" id="{8FC17B3B-DE24-4C27-AE02-BD9B025826D5}"/>
+                <a16:creationId xmlns:a16="http://schemas.microsoft.com/office/drawing/2014/main" id="{8FC17B3B-DE24-4C27-AE02-BD9B025826D5}"/>
               </a:ext>
             </a:extLst>
           </p:cNvPr>
@@ -6363,7 +6702,7 @@
           <p:cNvPr id="5" name="Text Placeholder 4">
             <a:extLst>
               <a:ext uri="{FF2B5EF4-FFF2-40B4-BE49-F238E27FC236}">
-                <a16:creationId xmlns="" xmlns:a16="http://schemas.microsoft.com/office/drawing/2014/main" id="{FE7DADFA-C86F-45C1-9080-2C819119E0E0}"/>
+                <a16:creationId xmlns:a16="http://schemas.microsoft.com/office/drawing/2014/main" id="{FE7DADFA-C86F-45C1-9080-2C819119E0E0}"/>
               </a:ext>
             </a:extLst>
           </p:cNvPr>
@@ -6434,7 +6773,7 @@
           <p:cNvPr id="6" name="Content Placeholder 5">
             <a:extLst>
               <a:ext uri="{FF2B5EF4-FFF2-40B4-BE49-F238E27FC236}">
-                <a16:creationId xmlns="" xmlns:a16="http://schemas.microsoft.com/office/drawing/2014/main" id="{8C610FA5-BA5C-4015-9938-75250F24805A}"/>
+                <a16:creationId xmlns:a16="http://schemas.microsoft.com/office/drawing/2014/main" id="{8C610FA5-BA5C-4015-9938-75250F24805A}"/>
               </a:ext>
             </a:extLst>
           </p:cNvPr>
@@ -6496,7 +6835,7 @@
           <p:cNvPr id="7" name="Date Placeholder 6">
             <a:extLst>
               <a:ext uri="{FF2B5EF4-FFF2-40B4-BE49-F238E27FC236}">
-                <a16:creationId xmlns="" xmlns:a16="http://schemas.microsoft.com/office/drawing/2014/main" id="{6E99F4F8-4FA0-4CA7-83CF-68B226751271}"/>
+                <a16:creationId xmlns:a16="http://schemas.microsoft.com/office/drawing/2014/main" id="{6E99F4F8-4FA0-4CA7-83CF-68B226751271}"/>
               </a:ext>
             </a:extLst>
           </p:cNvPr>
@@ -6514,7 +6853,7 @@
           <a:p>
             <a:fld id="{C3092D70-B9B3-42E8-972A-1A494C668E52}" type="datetimeFigureOut">
               <a:rPr lang="bg-BG" smtClean="0"/>
-              <a:t>16.5.2018 г.</a:t>
+              <a:t>17.5.2018 г.</a:t>
             </a:fld>
             <a:endParaRPr lang="bg-BG"/>
           </a:p>
@@ -6525,7 +6864,7 @@
           <p:cNvPr id="8" name="Footer Placeholder 7">
             <a:extLst>
               <a:ext uri="{FF2B5EF4-FFF2-40B4-BE49-F238E27FC236}">
-                <a16:creationId xmlns="" xmlns:a16="http://schemas.microsoft.com/office/drawing/2014/main" id="{E59F1EEA-F77A-4867-B273-1F987A3112FD}"/>
+                <a16:creationId xmlns:a16="http://schemas.microsoft.com/office/drawing/2014/main" id="{E59F1EEA-F77A-4867-B273-1F987A3112FD}"/>
               </a:ext>
             </a:extLst>
           </p:cNvPr>
@@ -6550,7 +6889,7 @@
           <p:cNvPr id="9" name="Slide Number Placeholder 8">
             <a:extLst>
               <a:ext uri="{FF2B5EF4-FFF2-40B4-BE49-F238E27FC236}">
-                <a16:creationId xmlns="" xmlns:a16="http://schemas.microsoft.com/office/drawing/2014/main" id="{F472CA16-9CF3-4CCC-A83C-D9D3A44A4EFC}"/>
+                <a16:creationId xmlns:a16="http://schemas.microsoft.com/office/drawing/2014/main" id="{F472CA16-9CF3-4CCC-A83C-D9D3A44A4EFC}"/>
               </a:ext>
             </a:extLst>
           </p:cNvPr>
@@ -6609,7 +6948,7 @@
           <p:cNvPr id="2" name="Title 1">
             <a:extLst>
               <a:ext uri="{FF2B5EF4-FFF2-40B4-BE49-F238E27FC236}">
-                <a16:creationId xmlns="" xmlns:a16="http://schemas.microsoft.com/office/drawing/2014/main" id="{EB11BF20-E7FE-4C1F-B608-A6C42F078E57}"/>
+                <a16:creationId xmlns:a16="http://schemas.microsoft.com/office/drawing/2014/main" id="{EB11BF20-E7FE-4C1F-B608-A6C42F078E57}"/>
               </a:ext>
             </a:extLst>
           </p:cNvPr>
@@ -6637,7 +6976,7 @@
           <p:cNvPr id="3" name="Date Placeholder 2">
             <a:extLst>
               <a:ext uri="{FF2B5EF4-FFF2-40B4-BE49-F238E27FC236}">
-                <a16:creationId xmlns="" xmlns:a16="http://schemas.microsoft.com/office/drawing/2014/main" id="{189DF095-00C9-4121-A228-191E21380CF3}"/>
+                <a16:creationId xmlns:a16="http://schemas.microsoft.com/office/drawing/2014/main" id="{189DF095-00C9-4121-A228-191E21380CF3}"/>
               </a:ext>
             </a:extLst>
           </p:cNvPr>
@@ -6655,7 +6994,7 @@
           <a:p>
             <a:fld id="{C3092D70-B9B3-42E8-972A-1A494C668E52}" type="datetimeFigureOut">
               <a:rPr lang="bg-BG" smtClean="0"/>
-              <a:t>16.5.2018 г.</a:t>
+              <a:t>17.5.2018 г.</a:t>
             </a:fld>
             <a:endParaRPr lang="bg-BG"/>
           </a:p>
@@ -6666,7 +7005,7 @@
           <p:cNvPr id="4" name="Footer Placeholder 3">
             <a:extLst>
               <a:ext uri="{FF2B5EF4-FFF2-40B4-BE49-F238E27FC236}">
-                <a16:creationId xmlns="" xmlns:a16="http://schemas.microsoft.com/office/drawing/2014/main" id="{357DFE8F-1202-47BA-9792-057A0666AEB8}"/>
+                <a16:creationId xmlns:a16="http://schemas.microsoft.com/office/drawing/2014/main" id="{357DFE8F-1202-47BA-9792-057A0666AEB8}"/>
               </a:ext>
             </a:extLst>
           </p:cNvPr>
@@ -6691,7 +7030,7 @@
           <p:cNvPr id="5" name="Slide Number Placeholder 4">
             <a:extLst>
               <a:ext uri="{FF2B5EF4-FFF2-40B4-BE49-F238E27FC236}">
-                <a16:creationId xmlns="" xmlns:a16="http://schemas.microsoft.com/office/drawing/2014/main" id="{C529FDE9-94C5-4215-A342-838337B73D0C}"/>
+                <a16:creationId xmlns:a16="http://schemas.microsoft.com/office/drawing/2014/main" id="{C529FDE9-94C5-4215-A342-838337B73D0C}"/>
               </a:ext>
             </a:extLst>
           </p:cNvPr>
@@ -6750,7 +7089,7 @@
           <p:cNvPr id="2" name="Date Placeholder 1">
             <a:extLst>
               <a:ext uri="{FF2B5EF4-FFF2-40B4-BE49-F238E27FC236}">
-                <a16:creationId xmlns="" xmlns:a16="http://schemas.microsoft.com/office/drawing/2014/main" id="{E5229D22-9E35-46EE-95EF-E9FF5BF2AA64}"/>
+                <a16:creationId xmlns:a16="http://schemas.microsoft.com/office/drawing/2014/main" id="{E5229D22-9E35-46EE-95EF-E9FF5BF2AA64}"/>
               </a:ext>
             </a:extLst>
           </p:cNvPr>
@@ -6768,7 +7107,7 @@
           <a:p>
             <a:fld id="{C3092D70-B9B3-42E8-972A-1A494C668E52}" type="datetimeFigureOut">
               <a:rPr lang="bg-BG" smtClean="0"/>
-              <a:t>16.5.2018 г.</a:t>
+              <a:t>17.5.2018 г.</a:t>
             </a:fld>
             <a:endParaRPr lang="bg-BG"/>
           </a:p>
@@ -6779,7 +7118,7 @@
           <p:cNvPr id="3" name="Footer Placeholder 2">
             <a:extLst>
               <a:ext uri="{FF2B5EF4-FFF2-40B4-BE49-F238E27FC236}">
-                <a16:creationId xmlns="" xmlns:a16="http://schemas.microsoft.com/office/drawing/2014/main" id="{494B0981-6755-4D46-8493-5418DA11461F}"/>
+                <a16:creationId xmlns:a16="http://schemas.microsoft.com/office/drawing/2014/main" id="{494B0981-6755-4D46-8493-5418DA11461F}"/>
               </a:ext>
             </a:extLst>
           </p:cNvPr>
@@ -6804,7 +7143,7 @@
           <p:cNvPr id="4" name="Slide Number Placeholder 3">
             <a:extLst>
               <a:ext uri="{FF2B5EF4-FFF2-40B4-BE49-F238E27FC236}">
-                <a16:creationId xmlns="" xmlns:a16="http://schemas.microsoft.com/office/drawing/2014/main" id="{6E733BF2-6C03-46BC-886C-809FAE448CF9}"/>
+                <a16:creationId xmlns:a16="http://schemas.microsoft.com/office/drawing/2014/main" id="{6E733BF2-6C03-46BC-886C-809FAE448CF9}"/>
               </a:ext>
             </a:extLst>
           </p:cNvPr>
@@ -6863,7 +7202,7 @@
           <p:cNvPr id="2" name="Title 1">
             <a:extLst>
               <a:ext uri="{FF2B5EF4-FFF2-40B4-BE49-F238E27FC236}">
-                <a16:creationId xmlns="" xmlns:a16="http://schemas.microsoft.com/office/drawing/2014/main" id="{1315244E-0219-43C8-A462-B050AA4D8B61}"/>
+                <a16:creationId xmlns:a16="http://schemas.microsoft.com/office/drawing/2014/main" id="{1315244E-0219-43C8-A462-B050AA4D8B61}"/>
               </a:ext>
             </a:extLst>
           </p:cNvPr>
@@ -6900,7 +7239,7 @@
           <p:cNvPr id="3" name="Content Placeholder 2">
             <a:extLst>
               <a:ext uri="{FF2B5EF4-FFF2-40B4-BE49-F238E27FC236}">
-                <a16:creationId xmlns="" xmlns:a16="http://schemas.microsoft.com/office/drawing/2014/main" id="{4BD5FA65-5CA4-463A-9653-0B8D95647016}"/>
+                <a16:creationId xmlns:a16="http://schemas.microsoft.com/office/drawing/2014/main" id="{4BD5FA65-5CA4-463A-9653-0B8D95647016}"/>
               </a:ext>
             </a:extLst>
           </p:cNvPr>
@@ -6990,7 +7329,7 @@
           <p:cNvPr id="4" name="Text Placeholder 3">
             <a:extLst>
               <a:ext uri="{FF2B5EF4-FFF2-40B4-BE49-F238E27FC236}">
-                <a16:creationId xmlns="" xmlns:a16="http://schemas.microsoft.com/office/drawing/2014/main" id="{7A81A1CD-C086-4BE4-834F-180F923D539B}"/>
+                <a16:creationId xmlns:a16="http://schemas.microsoft.com/office/drawing/2014/main" id="{7A81A1CD-C086-4BE4-834F-180F923D539B}"/>
               </a:ext>
             </a:extLst>
           </p:cNvPr>
@@ -7061,7 +7400,7 @@
           <p:cNvPr id="5" name="Date Placeholder 4">
             <a:extLst>
               <a:ext uri="{FF2B5EF4-FFF2-40B4-BE49-F238E27FC236}">
-                <a16:creationId xmlns="" xmlns:a16="http://schemas.microsoft.com/office/drawing/2014/main" id="{0F5A7BD2-BB30-43ED-B2E9-68F264A56E07}"/>
+                <a16:creationId xmlns:a16="http://schemas.microsoft.com/office/drawing/2014/main" id="{0F5A7BD2-BB30-43ED-B2E9-68F264A56E07}"/>
               </a:ext>
             </a:extLst>
           </p:cNvPr>
@@ -7079,7 +7418,7 @@
           <a:p>
             <a:fld id="{C3092D70-B9B3-42E8-972A-1A494C668E52}" type="datetimeFigureOut">
               <a:rPr lang="bg-BG" smtClean="0"/>
-              <a:t>16.5.2018 г.</a:t>
+              <a:t>17.5.2018 г.</a:t>
             </a:fld>
             <a:endParaRPr lang="bg-BG"/>
           </a:p>
@@ -7090,7 +7429,7 @@
           <p:cNvPr id="6" name="Footer Placeholder 5">
             <a:extLst>
               <a:ext uri="{FF2B5EF4-FFF2-40B4-BE49-F238E27FC236}">
-                <a16:creationId xmlns="" xmlns:a16="http://schemas.microsoft.com/office/drawing/2014/main" id="{16972E9B-A662-4F9C-9FE8-1FE0FBDF811E}"/>
+                <a16:creationId xmlns:a16="http://schemas.microsoft.com/office/drawing/2014/main" id="{16972E9B-A662-4F9C-9FE8-1FE0FBDF811E}"/>
               </a:ext>
             </a:extLst>
           </p:cNvPr>
@@ -7115,7 +7454,7 @@
           <p:cNvPr id="7" name="Slide Number Placeholder 6">
             <a:extLst>
               <a:ext uri="{FF2B5EF4-FFF2-40B4-BE49-F238E27FC236}">
-                <a16:creationId xmlns="" xmlns:a16="http://schemas.microsoft.com/office/drawing/2014/main" id="{2FF2D642-3213-4582-B6A8-060F5A8C7F39}"/>
+                <a16:creationId xmlns:a16="http://schemas.microsoft.com/office/drawing/2014/main" id="{2FF2D642-3213-4582-B6A8-060F5A8C7F39}"/>
               </a:ext>
             </a:extLst>
           </p:cNvPr>
@@ -7174,7 +7513,7 @@
           <p:cNvPr id="2" name="Title 1">
             <a:extLst>
               <a:ext uri="{FF2B5EF4-FFF2-40B4-BE49-F238E27FC236}">
-                <a16:creationId xmlns="" xmlns:a16="http://schemas.microsoft.com/office/drawing/2014/main" id="{D2DC7C6F-C4A2-46D6-A487-225B0FCADD7F}"/>
+                <a16:creationId xmlns:a16="http://schemas.microsoft.com/office/drawing/2014/main" id="{D2DC7C6F-C4A2-46D6-A487-225B0FCADD7F}"/>
               </a:ext>
             </a:extLst>
           </p:cNvPr>
@@ -7211,7 +7550,7 @@
           <p:cNvPr id="3" name="Picture Placeholder 2">
             <a:extLst>
               <a:ext uri="{FF2B5EF4-FFF2-40B4-BE49-F238E27FC236}">
-                <a16:creationId xmlns="" xmlns:a16="http://schemas.microsoft.com/office/drawing/2014/main" id="{95AB7E70-EBC2-402A-89FD-40654F189EC8}"/>
+                <a16:creationId xmlns:a16="http://schemas.microsoft.com/office/drawing/2014/main" id="{95AB7E70-EBC2-402A-89FD-40654F189EC8}"/>
               </a:ext>
             </a:extLst>
           </p:cNvPr>
@@ -7278,7 +7617,7 @@
           <p:cNvPr id="4" name="Text Placeholder 3">
             <a:extLst>
               <a:ext uri="{FF2B5EF4-FFF2-40B4-BE49-F238E27FC236}">
-                <a16:creationId xmlns="" xmlns:a16="http://schemas.microsoft.com/office/drawing/2014/main" id="{F51F0FA0-5A0C-43E8-8135-3CEA1502760A}"/>
+                <a16:creationId xmlns:a16="http://schemas.microsoft.com/office/drawing/2014/main" id="{F51F0FA0-5A0C-43E8-8135-3CEA1502760A}"/>
               </a:ext>
             </a:extLst>
           </p:cNvPr>
@@ -7349,7 +7688,7 @@
           <p:cNvPr id="5" name="Date Placeholder 4">
             <a:extLst>
               <a:ext uri="{FF2B5EF4-FFF2-40B4-BE49-F238E27FC236}">
-                <a16:creationId xmlns="" xmlns:a16="http://schemas.microsoft.com/office/drawing/2014/main" id="{31092137-F02A-4210-BC94-6E446089DC5D}"/>
+                <a16:creationId xmlns:a16="http://schemas.microsoft.com/office/drawing/2014/main" id="{31092137-F02A-4210-BC94-6E446089DC5D}"/>
               </a:ext>
             </a:extLst>
           </p:cNvPr>
@@ -7367,7 +7706,7 @@
           <a:p>
             <a:fld id="{C3092D70-B9B3-42E8-972A-1A494C668E52}" type="datetimeFigureOut">
               <a:rPr lang="bg-BG" smtClean="0"/>
-              <a:t>16.5.2018 г.</a:t>
+              <a:t>17.5.2018 г.</a:t>
             </a:fld>
             <a:endParaRPr lang="bg-BG"/>
           </a:p>
@@ -7378,7 +7717,7 @@
           <p:cNvPr id="6" name="Footer Placeholder 5">
             <a:extLst>
               <a:ext uri="{FF2B5EF4-FFF2-40B4-BE49-F238E27FC236}">
-                <a16:creationId xmlns="" xmlns:a16="http://schemas.microsoft.com/office/drawing/2014/main" id="{D5440B88-271D-4CB6-89D9-8A4280A39E24}"/>
+                <a16:creationId xmlns:a16="http://schemas.microsoft.com/office/drawing/2014/main" id="{D5440B88-271D-4CB6-89D9-8A4280A39E24}"/>
               </a:ext>
             </a:extLst>
           </p:cNvPr>
@@ -7403,7 +7742,7 @@
           <p:cNvPr id="7" name="Slide Number Placeholder 6">
             <a:extLst>
               <a:ext uri="{FF2B5EF4-FFF2-40B4-BE49-F238E27FC236}">
-                <a16:creationId xmlns="" xmlns:a16="http://schemas.microsoft.com/office/drawing/2014/main" id="{97359E73-3BF7-4DBB-8EDF-B328D926DDDB}"/>
+                <a16:creationId xmlns:a16="http://schemas.microsoft.com/office/drawing/2014/main" id="{97359E73-3BF7-4DBB-8EDF-B328D926DDDB}"/>
               </a:ext>
             </a:extLst>
           </p:cNvPr>
@@ -7467,7 +7806,7 @@
           <p:cNvPr id="2" name="Title Placeholder 1">
             <a:extLst>
               <a:ext uri="{FF2B5EF4-FFF2-40B4-BE49-F238E27FC236}">
-                <a16:creationId xmlns="" xmlns:a16="http://schemas.microsoft.com/office/drawing/2014/main" id="{ABE57163-5E5E-4024-B604-AEA9E8F6C339}"/>
+                <a16:creationId xmlns:a16="http://schemas.microsoft.com/office/drawing/2014/main" id="{ABE57163-5E5E-4024-B604-AEA9E8F6C339}"/>
               </a:ext>
             </a:extLst>
           </p:cNvPr>
@@ -7505,7 +7844,7 @@
           <p:cNvPr id="3" name="Text Placeholder 2">
             <a:extLst>
               <a:ext uri="{FF2B5EF4-FFF2-40B4-BE49-F238E27FC236}">
-                <a16:creationId xmlns="" xmlns:a16="http://schemas.microsoft.com/office/drawing/2014/main" id="{90B5B0FA-BCB3-430E-BA86-275B53648F4A}"/>
+                <a16:creationId xmlns:a16="http://schemas.microsoft.com/office/drawing/2014/main" id="{90B5B0FA-BCB3-430E-BA86-275B53648F4A}"/>
               </a:ext>
             </a:extLst>
           </p:cNvPr>
@@ -7572,7 +7911,7 @@
           <p:cNvPr id="4" name="Date Placeholder 3">
             <a:extLst>
               <a:ext uri="{FF2B5EF4-FFF2-40B4-BE49-F238E27FC236}">
-                <a16:creationId xmlns="" xmlns:a16="http://schemas.microsoft.com/office/drawing/2014/main" id="{C9A7461D-826C-4354-9110-58738FC38631}"/>
+                <a16:creationId xmlns:a16="http://schemas.microsoft.com/office/drawing/2014/main" id="{C9A7461D-826C-4354-9110-58738FC38631}"/>
               </a:ext>
             </a:extLst>
           </p:cNvPr>
@@ -7608,7 +7947,7 @@
           <a:p>
             <a:fld id="{C3092D70-B9B3-42E8-972A-1A494C668E52}" type="datetimeFigureOut">
               <a:rPr lang="bg-BG" smtClean="0"/>
-              <a:t>16.5.2018 г.</a:t>
+              <a:t>17.5.2018 г.</a:t>
             </a:fld>
             <a:endParaRPr lang="bg-BG"/>
           </a:p>
@@ -7619,7 +7958,7 @@
           <p:cNvPr id="5" name="Footer Placeholder 4">
             <a:extLst>
               <a:ext uri="{FF2B5EF4-FFF2-40B4-BE49-F238E27FC236}">
-                <a16:creationId xmlns="" xmlns:a16="http://schemas.microsoft.com/office/drawing/2014/main" id="{85B3AA24-6BFD-4CC2-B305-AD5B64DBDC7C}"/>
+                <a16:creationId xmlns:a16="http://schemas.microsoft.com/office/drawing/2014/main" id="{85B3AA24-6BFD-4CC2-B305-AD5B64DBDC7C}"/>
               </a:ext>
             </a:extLst>
           </p:cNvPr>
@@ -7662,7 +8001,7 @@
           <p:cNvPr id="6" name="Slide Number Placeholder 5">
             <a:extLst>
               <a:ext uri="{FF2B5EF4-FFF2-40B4-BE49-F238E27FC236}">
-                <a16:creationId xmlns="" xmlns:a16="http://schemas.microsoft.com/office/drawing/2014/main" id="{A4413ACE-E4D9-40D6-9282-7A6BF98C1EF8}"/>
+                <a16:creationId xmlns:a16="http://schemas.microsoft.com/office/drawing/2014/main" id="{A4413ACE-E4D9-40D6-9282-7A6BF98C1EF8}"/>
               </a:ext>
             </a:extLst>
           </p:cNvPr>
@@ -8052,7 +8391,7 @@
 </p:sld>
 </file>
 
-<file path=ppt/slides/slide2.xml><?xml version="1.0" encoding="utf-8"?>
+<file path=ppt/slides/slide10.xml><?xml version="1.0" encoding="utf-8"?>
 <p:sld xmlns:a="http://schemas.openxmlformats.org/drawingml/2006/main" xmlns:r="http://schemas.openxmlformats.org/officeDocument/2006/relationships" xmlns:p="http://schemas.openxmlformats.org/presentationml/2006/main">
   <p:cSld>
     <p:bg>
@@ -8088,7 +8427,7 @@
           <p:cNvPr id="39" name="Rectangle 38">
             <a:extLst>
               <a:ext uri="{FF2B5EF4-FFF2-40B4-BE49-F238E27FC236}">
-                <a16:creationId xmlns="" xmlns:a16="http://schemas.microsoft.com/office/drawing/2014/main" id="{C1C163D1-85A2-4643-BA3C-22035ECBF6E9}"/>
+                <a16:creationId xmlns:a16="http://schemas.microsoft.com/office/drawing/2014/main" id="{C1C163D1-85A2-4643-BA3C-22035ECBF6E9}"/>
               </a:ext>
             </a:extLst>
           </p:cNvPr>
@@ -8134,10 +8473,9 @@
           <a:p>
             <a:pPr algn="ctr"/>
             <a:r>
-              <a:rPr lang="bg-BG" sz="1400" dirty="0" smtClean="0"/>
-              <a:t>Съдържание</a:t>
-            </a:r>
-            <a:endParaRPr lang="en-US" sz="1400" dirty="0"/>
+              <a:rPr lang="en-US" sz="1400" dirty="0"/>
+              <a:t>Selector Combinations</a:t>
+            </a:r>
           </a:p>
         </p:txBody>
       </p:sp>
@@ -8146,7 +8484,7 @@
           <p:cNvPr id="5" name="Rectangle 4">
             <a:extLst>
               <a:ext uri="{FF2B5EF4-FFF2-40B4-BE49-F238E27FC236}">
-                <a16:creationId xmlns="" xmlns:a16="http://schemas.microsoft.com/office/drawing/2014/main" id="{12131ED0-4950-475C-B7DC-450FBBF3C54A}"/>
+                <a16:creationId xmlns:a16="http://schemas.microsoft.com/office/drawing/2014/main" id="{12131ED0-4950-475C-B7DC-450FBBF3C54A}"/>
               </a:ext>
             </a:extLst>
           </p:cNvPr>
@@ -8198,7 +8536,7 @@
           <p:cNvPr id="4" name="TextBox 3">
             <a:extLst>
               <a:ext uri="{FF2B5EF4-FFF2-40B4-BE49-F238E27FC236}">
-                <a16:creationId xmlns="" xmlns:a16="http://schemas.microsoft.com/office/drawing/2014/main" id="{DB2A6D78-D3DF-4739-BCDE-EE78ED59B04D}"/>
+                <a16:creationId xmlns:a16="http://schemas.microsoft.com/office/drawing/2014/main" id="{DB2A6D78-D3DF-4739-BCDE-EE78ED59B04D}"/>
               </a:ext>
             </a:extLst>
           </p:cNvPr>
@@ -8230,18 +8568,7 @@
                 <a:ea typeface="Verdana" panose="020B0604030504040204" pitchFamily="34" charset="0"/>
                 <a:cs typeface="Verdana" panose="020B0604030504040204" pitchFamily="34" charset="0"/>
               </a:rPr>
-              <a:t>CSS </a:t>
-            </a:r>
-            <a:r>
-              <a:rPr lang="en-US" sz="1200" b="1" dirty="0" smtClean="0">
-                <a:solidFill>
-                  <a:schemeClr val="bg1"/>
-                </a:solidFill>
-                <a:latin typeface="Verdana" panose="020B0604030504040204" pitchFamily="34" charset="0"/>
-                <a:ea typeface="Verdana" panose="020B0604030504040204" pitchFamily="34" charset="0"/>
-                <a:cs typeface="Verdana" panose="020B0604030504040204" pitchFamily="34" charset="0"/>
-              </a:rPr>
-              <a:t>selectors</a:t>
+              <a:t>CSS selectors</a:t>
             </a:r>
             <a:endParaRPr lang="bg-BG" sz="1200" dirty="0">
               <a:solidFill>
@@ -8256,10 +8583,1683 @@
       </p:sp>
       <p:sp>
         <p:nvSpPr>
+          <p:cNvPr id="10" name="Rectangle: Rounded Corners 5">
+            <a:extLst>
+              <a:ext uri="{FF2B5EF4-FFF2-40B4-BE49-F238E27FC236}">
+                <a16:creationId xmlns:a16="http://schemas.microsoft.com/office/drawing/2014/main" id="{682EAE92-D6DF-494B-9CC1-FF2B7145CC2C}"/>
+              </a:ext>
+            </a:extLst>
+          </p:cNvPr>
+          <p:cNvSpPr/>
+          <p:nvPr/>
+        </p:nvSpPr>
+        <p:spPr>
+          <a:xfrm>
+            <a:off x="1187624" y="625252"/>
+            <a:ext cx="6624736" cy="504056"/>
+          </a:xfrm>
+          <a:prstGeom prst="roundRect">
+            <a:avLst/>
+          </a:prstGeom>
+          <a:solidFill>
+            <a:srgbClr val="127994"/>
+          </a:solidFill>
+          <a:ln>
+            <a:noFill/>
+          </a:ln>
+          <a:effectLst>
+            <a:outerShdw blurRad="50800" dist="38100" dir="5400000" algn="t" rotWithShape="0">
+              <a:prstClr val="black">
+                <a:alpha val="40000"/>
+              </a:prstClr>
+            </a:outerShdw>
+          </a:effectLst>
+        </p:spPr>
+        <p:style>
+          <a:lnRef idx="2">
+            <a:schemeClr val="accent1">
+              <a:shade val="50000"/>
+            </a:schemeClr>
+          </a:lnRef>
+          <a:fillRef idx="1">
+            <a:schemeClr val="accent1"/>
+          </a:fillRef>
+          <a:effectRef idx="0">
+            <a:schemeClr val="accent1"/>
+          </a:effectRef>
+          <a:fontRef idx="minor">
+            <a:schemeClr val="lt1"/>
+          </a:fontRef>
+        </p:style>
+        <p:txBody>
+          <a:bodyPr rtlCol="0" anchor="ctr"/>
+          <a:lstStyle/>
+          <a:p>
+            <a:pPr algn="ctr"/>
+            <a:r>
+              <a:rPr lang="en-US" dirty="0"/>
+              <a:t>CSS Pseudo Classes</a:t>
+            </a:r>
+          </a:p>
+        </p:txBody>
+      </p:sp>
+      <p:sp>
+        <p:nvSpPr>
+          <p:cNvPr id="9" name="TextBox 8"/>
+          <p:cNvSpPr txBox="1"/>
+          <p:nvPr/>
+        </p:nvSpPr>
+        <p:spPr>
+          <a:xfrm>
+            <a:off x="359532" y="1503769"/>
+            <a:ext cx="8280920" cy="2862322"/>
+          </a:xfrm>
+          <a:prstGeom prst="rect">
+            <a:avLst/>
+          </a:prstGeom>
+          <a:noFill/>
+        </p:spPr>
+        <p:txBody>
+          <a:bodyPr wrap="square" rtlCol="0">
+            <a:spAutoFit/>
+          </a:bodyPr>
+          <a:lstStyle/>
+          <a:p>
+            <a:r>
+              <a:rPr lang="en-US" dirty="0">
+                <a:solidFill>
+                  <a:srgbClr val="9365B8"/>
+                </a:solidFill>
+              </a:rPr>
+              <a:t>:first-child      	</a:t>
+            </a:r>
+            <a:r>
+              <a:rPr lang="en-US" dirty="0">
+                <a:solidFill>
+                  <a:schemeClr val="tx2">
+                    <a:lumMod val="75000"/>
+                  </a:schemeClr>
+                </a:solidFill>
+              </a:rPr>
+              <a:t>-</a:t>
+            </a:r>
+            <a:r>
+              <a:rPr lang="bg-BG" dirty="0">
+                <a:solidFill>
+                  <a:schemeClr val="tx2">
+                    <a:lumMod val="75000"/>
+                  </a:schemeClr>
+                </a:solidFill>
+              </a:rPr>
+              <a:t> селектира първият </a:t>
+            </a:r>
+            <a:r>
+              <a:rPr lang="en-US" dirty="0">
+                <a:solidFill>
+                  <a:schemeClr val="tx2">
+                    <a:lumMod val="75000"/>
+                  </a:schemeClr>
+                </a:solidFill>
+              </a:rPr>
+              <a:t>child </a:t>
+            </a:r>
+            <a:r>
+              <a:rPr lang="bg-BG" dirty="0">
+                <a:solidFill>
+                  <a:schemeClr val="tx2">
+                    <a:lumMod val="75000"/>
+                  </a:schemeClr>
+                </a:solidFill>
+              </a:rPr>
+              <a:t>елемент;</a:t>
+            </a:r>
+          </a:p>
+          <a:p>
+            <a:r>
+              <a:rPr lang="en-US" dirty="0">
+                <a:solidFill>
+                  <a:srgbClr val="9365B8"/>
+                </a:solidFill>
+              </a:rPr>
+              <a:t>:last-child</a:t>
+            </a:r>
+            <a:r>
+              <a:rPr lang="bg-BG" dirty="0">
+                <a:solidFill>
+                  <a:srgbClr val="9365B8"/>
+                </a:solidFill>
+              </a:rPr>
+              <a:t>	</a:t>
+            </a:r>
+            <a:r>
+              <a:rPr lang="en-US" dirty="0">
+                <a:solidFill>
+                  <a:srgbClr val="9365B8"/>
+                </a:solidFill>
+              </a:rPr>
+              <a:t>	</a:t>
+            </a:r>
+            <a:r>
+              <a:rPr lang="bg-BG" dirty="0">
+                <a:solidFill>
+                  <a:schemeClr val="tx2">
+                    <a:lumMod val="75000"/>
+                  </a:schemeClr>
+                </a:solidFill>
+              </a:rPr>
+              <a:t>- селектира последният </a:t>
+            </a:r>
+            <a:r>
+              <a:rPr lang="en-US" dirty="0">
+                <a:solidFill>
+                  <a:schemeClr val="tx2">
+                    <a:lumMod val="75000"/>
+                  </a:schemeClr>
+                </a:solidFill>
+              </a:rPr>
+              <a:t>child </a:t>
+            </a:r>
+            <a:r>
+              <a:rPr lang="bg-BG" dirty="0">
+                <a:solidFill>
+                  <a:schemeClr val="tx2">
+                    <a:lumMod val="75000"/>
+                  </a:schemeClr>
+                </a:solidFill>
+              </a:rPr>
+              <a:t>елемент;</a:t>
+            </a:r>
+            <a:r>
+              <a:rPr lang="bg-BG" dirty="0">
+                <a:solidFill>
+                  <a:srgbClr val="9365B8"/>
+                </a:solidFill>
+              </a:rPr>
+              <a:t>	</a:t>
+            </a:r>
+            <a:endParaRPr lang="en-US" dirty="0">
+              <a:solidFill>
+                <a:srgbClr val="9365B8"/>
+              </a:solidFill>
+            </a:endParaRPr>
+          </a:p>
+          <a:p>
+            <a:r>
+              <a:rPr lang="en-US" dirty="0">
+                <a:solidFill>
+                  <a:srgbClr val="9365B8"/>
+                </a:solidFill>
+              </a:rPr>
+              <a:t>:only-child</a:t>
+            </a:r>
+            <a:r>
+              <a:rPr lang="bg-BG" dirty="0">
+                <a:solidFill>
+                  <a:srgbClr val="9365B8"/>
+                </a:solidFill>
+              </a:rPr>
+              <a:t>	</a:t>
+            </a:r>
+            <a:r>
+              <a:rPr lang="bg-BG" dirty="0">
+                <a:solidFill>
+                  <a:schemeClr val="tx2">
+                    <a:lumMod val="75000"/>
+                  </a:schemeClr>
+                </a:solidFill>
+              </a:rPr>
+              <a:t>- селектира елемент ако той е единствен </a:t>
+            </a:r>
+            <a:r>
+              <a:rPr lang="en-US" dirty="0">
+                <a:solidFill>
+                  <a:schemeClr val="tx2">
+                    <a:lumMod val="75000"/>
+                  </a:schemeClr>
+                </a:solidFill>
+              </a:rPr>
+              <a:t>child </a:t>
+            </a:r>
+            <a:r>
+              <a:rPr lang="bg-BG" dirty="0">
+                <a:solidFill>
+                  <a:schemeClr val="tx2">
+                    <a:lumMod val="75000"/>
+                  </a:schemeClr>
+                </a:solidFill>
+              </a:rPr>
+              <a:t>елемент на 		родителя;</a:t>
+            </a:r>
+            <a:endParaRPr lang="en-US" dirty="0">
+              <a:solidFill>
+                <a:srgbClr val="9365B8"/>
+              </a:solidFill>
+            </a:endParaRPr>
+          </a:p>
+          <a:p>
+            <a:endParaRPr lang="en-US" dirty="0">
+              <a:solidFill>
+                <a:srgbClr val="9365B8"/>
+              </a:solidFill>
+            </a:endParaRPr>
+          </a:p>
+          <a:p>
+            <a:r>
+              <a:rPr lang="en-US" dirty="0">
+                <a:solidFill>
+                  <a:srgbClr val="9365B8"/>
+                </a:solidFill>
+              </a:rPr>
+              <a:t>:nth-child(odd)</a:t>
+            </a:r>
+            <a:r>
+              <a:rPr lang="bg-BG" dirty="0">
+                <a:solidFill>
+                  <a:srgbClr val="9365B8"/>
+                </a:solidFill>
+              </a:rPr>
+              <a:t> </a:t>
+            </a:r>
+            <a:r>
+              <a:rPr lang="en-US" dirty="0">
+                <a:solidFill>
+                  <a:srgbClr val="9365B8"/>
+                </a:solidFill>
+              </a:rPr>
+              <a:t>	- </a:t>
+            </a:r>
+            <a:r>
+              <a:rPr lang="bg-BG" dirty="0">
+                <a:solidFill>
+                  <a:schemeClr val="tx2">
+                    <a:lumMod val="75000"/>
+                  </a:schemeClr>
+                </a:solidFill>
+              </a:rPr>
+              <a:t>селектира нечетните елементи;</a:t>
+            </a:r>
+          </a:p>
+          <a:p>
+            <a:r>
+              <a:rPr lang="bg-BG" dirty="0">
+                <a:solidFill>
+                  <a:srgbClr val="9365B8"/>
+                </a:solidFill>
+              </a:rPr>
+              <a:t>:</a:t>
+            </a:r>
+            <a:r>
+              <a:rPr lang="en-US" dirty="0">
+                <a:solidFill>
+                  <a:srgbClr val="9365B8"/>
+                </a:solidFill>
+              </a:rPr>
+              <a:t>nth-child(even)	</a:t>
+            </a:r>
+            <a:r>
+              <a:rPr lang="en-US" dirty="0">
+                <a:solidFill>
+                  <a:schemeClr val="tx2">
+                    <a:lumMod val="75000"/>
+                  </a:schemeClr>
+                </a:solidFill>
+              </a:rPr>
+              <a:t>- </a:t>
+            </a:r>
+            <a:r>
+              <a:rPr lang="bg-BG" dirty="0">
+                <a:solidFill>
+                  <a:schemeClr val="tx2">
+                    <a:lumMod val="75000"/>
+                  </a:schemeClr>
+                </a:solidFill>
+              </a:rPr>
+              <a:t>селектира четните елементи;</a:t>
+            </a:r>
+            <a:endParaRPr lang="en-US" dirty="0">
+              <a:solidFill>
+                <a:schemeClr val="tx2">
+                  <a:lumMod val="75000"/>
+                </a:schemeClr>
+              </a:solidFill>
+            </a:endParaRPr>
+          </a:p>
+          <a:p>
+            <a:endParaRPr lang="en-US" dirty="0">
+              <a:solidFill>
+                <a:srgbClr val="9365B8"/>
+              </a:solidFill>
+            </a:endParaRPr>
+          </a:p>
+          <a:p>
+            <a:r>
+              <a:rPr lang="en-US" dirty="0">
+                <a:solidFill>
+                  <a:srgbClr val="9365B8"/>
+                </a:solidFill>
+              </a:rPr>
+              <a:t>:not(p)*		</a:t>
+            </a:r>
+            <a:r>
+              <a:rPr lang="en-US" dirty="0">
+                <a:solidFill>
+                  <a:schemeClr val="tx2">
+                    <a:lumMod val="75000"/>
+                  </a:schemeClr>
+                </a:solidFill>
+              </a:rPr>
+              <a:t>- </a:t>
+            </a:r>
+            <a:r>
+              <a:rPr lang="bg-BG" dirty="0">
+                <a:solidFill>
+                  <a:schemeClr val="tx2">
+                    <a:lumMod val="75000"/>
+                  </a:schemeClr>
+                </a:solidFill>
+              </a:rPr>
+              <a:t>ще селектира всеки елемент който не е изключен, в случая </a:t>
+            </a:r>
+            <a:r>
+              <a:rPr lang="en-US" dirty="0">
+                <a:solidFill>
+                  <a:schemeClr val="tx2">
+                    <a:lumMod val="75000"/>
+                  </a:schemeClr>
+                </a:solidFill>
+              </a:rPr>
+              <a:t>p</a:t>
+            </a:r>
+          </a:p>
+          <a:p>
+            <a:endParaRPr lang="en-US" dirty="0">
+              <a:solidFill>
+                <a:srgbClr val="9365B8"/>
+              </a:solidFill>
+            </a:endParaRPr>
+          </a:p>
+        </p:txBody>
+      </p:sp>
+    </p:spTree>
+    <p:extLst>
+      <p:ext uri="{BB962C8B-B14F-4D97-AF65-F5344CB8AC3E}">
+        <p14:creationId xmlns:p14="http://schemas.microsoft.com/office/powerpoint/2010/main" val="962815378"/>
+      </p:ext>
+    </p:extLst>
+  </p:cSld>
+  <p:clrMapOvr>
+    <a:masterClrMapping/>
+  </p:clrMapOvr>
+</p:sld>
+</file>
+
+<file path=ppt/slides/slide11.xml><?xml version="1.0" encoding="utf-8"?>
+<p:sld xmlns:a="http://schemas.openxmlformats.org/drawingml/2006/main" xmlns:r="http://schemas.openxmlformats.org/officeDocument/2006/relationships" xmlns:p="http://schemas.openxmlformats.org/presentationml/2006/main">
+  <p:cSld>
+    <p:bg>
+      <p:bgPr>
+        <a:blipFill dpi="0" rotWithShape="1">
+          <a:blip r:embed="rId3">
+            <a:lum/>
+          </a:blip>
+          <a:srcRect/>
+          <a:stretch>
+            <a:fillRect/>
+          </a:stretch>
+        </a:blipFill>
+        <a:effectLst/>
+      </p:bgPr>
+    </p:bg>
+    <p:spTree>
+      <p:nvGrpSpPr>
+        <p:cNvPr id="1" name=""/>
+        <p:cNvGrpSpPr/>
+        <p:nvPr/>
+      </p:nvGrpSpPr>
+      <p:grpSpPr>
+        <a:xfrm>
+          <a:off x="0" y="0"/>
+          <a:ext cx="0" cy="0"/>
+          <a:chOff x="0" y="0"/>
+          <a:chExt cx="0" cy="0"/>
+        </a:xfrm>
+      </p:grpSpPr>
+      <p:sp>
+        <p:nvSpPr>
+          <p:cNvPr id="39" name="Rectangle 38">
+            <a:extLst>
+              <a:ext uri="{FF2B5EF4-FFF2-40B4-BE49-F238E27FC236}">
+                <a16:creationId xmlns:a16="http://schemas.microsoft.com/office/drawing/2014/main" id="{C1C163D1-85A2-4643-BA3C-22035ECBF6E9}"/>
+              </a:ext>
+            </a:extLst>
+          </p:cNvPr>
+          <p:cNvSpPr/>
+          <p:nvPr/>
+        </p:nvSpPr>
+        <p:spPr>
+          <a:xfrm>
+            <a:off x="7210970" y="0"/>
+            <a:ext cx="1933031" cy="356965"/>
+          </a:xfrm>
+          <a:prstGeom prst="rect">
+            <a:avLst/>
+          </a:prstGeom>
+          <a:solidFill>
+            <a:srgbClr val="0F7792">
+              <a:alpha val="50196"/>
+            </a:srgbClr>
+          </a:solidFill>
+          <a:ln>
+            <a:noFill/>
+          </a:ln>
+        </p:spPr>
+        <p:style>
+          <a:lnRef idx="2">
+            <a:schemeClr val="accent1">
+              <a:shade val="50000"/>
+            </a:schemeClr>
+          </a:lnRef>
+          <a:fillRef idx="1">
+            <a:schemeClr val="accent1"/>
+          </a:fillRef>
+          <a:effectRef idx="0">
+            <a:schemeClr val="accent1"/>
+          </a:effectRef>
+          <a:fontRef idx="minor">
+            <a:schemeClr val="lt1"/>
+          </a:fontRef>
+        </p:style>
+        <p:txBody>
+          <a:bodyPr rtlCol="0" anchor="ctr"/>
+          <a:lstStyle/>
+          <a:p>
+            <a:pPr algn="ctr"/>
+            <a:r>
+              <a:rPr lang="en-US" sz="1400" dirty="0"/>
+              <a:t>CSS Pseudo Elements</a:t>
+            </a:r>
+          </a:p>
+        </p:txBody>
+      </p:sp>
+      <p:sp>
+        <p:nvSpPr>
+          <p:cNvPr id="5" name="Rectangle 4">
+            <a:extLst>
+              <a:ext uri="{FF2B5EF4-FFF2-40B4-BE49-F238E27FC236}">
+                <a16:creationId xmlns:a16="http://schemas.microsoft.com/office/drawing/2014/main" id="{12131ED0-4950-475C-B7DC-450FBBF3C54A}"/>
+              </a:ext>
+            </a:extLst>
+          </p:cNvPr>
+          <p:cNvSpPr/>
+          <p:nvPr/>
+        </p:nvSpPr>
+        <p:spPr>
+          <a:xfrm>
+            <a:off x="0" y="0"/>
+            <a:ext cx="4283968" cy="356965"/>
+          </a:xfrm>
+          <a:prstGeom prst="rect">
+            <a:avLst/>
+          </a:prstGeom>
+          <a:solidFill>
+            <a:srgbClr val="0F7792"/>
+          </a:solidFill>
+          <a:ln>
+            <a:noFill/>
+          </a:ln>
+        </p:spPr>
+        <p:style>
+          <a:lnRef idx="2">
+            <a:schemeClr val="accent1">
+              <a:shade val="50000"/>
+            </a:schemeClr>
+          </a:lnRef>
+          <a:fillRef idx="1">
+            <a:schemeClr val="accent1"/>
+          </a:fillRef>
+          <a:effectRef idx="0">
+            <a:schemeClr val="accent1"/>
+          </a:effectRef>
+          <a:fontRef idx="minor">
+            <a:schemeClr val="lt1"/>
+          </a:fontRef>
+        </p:style>
+        <p:txBody>
+          <a:bodyPr rtlCol="0" anchor="ctr"/>
+          <a:lstStyle/>
+          <a:p>
+            <a:pPr algn="ctr"/>
+            <a:endParaRPr lang="en-US"/>
+          </a:p>
+        </p:txBody>
+      </p:sp>
+      <p:sp>
+        <p:nvSpPr>
+          <p:cNvPr id="4" name="TextBox 3">
+            <a:extLst>
+              <a:ext uri="{FF2B5EF4-FFF2-40B4-BE49-F238E27FC236}">
+                <a16:creationId xmlns:a16="http://schemas.microsoft.com/office/drawing/2014/main" id="{DB2A6D78-D3DF-4739-BCDE-EE78ED59B04D}"/>
+              </a:ext>
+            </a:extLst>
+          </p:cNvPr>
+          <p:cNvSpPr txBox="1"/>
+          <p:nvPr/>
+        </p:nvSpPr>
+        <p:spPr>
+          <a:xfrm>
+            <a:off x="89756" y="24634"/>
+            <a:ext cx="4122204" cy="276999"/>
+          </a:xfrm>
+          <a:prstGeom prst="rect">
+            <a:avLst/>
+          </a:prstGeom>
+          <a:noFill/>
+        </p:spPr>
+        <p:txBody>
+          <a:bodyPr wrap="square" rtlCol="0">
+            <a:spAutoFit/>
+          </a:bodyPr>
+          <a:lstStyle/>
+          <a:p>
+            <a:r>
+              <a:rPr lang="en-US" sz="1200" b="1" dirty="0">
+                <a:solidFill>
+                  <a:schemeClr val="bg1"/>
+                </a:solidFill>
+                <a:latin typeface="Verdana" panose="020B0604030504040204" pitchFamily="34" charset="0"/>
+                <a:ea typeface="Verdana" panose="020B0604030504040204" pitchFamily="34" charset="0"/>
+                <a:cs typeface="Verdana" panose="020B0604030504040204" pitchFamily="34" charset="0"/>
+              </a:rPr>
+              <a:t>CSS selectors</a:t>
+            </a:r>
+            <a:endParaRPr lang="bg-BG" sz="1200" dirty="0">
+              <a:solidFill>
+                <a:schemeClr val="bg1"/>
+              </a:solidFill>
+              <a:latin typeface="Verdana" panose="020B0604030504040204" pitchFamily="34" charset="0"/>
+              <a:ea typeface="Verdana" panose="020B0604030504040204" pitchFamily="34" charset="0"/>
+              <a:cs typeface="Verdana" panose="020B0604030504040204" pitchFamily="34" charset="0"/>
+            </a:endParaRPr>
+          </a:p>
+        </p:txBody>
+      </p:sp>
+      <p:sp>
+        <p:nvSpPr>
+          <p:cNvPr id="10" name="Rectangle: Rounded Corners 5">
+            <a:extLst>
+              <a:ext uri="{FF2B5EF4-FFF2-40B4-BE49-F238E27FC236}">
+                <a16:creationId xmlns:a16="http://schemas.microsoft.com/office/drawing/2014/main" id="{682EAE92-D6DF-494B-9CC1-FF2B7145CC2C}"/>
+              </a:ext>
+            </a:extLst>
+          </p:cNvPr>
+          <p:cNvSpPr/>
+          <p:nvPr/>
+        </p:nvSpPr>
+        <p:spPr>
+          <a:xfrm>
+            <a:off x="1187624" y="625252"/>
+            <a:ext cx="6624736" cy="504056"/>
+          </a:xfrm>
+          <a:prstGeom prst="roundRect">
+            <a:avLst/>
+          </a:prstGeom>
+          <a:solidFill>
+            <a:srgbClr val="127994"/>
+          </a:solidFill>
+          <a:ln>
+            <a:noFill/>
+          </a:ln>
+          <a:effectLst>
+            <a:outerShdw blurRad="50800" dist="38100" dir="5400000" algn="t" rotWithShape="0">
+              <a:prstClr val="black">
+                <a:alpha val="40000"/>
+              </a:prstClr>
+            </a:outerShdw>
+          </a:effectLst>
+        </p:spPr>
+        <p:style>
+          <a:lnRef idx="2">
+            <a:schemeClr val="accent1">
+              <a:shade val="50000"/>
+            </a:schemeClr>
+          </a:lnRef>
+          <a:fillRef idx="1">
+            <a:schemeClr val="accent1"/>
+          </a:fillRef>
+          <a:effectRef idx="0">
+            <a:schemeClr val="accent1"/>
+          </a:effectRef>
+          <a:fontRef idx="minor">
+            <a:schemeClr val="lt1"/>
+          </a:fontRef>
+        </p:style>
+        <p:txBody>
+          <a:bodyPr rtlCol="0" anchor="ctr"/>
+          <a:lstStyle/>
+          <a:p>
+            <a:pPr algn="ctr"/>
+            <a:r>
+              <a:rPr lang="en-US" dirty="0"/>
+              <a:t>CSS Pseudo Elements</a:t>
+            </a:r>
+          </a:p>
+        </p:txBody>
+      </p:sp>
+      <p:sp>
+        <p:nvSpPr>
+          <p:cNvPr id="9" name="TextBox 8"/>
+          <p:cNvSpPr txBox="1"/>
+          <p:nvPr/>
+        </p:nvSpPr>
+        <p:spPr>
+          <a:xfrm>
+            <a:off x="359532" y="1503769"/>
+            <a:ext cx="8280920" cy="2585323"/>
+          </a:xfrm>
+          <a:prstGeom prst="rect">
+            <a:avLst/>
+          </a:prstGeom>
+          <a:noFill/>
+        </p:spPr>
+        <p:txBody>
+          <a:bodyPr wrap="square" rtlCol="0">
+            <a:spAutoFit/>
+          </a:bodyPr>
+          <a:lstStyle/>
+          <a:p>
+            <a:r>
+              <a:rPr lang="en-US" dirty="0">
+                <a:solidFill>
+                  <a:schemeClr val="tx2">
+                    <a:lumMod val="75000"/>
+                  </a:schemeClr>
+                </a:solidFill>
+              </a:rPr>
+              <a:t>CSS </a:t>
+            </a:r>
+            <a:r>
+              <a:rPr lang="bg-BG" dirty="0">
+                <a:solidFill>
+                  <a:schemeClr val="tx2">
+                    <a:lumMod val="75000"/>
+                  </a:schemeClr>
+                </a:solidFill>
+              </a:rPr>
+              <a:t>псевдо елементите се използват за да се стилизират специфични части от даден елемент</a:t>
+            </a:r>
+            <a:r>
+              <a:rPr lang="en-US" dirty="0">
+                <a:solidFill>
+                  <a:schemeClr val="tx2">
+                    <a:lumMod val="75000"/>
+                  </a:schemeClr>
+                </a:solidFill>
+              </a:rPr>
+              <a:t>.</a:t>
+            </a:r>
+            <a:endParaRPr lang="en-US" dirty="0">
+              <a:solidFill>
+                <a:srgbClr val="9365B8"/>
+              </a:solidFill>
+            </a:endParaRPr>
+          </a:p>
+          <a:p>
+            <a:endParaRPr lang="en-US" dirty="0">
+              <a:solidFill>
+                <a:srgbClr val="9365B8"/>
+              </a:solidFill>
+            </a:endParaRPr>
+          </a:p>
+          <a:p>
+            <a:r>
+              <a:rPr lang="en-US" dirty="0">
+                <a:solidFill>
+                  <a:srgbClr val="9365B8"/>
+                </a:solidFill>
+              </a:rPr>
+              <a:t>::first-letter      	</a:t>
+            </a:r>
+            <a:r>
+              <a:rPr lang="en-US" dirty="0">
+                <a:solidFill>
+                  <a:schemeClr val="tx2">
+                    <a:lumMod val="75000"/>
+                  </a:schemeClr>
+                </a:solidFill>
+              </a:rPr>
+              <a:t>-</a:t>
+            </a:r>
+            <a:r>
+              <a:rPr lang="bg-BG" dirty="0">
+                <a:solidFill>
+                  <a:schemeClr val="tx2">
+                    <a:lumMod val="75000"/>
+                  </a:schemeClr>
+                </a:solidFill>
+              </a:rPr>
+              <a:t> селектира първата буква;</a:t>
+            </a:r>
+          </a:p>
+          <a:p>
+            <a:r>
+              <a:rPr lang="en-US" dirty="0">
+                <a:solidFill>
+                  <a:srgbClr val="9365B8"/>
+                </a:solidFill>
+              </a:rPr>
+              <a:t>::first-line 	</a:t>
+            </a:r>
+            <a:r>
+              <a:rPr lang="bg-BG" dirty="0">
+                <a:solidFill>
+                  <a:schemeClr val="tx2">
+                    <a:lumMod val="75000"/>
+                  </a:schemeClr>
+                </a:solidFill>
+              </a:rPr>
+              <a:t>- селектира първи ред;</a:t>
+            </a:r>
+            <a:endParaRPr lang="en-US" dirty="0">
+              <a:solidFill>
+                <a:srgbClr val="9365B8"/>
+              </a:solidFill>
+            </a:endParaRPr>
+          </a:p>
+          <a:p>
+            <a:endParaRPr lang="en-US" dirty="0">
+              <a:solidFill>
+                <a:srgbClr val="9365B8"/>
+              </a:solidFill>
+            </a:endParaRPr>
+          </a:p>
+          <a:p>
+            <a:r>
+              <a:rPr lang="en-US" dirty="0">
+                <a:solidFill>
+                  <a:srgbClr val="9365B8"/>
+                </a:solidFill>
+              </a:rPr>
+              <a:t>::before</a:t>
+            </a:r>
+            <a:r>
+              <a:rPr lang="bg-BG" dirty="0">
+                <a:solidFill>
+                  <a:srgbClr val="9365B8"/>
+                </a:solidFill>
+              </a:rPr>
+              <a:t> </a:t>
+            </a:r>
+            <a:r>
+              <a:rPr lang="en-US" dirty="0">
+                <a:solidFill>
+                  <a:srgbClr val="9365B8"/>
+                </a:solidFill>
+              </a:rPr>
+              <a:t>		</a:t>
+            </a:r>
+            <a:r>
+              <a:rPr lang="en-US" dirty="0">
+                <a:solidFill>
+                  <a:schemeClr val="tx2">
+                    <a:lumMod val="75000"/>
+                  </a:schemeClr>
+                </a:solidFill>
+              </a:rPr>
+              <a:t>- “</a:t>
+            </a:r>
+            <a:r>
+              <a:rPr lang="bg-BG" dirty="0">
+                <a:solidFill>
+                  <a:schemeClr val="tx2">
+                    <a:lumMod val="75000"/>
+                  </a:schemeClr>
+                </a:solidFill>
+              </a:rPr>
+              <a:t>вмъква</a:t>
+            </a:r>
+            <a:r>
+              <a:rPr lang="en-US" dirty="0">
+                <a:solidFill>
+                  <a:schemeClr val="tx2">
+                    <a:lumMod val="75000"/>
+                  </a:schemeClr>
+                </a:solidFill>
+              </a:rPr>
+              <a:t>”</a:t>
+            </a:r>
+            <a:r>
+              <a:rPr lang="bg-BG" dirty="0">
+                <a:solidFill>
+                  <a:schemeClr val="tx2">
+                    <a:lumMod val="75000"/>
+                  </a:schemeClr>
+                </a:solidFill>
+              </a:rPr>
+              <a:t> елемент непосредствено преди селектирания;</a:t>
+            </a:r>
+            <a:endParaRPr lang="en-US" dirty="0">
+              <a:solidFill>
+                <a:srgbClr val="9365B8"/>
+              </a:solidFill>
+            </a:endParaRPr>
+          </a:p>
+          <a:p>
+            <a:r>
+              <a:rPr lang="bg-BG" dirty="0">
+                <a:solidFill>
+                  <a:srgbClr val="9365B8"/>
+                </a:solidFill>
+              </a:rPr>
+              <a:t>:</a:t>
+            </a:r>
+            <a:r>
+              <a:rPr lang="en-US" dirty="0">
+                <a:solidFill>
+                  <a:srgbClr val="9365B8"/>
+                </a:solidFill>
+              </a:rPr>
+              <a:t>:after		</a:t>
+            </a:r>
+            <a:r>
+              <a:rPr lang="en-US" dirty="0">
+                <a:solidFill>
+                  <a:schemeClr val="tx2">
+                    <a:lumMod val="75000"/>
+                  </a:schemeClr>
+                </a:solidFill>
+              </a:rPr>
+              <a:t>- “</a:t>
+            </a:r>
+            <a:r>
+              <a:rPr lang="bg-BG" dirty="0">
+                <a:solidFill>
+                  <a:schemeClr val="tx2">
+                    <a:lumMod val="75000"/>
+                  </a:schemeClr>
+                </a:solidFill>
+              </a:rPr>
+              <a:t>вмъква</a:t>
+            </a:r>
+            <a:r>
+              <a:rPr lang="en-US" dirty="0">
+                <a:solidFill>
+                  <a:schemeClr val="tx2">
+                    <a:lumMod val="75000"/>
+                  </a:schemeClr>
+                </a:solidFill>
+              </a:rPr>
+              <a:t>”</a:t>
+            </a:r>
+            <a:r>
+              <a:rPr lang="bg-BG" dirty="0">
+                <a:solidFill>
+                  <a:schemeClr val="tx2">
+                    <a:lumMod val="75000"/>
+                  </a:schemeClr>
+                </a:solidFill>
+              </a:rPr>
+              <a:t> елемент непосредствено след селектирания;</a:t>
+            </a:r>
+            <a:endParaRPr lang="en-US" dirty="0">
+              <a:solidFill>
+                <a:srgbClr val="9365B8"/>
+              </a:solidFill>
+            </a:endParaRPr>
+          </a:p>
+          <a:p>
+            <a:endParaRPr lang="en-US" dirty="0">
+              <a:solidFill>
+                <a:srgbClr val="9365B8"/>
+              </a:solidFill>
+            </a:endParaRPr>
+          </a:p>
+        </p:txBody>
+      </p:sp>
+    </p:spTree>
+    <p:extLst>
+      <p:ext uri="{BB962C8B-B14F-4D97-AF65-F5344CB8AC3E}">
+        <p14:creationId xmlns:p14="http://schemas.microsoft.com/office/powerpoint/2010/main" val="2122249005"/>
+      </p:ext>
+    </p:extLst>
+  </p:cSld>
+  <p:clrMapOvr>
+    <a:masterClrMapping/>
+  </p:clrMapOvr>
+</p:sld>
+</file>
+
+<file path=ppt/slides/slide12.xml><?xml version="1.0" encoding="utf-8"?>
+<p:sld xmlns:a="http://schemas.openxmlformats.org/drawingml/2006/main" xmlns:r="http://schemas.openxmlformats.org/officeDocument/2006/relationships" xmlns:p="http://schemas.openxmlformats.org/presentationml/2006/main">
+  <p:cSld>
+    <p:bg>
+      <p:bgPr>
+        <a:blipFill dpi="0" rotWithShape="1">
+          <a:blip r:embed="rId3">
+            <a:lum/>
+          </a:blip>
+          <a:srcRect/>
+          <a:stretch>
+            <a:fillRect/>
+          </a:stretch>
+        </a:blipFill>
+        <a:effectLst/>
+      </p:bgPr>
+    </p:bg>
+    <p:spTree>
+      <p:nvGrpSpPr>
+        <p:cNvPr id="1" name=""/>
+        <p:cNvGrpSpPr/>
+        <p:nvPr/>
+      </p:nvGrpSpPr>
+      <p:grpSpPr>
+        <a:xfrm>
+          <a:off x="0" y="0"/>
+          <a:ext cx="0" cy="0"/>
+          <a:chOff x="0" y="0"/>
+          <a:chExt cx="0" cy="0"/>
+        </a:xfrm>
+      </p:grpSpPr>
+      <p:sp>
+        <p:nvSpPr>
+          <p:cNvPr id="39" name="Rectangle 38">
+            <a:extLst>
+              <a:ext uri="{FF2B5EF4-FFF2-40B4-BE49-F238E27FC236}">
+                <a16:creationId xmlns:a16="http://schemas.microsoft.com/office/drawing/2014/main" id="{C1C163D1-85A2-4643-BA3C-22035ECBF6E9}"/>
+              </a:ext>
+            </a:extLst>
+          </p:cNvPr>
+          <p:cNvSpPr/>
+          <p:nvPr/>
+        </p:nvSpPr>
+        <p:spPr>
+          <a:xfrm>
+            <a:off x="7210970" y="0"/>
+            <a:ext cx="1933031" cy="356965"/>
+          </a:xfrm>
+          <a:prstGeom prst="rect">
+            <a:avLst/>
+          </a:prstGeom>
+          <a:solidFill>
+            <a:srgbClr val="0F7792">
+              <a:alpha val="50196"/>
+            </a:srgbClr>
+          </a:solidFill>
+          <a:ln>
+            <a:noFill/>
+          </a:ln>
+        </p:spPr>
+        <p:style>
+          <a:lnRef idx="2">
+            <a:schemeClr val="accent1">
+              <a:shade val="50000"/>
+            </a:schemeClr>
+          </a:lnRef>
+          <a:fillRef idx="1">
+            <a:schemeClr val="accent1"/>
+          </a:fillRef>
+          <a:effectRef idx="0">
+            <a:schemeClr val="accent1"/>
+          </a:effectRef>
+          <a:fontRef idx="minor">
+            <a:schemeClr val="lt1"/>
+          </a:fontRef>
+        </p:style>
+        <p:txBody>
+          <a:bodyPr rtlCol="0" anchor="ctr"/>
+          <a:lstStyle/>
+          <a:p>
+            <a:pPr algn="ctr"/>
+            <a:r>
+              <a:rPr lang="en-US" sz="1400" dirty="0"/>
+              <a:t>CSS Pseudo Elements</a:t>
+            </a:r>
+          </a:p>
+        </p:txBody>
+      </p:sp>
+      <p:sp>
+        <p:nvSpPr>
+          <p:cNvPr id="5" name="Rectangle 4">
+            <a:extLst>
+              <a:ext uri="{FF2B5EF4-FFF2-40B4-BE49-F238E27FC236}">
+                <a16:creationId xmlns:a16="http://schemas.microsoft.com/office/drawing/2014/main" id="{12131ED0-4950-475C-B7DC-450FBBF3C54A}"/>
+              </a:ext>
+            </a:extLst>
+          </p:cNvPr>
+          <p:cNvSpPr/>
+          <p:nvPr/>
+        </p:nvSpPr>
+        <p:spPr>
+          <a:xfrm>
+            <a:off x="0" y="0"/>
+            <a:ext cx="4283968" cy="356965"/>
+          </a:xfrm>
+          <a:prstGeom prst="rect">
+            <a:avLst/>
+          </a:prstGeom>
+          <a:solidFill>
+            <a:srgbClr val="0F7792"/>
+          </a:solidFill>
+          <a:ln>
+            <a:noFill/>
+          </a:ln>
+        </p:spPr>
+        <p:style>
+          <a:lnRef idx="2">
+            <a:schemeClr val="accent1">
+              <a:shade val="50000"/>
+            </a:schemeClr>
+          </a:lnRef>
+          <a:fillRef idx="1">
+            <a:schemeClr val="accent1"/>
+          </a:fillRef>
+          <a:effectRef idx="0">
+            <a:schemeClr val="accent1"/>
+          </a:effectRef>
+          <a:fontRef idx="minor">
+            <a:schemeClr val="lt1"/>
+          </a:fontRef>
+        </p:style>
+        <p:txBody>
+          <a:bodyPr rtlCol="0" anchor="ctr"/>
+          <a:lstStyle/>
+          <a:p>
+            <a:pPr algn="ctr"/>
+            <a:endParaRPr lang="en-US"/>
+          </a:p>
+        </p:txBody>
+      </p:sp>
+      <p:sp>
+        <p:nvSpPr>
+          <p:cNvPr id="4" name="TextBox 3">
+            <a:extLst>
+              <a:ext uri="{FF2B5EF4-FFF2-40B4-BE49-F238E27FC236}">
+                <a16:creationId xmlns:a16="http://schemas.microsoft.com/office/drawing/2014/main" id="{DB2A6D78-D3DF-4739-BCDE-EE78ED59B04D}"/>
+              </a:ext>
+            </a:extLst>
+          </p:cNvPr>
+          <p:cNvSpPr txBox="1"/>
+          <p:nvPr/>
+        </p:nvSpPr>
+        <p:spPr>
+          <a:xfrm>
+            <a:off x="89756" y="24634"/>
+            <a:ext cx="4122204" cy="276999"/>
+          </a:xfrm>
+          <a:prstGeom prst="rect">
+            <a:avLst/>
+          </a:prstGeom>
+          <a:noFill/>
+        </p:spPr>
+        <p:txBody>
+          <a:bodyPr wrap="square" rtlCol="0">
+            <a:spAutoFit/>
+          </a:bodyPr>
+          <a:lstStyle/>
+          <a:p>
+            <a:r>
+              <a:rPr lang="en-US" sz="1200" b="1" dirty="0">
+                <a:solidFill>
+                  <a:schemeClr val="bg1"/>
+                </a:solidFill>
+                <a:latin typeface="Verdana" panose="020B0604030504040204" pitchFamily="34" charset="0"/>
+                <a:ea typeface="Verdana" panose="020B0604030504040204" pitchFamily="34" charset="0"/>
+                <a:cs typeface="Verdana" panose="020B0604030504040204" pitchFamily="34" charset="0"/>
+              </a:rPr>
+              <a:t>CSS selectors</a:t>
+            </a:r>
+            <a:endParaRPr lang="bg-BG" sz="1200" dirty="0">
+              <a:solidFill>
+                <a:schemeClr val="bg1"/>
+              </a:solidFill>
+              <a:latin typeface="Verdana" panose="020B0604030504040204" pitchFamily="34" charset="0"/>
+              <a:ea typeface="Verdana" panose="020B0604030504040204" pitchFamily="34" charset="0"/>
+              <a:cs typeface="Verdana" panose="020B0604030504040204" pitchFamily="34" charset="0"/>
+            </a:endParaRPr>
+          </a:p>
+        </p:txBody>
+      </p:sp>
+      <p:sp>
+        <p:nvSpPr>
+          <p:cNvPr id="10" name="Rectangle: Rounded Corners 5">
+            <a:extLst>
+              <a:ext uri="{FF2B5EF4-FFF2-40B4-BE49-F238E27FC236}">
+                <a16:creationId xmlns:a16="http://schemas.microsoft.com/office/drawing/2014/main" id="{682EAE92-D6DF-494B-9CC1-FF2B7145CC2C}"/>
+              </a:ext>
+            </a:extLst>
+          </p:cNvPr>
+          <p:cNvSpPr/>
+          <p:nvPr/>
+        </p:nvSpPr>
+        <p:spPr>
+          <a:xfrm>
+            <a:off x="1187624" y="625252"/>
+            <a:ext cx="6624736" cy="504056"/>
+          </a:xfrm>
+          <a:prstGeom prst="roundRect">
+            <a:avLst/>
+          </a:prstGeom>
+          <a:solidFill>
+            <a:srgbClr val="127994"/>
+          </a:solidFill>
+          <a:ln>
+            <a:noFill/>
+          </a:ln>
+          <a:effectLst>
+            <a:outerShdw blurRad="50800" dist="38100" dir="5400000" algn="t" rotWithShape="0">
+              <a:prstClr val="black">
+                <a:alpha val="40000"/>
+              </a:prstClr>
+            </a:outerShdw>
+          </a:effectLst>
+        </p:spPr>
+        <p:style>
+          <a:lnRef idx="2">
+            <a:schemeClr val="accent1">
+              <a:shade val="50000"/>
+            </a:schemeClr>
+          </a:lnRef>
+          <a:fillRef idx="1">
+            <a:schemeClr val="accent1"/>
+          </a:fillRef>
+          <a:effectRef idx="0">
+            <a:schemeClr val="accent1"/>
+          </a:effectRef>
+          <a:fontRef idx="minor">
+            <a:schemeClr val="lt1"/>
+          </a:fontRef>
+        </p:style>
+        <p:txBody>
+          <a:bodyPr rtlCol="0" anchor="ctr"/>
+          <a:lstStyle/>
+          <a:p>
+            <a:pPr algn="ctr"/>
+            <a:r>
+              <a:rPr lang="en-US" dirty="0"/>
+              <a:t>CSS Pseudo Elements</a:t>
+            </a:r>
+          </a:p>
+        </p:txBody>
+      </p:sp>
+      <p:sp>
+        <p:nvSpPr>
+          <p:cNvPr id="9" name="TextBox 8"/>
+          <p:cNvSpPr txBox="1"/>
+          <p:nvPr/>
+        </p:nvSpPr>
+        <p:spPr>
+          <a:xfrm>
+            <a:off x="359532" y="1503769"/>
+            <a:ext cx="8280920" cy="2585323"/>
+          </a:xfrm>
+          <a:prstGeom prst="rect">
+            <a:avLst/>
+          </a:prstGeom>
+          <a:noFill/>
+        </p:spPr>
+        <p:txBody>
+          <a:bodyPr wrap="square" rtlCol="0">
+            <a:spAutoFit/>
+          </a:bodyPr>
+          <a:lstStyle/>
+          <a:p>
+            <a:r>
+              <a:rPr lang="en-US" dirty="0">
+                <a:solidFill>
+                  <a:schemeClr val="tx2">
+                    <a:lumMod val="75000"/>
+                  </a:schemeClr>
+                </a:solidFill>
+              </a:rPr>
+              <a:t>CSS </a:t>
+            </a:r>
+            <a:r>
+              <a:rPr lang="bg-BG" dirty="0">
+                <a:solidFill>
+                  <a:schemeClr val="tx2">
+                    <a:lumMod val="75000"/>
+                  </a:schemeClr>
+                </a:solidFill>
+              </a:rPr>
+              <a:t>псевдо елементите се използват за да се стилизират специфични части от даден елемент</a:t>
+            </a:r>
+            <a:r>
+              <a:rPr lang="en-US" dirty="0">
+                <a:solidFill>
+                  <a:schemeClr val="tx2">
+                    <a:lumMod val="75000"/>
+                  </a:schemeClr>
+                </a:solidFill>
+              </a:rPr>
+              <a:t>.</a:t>
+            </a:r>
+            <a:endParaRPr lang="en-US" dirty="0">
+              <a:solidFill>
+                <a:srgbClr val="9365B8"/>
+              </a:solidFill>
+            </a:endParaRPr>
+          </a:p>
+          <a:p>
+            <a:endParaRPr lang="en-US" dirty="0">
+              <a:solidFill>
+                <a:srgbClr val="9365B8"/>
+              </a:solidFill>
+            </a:endParaRPr>
+          </a:p>
+          <a:p>
+            <a:r>
+              <a:rPr lang="en-US" dirty="0">
+                <a:solidFill>
+                  <a:srgbClr val="9365B8"/>
+                </a:solidFill>
+              </a:rPr>
+              <a:t>::first-letter      	</a:t>
+            </a:r>
+            <a:r>
+              <a:rPr lang="en-US" dirty="0">
+                <a:solidFill>
+                  <a:schemeClr val="tx2">
+                    <a:lumMod val="75000"/>
+                  </a:schemeClr>
+                </a:solidFill>
+              </a:rPr>
+              <a:t>-</a:t>
+            </a:r>
+            <a:r>
+              <a:rPr lang="bg-BG" dirty="0">
+                <a:solidFill>
+                  <a:schemeClr val="tx2">
+                    <a:lumMod val="75000"/>
+                  </a:schemeClr>
+                </a:solidFill>
+              </a:rPr>
+              <a:t> селектира първата буква;</a:t>
+            </a:r>
+          </a:p>
+          <a:p>
+            <a:r>
+              <a:rPr lang="en-US" dirty="0">
+                <a:solidFill>
+                  <a:srgbClr val="9365B8"/>
+                </a:solidFill>
+              </a:rPr>
+              <a:t>::first-line 	</a:t>
+            </a:r>
+            <a:r>
+              <a:rPr lang="bg-BG" dirty="0">
+                <a:solidFill>
+                  <a:schemeClr val="tx2">
+                    <a:lumMod val="75000"/>
+                  </a:schemeClr>
+                </a:solidFill>
+              </a:rPr>
+              <a:t>- селектира първи ред;</a:t>
+            </a:r>
+            <a:endParaRPr lang="en-US" dirty="0">
+              <a:solidFill>
+                <a:srgbClr val="9365B8"/>
+              </a:solidFill>
+            </a:endParaRPr>
+          </a:p>
+          <a:p>
+            <a:endParaRPr lang="en-US" dirty="0">
+              <a:solidFill>
+                <a:srgbClr val="9365B8"/>
+              </a:solidFill>
+            </a:endParaRPr>
+          </a:p>
+          <a:p>
+            <a:r>
+              <a:rPr lang="en-US" dirty="0">
+                <a:solidFill>
+                  <a:srgbClr val="9365B8"/>
+                </a:solidFill>
+              </a:rPr>
+              <a:t>::before</a:t>
+            </a:r>
+            <a:r>
+              <a:rPr lang="bg-BG" dirty="0">
+                <a:solidFill>
+                  <a:srgbClr val="9365B8"/>
+                </a:solidFill>
+              </a:rPr>
+              <a:t> </a:t>
+            </a:r>
+            <a:r>
+              <a:rPr lang="en-US" dirty="0">
+                <a:solidFill>
+                  <a:srgbClr val="9365B8"/>
+                </a:solidFill>
+              </a:rPr>
+              <a:t>		</a:t>
+            </a:r>
+            <a:r>
+              <a:rPr lang="en-US" dirty="0">
+                <a:solidFill>
+                  <a:schemeClr val="tx2">
+                    <a:lumMod val="75000"/>
+                  </a:schemeClr>
+                </a:solidFill>
+              </a:rPr>
+              <a:t>- “</a:t>
+            </a:r>
+            <a:r>
+              <a:rPr lang="bg-BG" dirty="0">
+                <a:solidFill>
+                  <a:schemeClr val="tx2">
+                    <a:lumMod val="75000"/>
+                  </a:schemeClr>
+                </a:solidFill>
+              </a:rPr>
+              <a:t>вмъква</a:t>
+            </a:r>
+            <a:r>
+              <a:rPr lang="en-US" dirty="0">
+                <a:solidFill>
+                  <a:schemeClr val="tx2">
+                    <a:lumMod val="75000"/>
+                  </a:schemeClr>
+                </a:solidFill>
+              </a:rPr>
+              <a:t>”</a:t>
+            </a:r>
+            <a:r>
+              <a:rPr lang="bg-BG" dirty="0">
+                <a:solidFill>
+                  <a:schemeClr val="tx2">
+                    <a:lumMod val="75000"/>
+                  </a:schemeClr>
+                </a:solidFill>
+              </a:rPr>
+              <a:t> елемент непосредствено преди селектирания;</a:t>
+            </a:r>
+            <a:endParaRPr lang="en-US" dirty="0">
+              <a:solidFill>
+                <a:srgbClr val="9365B8"/>
+              </a:solidFill>
+            </a:endParaRPr>
+          </a:p>
+          <a:p>
+            <a:r>
+              <a:rPr lang="bg-BG" dirty="0">
+                <a:solidFill>
+                  <a:srgbClr val="9365B8"/>
+                </a:solidFill>
+              </a:rPr>
+              <a:t>:</a:t>
+            </a:r>
+            <a:r>
+              <a:rPr lang="en-US" dirty="0">
+                <a:solidFill>
+                  <a:srgbClr val="9365B8"/>
+                </a:solidFill>
+              </a:rPr>
+              <a:t>:after		</a:t>
+            </a:r>
+            <a:r>
+              <a:rPr lang="en-US" dirty="0">
+                <a:solidFill>
+                  <a:schemeClr val="tx2">
+                    <a:lumMod val="75000"/>
+                  </a:schemeClr>
+                </a:solidFill>
+              </a:rPr>
+              <a:t>- “</a:t>
+            </a:r>
+            <a:r>
+              <a:rPr lang="bg-BG" dirty="0">
+                <a:solidFill>
+                  <a:schemeClr val="tx2">
+                    <a:lumMod val="75000"/>
+                  </a:schemeClr>
+                </a:solidFill>
+              </a:rPr>
+              <a:t>вмъква</a:t>
+            </a:r>
+            <a:r>
+              <a:rPr lang="en-US" dirty="0">
+                <a:solidFill>
+                  <a:schemeClr val="tx2">
+                    <a:lumMod val="75000"/>
+                  </a:schemeClr>
+                </a:solidFill>
+              </a:rPr>
+              <a:t>”</a:t>
+            </a:r>
+            <a:r>
+              <a:rPr lang="bg-BG" dirty="0">
+                <a:solidFill>
+                  <a:schemeClr val="tx2">
+                    <a:lumMod val="75000"/>
+                  </a:schemeClr>
+                </a:solidFill>
+              </a:rPr>
+              <a:t> елемент непосредствено след селектирания;</a:t>
+            </a:r>
+            <a:endParaRPr lang="en-US" dirty="0">
+              <a:solidFill>
+                <a:srgbClr val="9365B8"/>
+              </a:solidFill>
+            </a:endParaRPr>
+          </a:p>
+          <a:p>
+            <a:endParaRPr lang="en-US" dirty="0">
+              <a:solidFill>
+                <a:srgbClr val="9365B8"/>
+              </a:solidFill>
+            </a:endParaRPr>
+          </a:p>
+        </p:txBody>
+      </p:sp>
+    </p:spTree>
+    <p:extLst>
+      <p:ext uri="{BB962C8B-B14F-4D97-AF65-F5344CB8AC3E}">
+        <p14:creationId xmlns:p14="http://schemas.microsoft.com/office/powerpoint/2010/main" val="3592420679"/>
+      </p:ext>
+    </p:extLst>
+  </p:cSld>
+  <p:clrMapOvr>
+    <a:masterClrMapping/>
+  </p:clrMapOvr>
+</p:sld>
+</file>
+
+<file path=ppt/slides/slide2.xml><?xml version="1.0" encoding="utf-8"?>
+<p:sld xmlns:a="http://schemas.openxmlformats.org/drawingml/2006/main" xmlns:r="http://schemas.openxmlformats.org/officeDocument/2006/relationships" xmlns:p="http://schemas.openxmlformats.org/presentationml/2006/main">
+  <p:cSld>
+    <p:bg>
+      <p:bgPr>
+        <a:blipFill dpi="0" rotWithShape="1">
+          <a:blip r:embed="rId3">
+            <a:lum/>
+          </a:blip>
+          <a:srcRect/>
+          <a:stretch>
+            <a:fillRect/>
+          </a:stretch>
+        </a:blipFill>
+        <a:effectLst/>
+      </p:bgPr>
+    </p:bg>
+    <p:spTree>
+      <p:nvGrpSpPr>
+        <p:cNvPr id="1" name=""/>
+        <p:cNvGrpSpPr/>
+        <p:nvPr/>
+      </p:nvGrpSpPr>
+      <p:grpSpPr>
+        <a:xfrm>
+          <a:off x="0" y="0"/>
+          <a:ext cx="0" cy="0"/>
+          <a:chOff x="0" y="0"/>
+          <a:chExt cx="0" cy="0"/>
+        </a:xfrm>
+      </p:grpSpPr>
+      <p:sp>
+        <p:nvSpPr>
+          <p:cNvPr id="39" name="Rectangle 38">
+            <a:extLst>
+              <a:ext uri="{FF2B5EF4-FFF2-40B4-BE49-F238E27FC236}">
+                <a16:creationId xmlns:a16="http://schemas.microsoft.com/office/drawing/2014/main" id="{C1C163D1-85A2-4643-BA3C-22035ECBF6E9}"/>
+              </a:ext>
+            </a:extLst>
+          </p:cNvPr>
+          <p:cNvSpPr/>
+          <p:nvPr/>
+        </p:nvSpPr>
+        <p:spPr>
+          <a:xfrm>
+            <a:off x="7210970" y="0"/>
+            <a:ext cx="1933031" cy="356965"/>
+          </a:xfrm>
+          <a:prstGeom prst="rect">
+            <a:avLst/>
+          </a:prstGeom>
+          <a:solidFill>
+            <a:srgbClr val="0F7792">
+              <a:alpha val="50196"/>
+            </a:srgbClr>
+          </a:solidFill>
+          <a:ln>
+            <a:noFill/>
+          </a:ln>
+        </p:spPr>
+        <p:style>
+          <a:lnRef idx="2">
+            <a:schemeClr val="accent1">
+              <a:shade val="50000"/>
+            </a:schemeClr>
+          </a:lnRef>
+          <a:fillRef idx="1">
+            <a:schemeClr val="accent1"/>
+          </a:fillRef>
+          <a:effectRef idx="0">
+            <a:schemeClr val="accent1"/>
+          </a:effectRef>
+          <a:fontRef idx="minor">
+            <a:schemeClr val="lt1"/>
+          </a:fontRef>
+        </p:style>
+        <p:txBody>
+          <a:bodyPr rtlCol="0" anchor="ctr"/>
+          <a:lstStyle/>
+          <a:p>
+            <a:pPr algn="ctr"/>
+            <a:r>
+              <a:rPr lang="bg-BG" sz="1400" dirty="0"/>
+              <a:t>Съдържание</a:t>
+            </a:r>
+            <a:endParaRPr lang="en-US" sz="1400" dirty="0"/>
+          </a:p>
+        </p:txBody>
+      </p:sp>
+      <p:sp>
+        <p:nvSpPr>
+          <p:cNvPr id="5" name="Rectangle 4">
+            <a:extLst>
+              <a:ext uri="{FF2B5EF4-FFF2-40B4-BE49-F238E27FC236}">
+                <a16:creationId xmlns:a16="http://schemas.microsoft.com/office/drawing/2014/main" id="{12131ED0-4950-475C-B7DC-450FBBF3C54A}"/>
+              </a:ext>
+            </a:extLst>
+          </p:cNvPr>
+          <p:cNvSpPr/>
+          <p:nvPr/>
+        </p:nvSpPr>
+        <p:spPr>
+          <a:xfrm>
+            <a:off x="0" y="0"/>
+            <a:ext cx="4283968" cy="356965"/>
+          </a:xfrm>
+          <a:prstGeom prst="rect">
+            <a:avLst/>
+          </a:prstGeom>
+          <a:solidFill>
+            <a:srgbClr val="0F7792"/>
+          </a:solidFill>
+          <a:ln>
+            <a:noFill/>
+          </a:ln>
+        </p:spPr>
+        <p:style>
+          <a:lnRef idx="2">
+            <a:schemeClr val="accent1">
+              <a:shade val="50000"/>
+            </a:schemeClr>
+          </a:lnRef>
+          <a:fillRef idx="1">
+            <a:schemeClr val="accent1"/>
+          </a:fillRef>
+          <a:effectRef idx="0">
+            <a:schemeClr val="accent1"/>
+          </a:effectRef>
+          <a:fontRef idx="minor">
+            <a:schemeClr val="lt1"/>
+          </a:fontRef>
+        </p:style>
+        <p:txBody>
+          <a:bodyPr rtlCol="0" anchor="ctr"/>
+          <a:lstStyle/>
+          <a:p>
+            <a:pPr algn="ctr"/>
+            <a:endParaRPr lang="en-US"/>
+          </a:p>
+        </p:txBody>
+      </p:sp>
+      <p:sp>
+        <p:nvSpPr>
+          <p:cNvPr id="4" name="TextBox 3">
+            <a:extLst>
+              <a:ext uri="{FF2B5EF4-FFF2-40B4-BE49-F238E27FC236}">
+                <a16:creationId xmlns:a16="http://schemas.microsoft.com/office/drawing/2014/main" id="{DB2A6D78-D3DF-4739-BCDE-EE78ED59B04D}"/>
+              </a:ext>
+            </a:extLst>
+          </p:cNvPr>
+          <p:cNvSpPr txBox="1"/>
+          <p:nvPr/>
+        </p:nvSpPr>
+        <p:spPr>
+          <a:xfrm>
+            <a:off x="89756" y="24634"/>
+            <a:ext cx="4122204" cy="276999"/>
+          </a:xfrm>
+          <a:prstGeom prst="rect">
+            <a:avLst/>
+          </a:prstGeom>
+          <a:noFill/>
+        </p:spPr>
+        <p:txBody>
+          <a:bodyPr wrap="square" rtlCol="0">
+            <a:spAutoFit/>
+          </a:bodyPr>
+          <a:lstStyle/>
+          <a:p>
+            <a:r>
+              <a:rPr lang="en-US" sz="1200" b="1" dirty="0">
+                <a:solidFill>
+                  <a:schemeClr val="bg1"/>
+                </a:solidFill>
+                <a:latin typeface="Verdana" panose="020B0604030504040204" pitchFamily="34" charset="0"/>
+                <a:ea typeface="Verdana" panose="020B0604030504040204" pitchFamily="34" charset="0"/>
+                <a:cs typeface="Verdana" panose="020B0604030504040204" pitchFamily="34" charset="0"/>
+              </a:rPr>
+              <a:t>CSS selectors</a:t>
+            </a:r>
+            <a:endParaRPr lang="bg-BG" sz="1200" dirty="0">
+              <a:solidFill>
+                <a:schemeClr val="bg1"/>
+              </a:solidFill>
+              <a:latin typeface="Verdana" panose="020B0604030504040204" pitchFamily="34" charset="0"/>
+              <a:ea typeface="Verdana" panose="020B0604030504040204" pitchFamily="34" charset="0"/>
+              <a:cs typeface="Verdana" panose="020B0604030504040204" pitchFamily="34" charset="0"/>
+            </a:endParaRPr>
+          </a:p>
+        </p:txBody>
+      </p:sp>
+      <p:sp>
+        <p:nvSpPr>
           <p:cNvPr id="47" name="Rectangle: Rounded Corners 5">
             <a:extLst>
               <a:ext uri="{FF2B5EF4-FFF2-40B4-BE49-F238E27FC236}">
-                <a16:creationId xmlns="" xmlns:a16="http://schemas.microsoft.com/office/drawing/2014/main" id="{682EAE92-D6DF-494B-9CC1-FF2B7145CC2C}"/>
+                <a16:creationId xmlns:a16="http://schemas.microsoft.com/office/drawing/2014/main" id="{682EAE92-D6DF-494B-9CC1-FF2B7145CC2C}"/>
               </a:ext>
             </a:extLst>
           </p:cNvPr>
@@ -8313,7 +10313,6 @@
               <a:rPr lang="en-US" dirty="0"/>
               <a:t>CSS Pseudo Selectors / Pseudo Classes</a:t>
             </a:r>
-            <a:endParaRPr lang="en-US" dirty="0"/>
           </a:p>
         </p:txBody>
       </p:sp>
@@ -8322,7 +10321,7 @@
           <p:cNvPr id="10" name="Rectangle: Rounded Corners 5">
             <a:extLst>
               <a:ext uri="{FF2B5EF4-FFF2-40B4-BE49-F238E27FC236}">
-                <a16:creationId xmlns="" xmlns:a16="http://schemas.microsoft.com/office/drawing/2014/main" id="{682EAE92-D6DF-494B-9CC1-FF2B7145CC2C}"/>
+                <a16:creationId xmlns:a16="http://schemas.microsoft.com/office/drawing/2014/main" id="{682EAE92-D6DF-494B-9CC1-FF2B7145CC2C}"/>
               </a:ext>
             </a:extLst>
           </p:cNvPr>
@@ -8384,7 +10383,7 @@
           <p:cNvPr id="11" name="Rectangle: Rounded Corners 5">
             <a:extLst>
               <a:ext uri="{FF2B5EF4-FFF2-40B4-BE49-F238E27FC236}">
-                <a16:creationId xmlns="" xmlns:a16="http://schemas.microsoft.com/office/drawing/2014/main" id="{682EAE92-D6DF-494B-9CC1-FF2B7145CC2C}"/>
+                <a16:creationId xmlns:a16="http://schemas.microsoft.com/office/drawing/2014/main" id="{682EAE92-D6DF-494B-9CC1-FF2B7145CC2C}"/>
               </a:ext>
             </a:extLst>
           </p:cNvPr>
@@ -8491,7 +10490,7 @@
           <p:cNvPr id="39" name="Rectangle 38">
             <a:extLst>
               <a:ext uri="{FF2B5EF4-FFF2-40B4-BE49-F238E27FC236}">
-                <a16:creationId xmlns="" xmlns:a16="http://schemas.microsoft.com/office/drawing/2014/main" id="{C1C163D1-85A2-4643-BA3C-22035ECBF6E9}"/>
+                <a16:creationId xmlns:a16="http://schemas.microsoft.com/office/drawing/2014/main" id="{C1C163D1-85A2-4643-BA3C-22035ECBF6E9}"/>
               </a:ext>
             </a:extLst>
           </p:cNvPr>
@@ -8537,10 +10536,9 @@
           <a:p>
             <a:pPr algn="ctr"/>
             <a:r>
-              <a:rPr lang="en-US" sz="1400" dirty="0" smtClean="0"/>
+              <a:rPr lang="en-US" sz="1400" dirty="0"/>
               <a:t>Simple Selectors</a:t>
             </a:r>
-            <a:endParaRPr lang="en-US" sz="1400" dirty="0"/>
           </a:p>
         </p:txBody>
       </p:sp>
@@ -8549,7 +10547,7 @@
           <p:cNvPr id="5" name="Rectangle 4">
             <a:extLst>
               <a:ext uri="{FF2B5EF4-FFF2-40B4-BE49-F238E27FC236}">
-                <a16:creationId xmlns="" xmlns:a16="http://schemas.microsoft.com/office/drawing/2014/main" id="{12131ED0-4950-475C-B7DC-450FBBF3C54A}"/>
+                <a16:creationId xmlns:a16="http://schemas.microsoft.com/office/drawing/2014/main" id="{12131ED0-4950-475C-B7DC-450FBBF3C54A}"/>
               </a:ext>
             </a:extLst>
           </p:cNvPr>
@@ -8601,7 +10599,7 @@
           <p:cNvPr id="4" name="TextBox 3">
             <a:extLst>
               <a:ext uri="{FF2B5EF4-FFF2-40B4-BE49-F238E27FC236}">
-                <a16:creationId xmlns="" xmlns:a16="http://schemas.microsoft.com/office/drawing/2014/main" id="{DB2A6D78-D3DF-4739-BCDE-EE78ED59B04D}"/>
+                <a16:creationId xmlns:a16="http://schemas.microsoft.com/office/drawing/2014/main" id="{DB2A6D78-D3DF-4739-BCDE-EE78ED59B04D}"/>
               </a:ext>
             </a:extLst>
           </p:cNvPr>
@@ -8633,18 +10631,7 @@
                 <a:ea typeface="Verdana" panose="020B0604030504040204" pitchFamily="34" charset="0"/>
                 <a:cs typeface="Verdana" panose="020B0604030504040204" pitchFamily="34" charset="0"/>
               </a:rPr>
-              <a:t>CSS </a:t>
-            </a:r>
-            <a:r>
-              <a:rPr lang="en-US" sz="1200" b="1" dirty="0" smtClean="0">
-                <a:solidFill>
-                  <a:schemeClr val="bg1"/>
-                </a:solidFill>
-                <a:latin typeface="Verdana" panose="020B0604030504040204" pitchFamily="34" charset="0"/>
-                <a:ea typeface="Verdana" panose="020B0604030504040204" pitchFamily="34" charset="0"/>
-                <a:cs typeface="Verdana" panose="020B0604030504040204" pitchFamily="34" charset="0"/>
-              </a:rPr>
-              <a:t>selectors</a:t>
+              <a:t>CSS selectors</a:t>
             </a:r>
             <a:endParaRPr lang="bg-BG" sz="1200" dirty="0">
               <a:solidFill>
@@ -8662,7 +10649,7 @@
           <p:cNvPr id="10" name="Rectangle: Rounded Corners 5">
             <a:extLst>
               <a:ext uri="{FF2B5EF4-FFF2-40B4-BE49-F238E27FC236}">
-                <a16:creationId xmlns="" xmlns:a16="http://schemas.microsoft.com/office/drawing/2014/main" id="{682EAE92-D6DF-494B-9CC1-FF2B7145CC2C}"/>
+                <a16:creationId xmlns:a16="http://schemas.microsoft.com/office/drawing/2014/main" id="{682EAE92-D6DF-494B-9CC1-FF2B7145CC2C}"/>
               </a:ext>
             </a:extLst>
           </p:cNvPr>
@@ -8742,7 +10729,7 @@
           <a:lstStyle/>
           <a:p>
             <a:r>
-              <a:rPr lang="bg-BG" dirty="0" smtClean="0"/>
+              <a:rPr lang="bg-BG" dirty="0"/>
               <a:t>Дотук познаваме:</a:t>
             </a:r>
           </a:p>
@@ -8755,11 +10742,11 @@
               <a:buChar char="•"/>
             </a:pPr>
             <a:r>
-              <a:rPr lang="bg-BG" sz="1600" dirty="0" smtClean="0"/>
+              <a:rPr lang="bg-BG" sz="1600" dirty="0"/>
               <a:t>Селектори по </a:t>
             </a:r>
             <a:r>
-              <a:rPr lang="en-US" sz="1600" dirty="0" smtClean="0"/>
+              <a:rPr lang="en-US" sz="1600" dirty="0"/>
               <a:t>tag name</a:t>
             </a:r>
           </a:p>
@@ -8768,7 +10755,7 @@
               <a:buFont typeface="Arial" panose="020B0604020202020204" pitchFamily="34" charset="0"/>
               <a:buChar char="•"/>
             </a:pPr>
-            <a:endParaRPr lang="en-US" sz="1600" dirty="0" smtClean="0"/>
+            <a:endParaRPr lang="en-US" sz="1600" dirty="0"/>
           </a:p>
           <a:p>
             <a:pPr marL="285750" indent="-285750">
@@ -8776,11 +10763,11 @@
               <a:buChar char="•"/>
             </a:pPr>
             <a:r>
-              <a:rPr lang="bg-BG" sz="1600" dirty="0" smtClean="0"/>
+              <a:rPr lang="bg-BG" sz="1600" dirty="0"/>
               <a:t>Селектори по </a:t>
             </a:r>
             <a:r>
-              <a:rPr lang="en-US" sz="1600" dirty="0" smtClean="0"/>
+              <a:rPr lang="en-US" sz="1600" dirty="0"/>
               <a:t>class name</a:t>
             </a:r>
           </a:p>
@@ -8789,7 +10776,7 @@
               <a:buFont typeface="Arial" panose="020B0604020202020204" pitchFamily="34" charset="0"/>
               <a:buChar char="•"/>
             </a:pPr>
-            <a:endParaRPr lang="en-US" sz="1600" dirty="0" smtClean="0"/>
+            <a:endParaRPr lang="en-US" sz="1600" dirty="0"/>
           </a:p>
           <a:p>
             <a:pPr marL="285750" indent="-285750">
@@ -8797,11 +10784,11 @@
               <a:buChar char="•"/>
             </a:pPr>
             <a:r>
-              <a:rPr lang="bg-BG" sz="1600" dirty="0" smtClean="0"/>
+              <a:rPr lang="bg-BG" sz="1600" dirty="0"/>
               <a:t>Селектори по </a:t>
             </a:r>
             <a:r>
-              <a:rPr lang="en-US" sz="1600" dirty="0" smtClean="0"/>
+              <a:rPr lang="en-US" sz="1600" dirty="0"/>
               <a:t>ID</a:t>
             </a:r>
           </a:p>
@@ -8810,7 +10797,7 @@
               <a:buFont typeface="Arial" panose="020B0604020202020204" pitchFamily="34" charset="0"/>
               <a:buChar char="•"/>
             </a:pPr>
-            <a:endParaRPr lang="bg-BG" sz="1600" dirty="0" smtClean="0"/>
+            <a:endParaRPr lang="bg-BG" sz="1600" dirty="0"/>
           </a:p>
           <a:p>
             <a:pPr marL="285750" indent="-285750">
@@ -8818,11 +10805,11 @@
               <a:buChar char="•"/>
             </a:pPr>
             <a:r>
-              <a:rPr lang="bg-BG" sz="1600" dirty="0" smtClean="0"/>
+              <a:rPr lang="bg-BG" sz="1600" dirty="0"/>
               <a:t>Селектори по </a:t>
             </a:r>
             <a:r>
-              <a:rPr lang="en-US" sz="1600" dirty="0" smtClean="0"/>
+              <a:rPr lang="en-US" sz="1600" dirty="0"/>
               <a:t>attribute</a:t>
             </a:r>
             <a:endParaRPr lang="bg-BG" sz="1600" dirty="0"/>
@@ -8878,7 +10865,7 @@
           <p:cNvPr id="39" name="Rectangle 38">
             <a:extLst>
               <a:ext uri="{FF2B5EF4-FFF2-40B4-BE49-F238E27FC236}">
-                <a16:creationId xmlns="" xmlns:a16="http://schemas.microsoft.com/office/drawing/2014/main" id="{C1C163D1-85A2-4643-BA3C-22035ECBF6E9}"/>
+                <a16:creationId xmlns:a16="http://schemas.microsoft.com/office/drawing/2014/main" id="{C1C163D1-85A2-4643-BA3C-22035ECBF6E9}"/>
               </a:ext>
             </a:extLst>
           </p:cNvPr>
@@ -8924,10 +10911,9 @@
           <a:p>
             <a:pPr algn="ctr"/>
             <a:r>
-              <a:rPr lang="en-US" sz="1400" dirty="0" smtClean="0"/>
+              <a:rPr lang="en-US" sz="1400" dirty="0"/>
               <a:t>Universal selector</a:t>
             </a:r>
-            <a:endParaRPr lang="en-US" sz="1400" dirty="0"/>
           </a:p>
         </p:txBody>
       </p:sp>
@@ -8936,7 +10922,7 @@
           <p:cNvPr id="5" name="Rectangle 4">
             <a:extLst>
               <a:ext uri="{FF2B5EF4-FFF2-40B4-BE49-F238E27FC236}">
-                <a16:creationId xmlns="" xmlns:a16="http://schemas.microsoft.com/office/drawing/2014/main" id="{12131ED0-4950-475C-B7DC-450FBBF3C54A}"/>
+                <a16:creationId xmlns:a16="http://schemas.microsoft.com/office/drawing/2014/main" id="{12131ED0-4950-475C-B7DC-450FBBF3C54A}"/>
               </a:ext>
             </a:extLst>
           </p:cNvPr>
@@ -8988,7 +10974,7 @@
           <p:cNvPr id="4" name="TextBox 3">
             <a:extLst>
               <a:ext uri="{FF2B5EF4-FFF2-40B4-BE49-F238E27FC236}">
-                <a16:creationId xmlns="" xmlns:a16="http://schemas.microsoft.com/office/drawing/2014/main" id="{DB2A6D78-D3DF-4739-BCDE-EE78ED59B04D}"/>
+                <a16:creationId xmlns:a16="http://schemas.microsoft.com/office/drawing/2014/main" id="{DB2A6D78-D3DF-4739-BCDE-EE78ED59B04D}"/>
               </a:ext>
             </a:extLst>
           </p:cNvPr>
@@ -9020,18 +11006,7 @@
                 <a:ea typeface="Verdana" panose="020B0604030504040204" pitchFamily="34" charset="0"/>
                 <a:cs typeface="Verdana" panose="020B0604030504040204" pitchFamily="34" charset="0"/>
               </a:rPr>
-              <a:t>CSS </a:t>
-            </a:r>
-            <a:r>
-              <a:rPr lang="en-US" sz="1200" b="1" dirty="0" smtClean="0">
-                <a:solidFill>
-                  <a:schemeClr val="bg1"/>
-                </a:solidFill>
-                <a:latin typeface="Verdana" panose="020B0604030504040204" pitchFamily="34" charset="0"/>
-                <a:ea typeface="Verdana" panose="020B0604030504040204" pitchFamily="34" charset="0"/>
-                <a:cs typeface="Verdana" panose="020B0604030504040204" pitchFamily="34" charset="0"/>
-              </a:rPr>
-              <a:t>selectors</a:t>
+              <a:t>CSS selectors</a:t>
             </a:r>
             <a:endParaRPr lang="bg-BG" sz="1200" dirty="0">
               <a:solidFill>
@@ -9049,7 +11024,7 @@
           <p:cNvPr id="10" name="Rectangle: Rounded Corners 5">
             <a:extLst>
               <a:ext uri="{FF2B5EF4-FFF2-40B4-BE49-F238E27FC236}">
-                <a16:creationId xmlns="" xmlns:a16="http://schemas.microsoft.com/office/drawing/2014/main" id="{682EAE92-D6DF-494B-9CC1-FF2B7145CC2C}"/>
+                <a16:creationId xmlns:a16="http://schemas.microsoft.com/office/drawing/2014/main" id="{682EAE92-D6DF-494B-9CC1-FF2B7145CC2C}"/>
               </a:ext>
             </a:extLst>
           </p:cNvPr>
@@ -9100,10 +11075,9 @@
           <a:p>
             <a:pPr algn="ctr"/>
             <a:r>
-              <a:rPr lang="en-US" dirty="0" smtClean="0"/>
+              <a:rPr lang="en-US" dirty="0"/>
               <a:t>CSS Selectors</a:t>
             </a:r>
-            <a:endParaRPr lang="en-US" dirty="0"/>
           </a:p>
         </p:txBody>
       </p:sp>
@@ -9130,7 +11104,7 @@
           <a:lstStyle/>
           <a:p>
             <a:r>
-              <a:rPr lang="bg-BG" dirty="0" smtClean="0">
+              <a:rPr lang="bg-BG" dirty="0">
                 <a:solidFill>
                   <a:srgbClr val="9365B8"/>
                 </a:solidFill>
@@ -9138,14 +11112,14 @@
               <a:t>* </a:t>
             </a:r>
             <a:r>
-              <a:rPr lang="en-US" dirty="0" smtClean="0">
+              <a:rPr lang="en-US" dirty="0">
                 <a:solidFill>
                   <a:srgbClr val="9365B8"/>
                 </a:solidFill>
               </a:rPr>
               <a:t> </a:t>
             </a:r>
-            <a:endParaRPr lang="bg-BG" dirty="0" smtClean="0">
+            <a:endParaRPr lang="bg-BG" dirty="0">
               <a:solidFill>
                 <a:srgbClr val="9365B8"/>
               </a:solidFill>
@@ -9153,33 +11127,33 @@
           </a:p>
           <a:p>
             <a:r>
-              <a:rPr lang="bg-BG" sz="1600" dirty="0" smtClean="0"/>
+              <a:rPr lang="bg-BG" sz="1600" dirty="0"/>
               <a:t>този символ като </a:t>
             </a:r>
             <a:r>
-              <a:rPr lang="en-US" sz="1600" dirty="0" smtClean="0"/>
+              <a:rPr lang="en-US" sz="1600" dirty="0"/>
               <a:t>CSS </a:t>
             </a:r>
             <a:r>
-              <a:rPr lang="bg-BG" sz="1600" dirty="0" smtClean="0"/>
+              <a:rPr lang="bg-BG" sz="1600" dirty="0"/>
               <a:t>селектор ще селектира всеки елемент на страницата!</a:t>
             </a:r>
           </a:p>
           <a:p>
-            <a:endParaRPr lang="bg-BG" sz="1600" dirty="0" smtClean="0"/>
-          </a:p>
-          <a:p>
-            <a:endParaRPr lang="en-US" sz="1600" dirty="0" smtClean="0"/>
+            <a:endParaRPr lang="bg-BG" sz="1600" dirty="0"/>
           </a:p>
           <a:p>
             <a:endParaRPr lang="en-US" sz="1600" dirty="0"/>
           </a:p>
           <a:p>
+            <a:endParaRPr lang="en-US" sz="1600" dirty="0"/>
+          </a:p>
+          <a:p>
             <a:endParaRPr lang="bg-BG" sz="1600" dirty="0"/>
           </a:p>
           <a:p>
             <a:r>
-              <a:rPr lang="bg-BG" sz="1600" dirty="0" smtClean="0"/>
+              <a:rPr lang="bg-BG" sz="1600" dirty="0"/>
               <a:t>Може да се използва и в комбинация със селекторите, които вече познаваме</a:t>
             </a:r>
           </a:p>
@@ -9187,14 +11161,13 @@
             <a:endParaRPr lang="bg-BG" sz="1600" dirty="0"/>
           </a:p>
           <a:p>
-            <a:endParaRPr lang="bg-BG" sz="1600" dirty="0" smtClean="0"/>
-          </a:p>
-          <a:p>
-            <a:r>
-              <a:rPr lang="bg-BG" sz="1600" dirty="0" smtClean="0"/>
+            <a:endParaRPr lang="bg-BG" sz="1600" dirty="0"/>
+          </a:p>
+          <a:p>
+            <a:r>
+              <a:rPr lang="bg-BG" sz="1600" dirty="0"/>
               <a:t> </a:t>
             </a:r>
-            <a:endParaRPr lang="bg-BG" sz="1600" dirty="0"/>
           </a:p>
         </p:txBody>
       </p:sp>
@@ -9295,7 +11268,7 @@
           <p:cNvPr id="39" name="Rectangle 38">
             <a:extLst>
               <a:ext uri="{FF2B5EF4-FFF2-40B4-BE49-F238E27FC236}">
-                <a16:creationId xmlns="" xmlns:a16="http://schemas.microsoft.com/office/drawing/2014/main" id="{C1C163D1-85A2-4643-BA3C-22035ECBF6E9}"/>
+                <a16:creationId xmlns:a16="http://schemas.microsoft.com/office/drawing/2014/main" id="{C1C163D1-85A2-4643-BA3C-22035ECBF6E9}"/>
               </a:ext>
             </a:extLst>
           </p:cNvPr>
@@ -9341,10 +11314,9 @@
           <a:p>
             <a:pPr algn="ctr"/>
             <a:r>
-              <a:rPr lang="en-US" sz="1400" dirty="0" smtClean="0"/>
+              <a:rPr lang="en-US" sz="1400" dirty="0"/>
               <a:t>Selector Combinations</a:t>
             </a:r>
-            <a:endParaRPr lang="en-US" sz="1400" dirty="0"/>
           </a:p>
         </p:txBody>
       </p:sp>
@@ -9353,7 +11325,7 @@
           <p:cNvPr id="5" name="Rectangle 4">
             <a:extLst>
               <a:ext uri="{FF2B5EF4-FFF2-40B4-BE49-F238E27FC236}">
-                <a16:creationId xmlns="" xmlns:a16="http://schemas.microsoft.com/office/drawing/2014/main" id="{12131ED0-4950-475C-B7DC-450FBBF3C54A}"/>
+                <a16:creationId xmlns:a16="http://schemas.microsoft.com/office/drawing/2014/main" id="{12131ED0-4950-475C-B7DC-450FBBF3C54A}"/>
               </a:ext>
             </a:extLst>
           </p:cNvPr>
@@ -9405,7 +11377,7 @@
           <p:cNvPr id="4" name="TextBox 3">
             <a:extLst>
               <a:ext uri="{FF2B5EF4-FFF2-40B4-BE49-F238E27FC236}">
-                <a16:creationId xmlns="" xmlns:a16="http://schemas.microsoft.com/office/drawing/2014/main" id="{DB2A6D78-D3DF-4739-BCDE-EE78ED59B04D}"/>
+                <a16:creationId xmlns:a16="http://schemas.microsoft.com/office/drawing/2014/main" id="{DB2A6D78-D3DF-4739-BCDE-EE78ED59B04D}"/>
               </a:ext>
             </a:extLst>
           </p:cNvPr>
@@ -9437,18 +11409,7 @@
                 <a:ea typeface="Verdana" panose="020B0604030504040204" pitchFamily="34" charset="0"/>
                 <a:cs typeface="Verdana" panose="020B0604030504040204" pitchFamily="34" charset="0"/>
               </a:rPr>
-              <a:t>CSS </a:t>
-            </a:r>
-            <a:r>
-              <a:rPr lang="en-US" sz="1200" b="1" dirty="0" smtClean="0">
-                <a:solidFill>
-                  <a:schemeClr val="bg1"/>
-                </a:solidFill>
-                <a:latin typeface="Verdana" panose="020B0604030504040204" pitchFamily="34" charset="0"/>
-                <a:ea typeface="Verdana" panose="020B0604030504040204" pitchFamily="34" charset="0"/>
-                <a:cs typeface="Verdana" panose="020B0604030504040204" pitchFamily="34" charset="0"/>
-              </a:rPr>
-              <a:t>selectors</a:t>
+              <a:t>CSS selectors</a:t>
             </a:r>
             <a:endParaRPr lang="bg-BG" sz="1200" dirty="0">
               <a:solidFill>
@@ -9466,7 +11427,7 @@
           <p:cNvPr id="10" name="Rectangle: Rounded Corners 5">
             <a:extLst>
               <a:ext uri="{FF2B5EF4-FFF2-40B4-BE49-F238E27FC236}">
-                <a16:creationId xmlns="" xmlns:a16="http://schemas.microsoft.com/office/drawing/2014/main" id="{682EAE92-D6DF-494B-9CC1-FF2B7145CC2C}"/>
+                <a16:creationId xmlns:a16="http://schemas.microsoft.com/office/drawing/2014/main" id="{682EAE92-D6DF-494B-9CC1-FF2B7145CC2C}"/>
               </a:ext>
             </a:extLst>
           </p:cNvPr>
@@ -9517,10 +11478,9 @@
           <a:p>
             <a:pPr algn="ctr"/>
             <a:r>
-              <a:rPr lang="en-US" dirty="0" smtClean="0"/>
+              <a:rPr lang="en-US" dirty="0"/>
               <a:t>CSS Selectors</a:t>
             </a:r>
-            <a:endParaRPr lang="en-US" dirty="0"/>
           </a:p>
         </p:txBody>
       </p:sp>
@@ -9547,7 +11507,7 @@
           <a:lstStyle/>
           <a:p>
             <a:r>
-              <a:rPr lang="en-US" dirty="0" smtClean="0">
+              <a:rPr lang="en-US" dirty="0">
                 <a:solidFill>
                   <a:srgbClr val="9365B8"/>
                 </a:solidFill>
@@ -9557,51 +11517,50 @@
           </a:p>
           <a:p>
             <a:r>
-              <a:rPr lang="bg-BG" sz="1400" dirty="0" smtClean="0"/>
+              <a:rPr lang="bg-BG" sz="1400" dirty="0"/>
               <a:t>Комбинация от поредни селектори, таргетира последният от изброените. </a:t>
             </a:r>
           </a:p>
           <a:p>
             <a:r>
-              <a:rPr lang="bg-BG" sz="1400" dirty="0" smtClean="0"/>
+              <a:rPr lang="bg-BG" sz="1400" dirty="0"/>
               <a:t>Например – искате да изберете всички </a:t>
             </a:r>
             <a:r>
-              <a:rPr lang="en-US" sz="1400" dirty="0" smtClean="0"/>
+              <a:rPr lang="en-US" sz="1400" dirty="0"/>
               <a:t>&lt;a&gt; </a:t>
             </a:r>
             <a:r>
-              <a:rPr lang="bg-BG" sz="1400" dirty="0" smtClean="0"/>
+              <a:rPr lang="bg-BG" sz="1400" dirty="0"/>
               <a:t>на дадена страница, които са поместени в </a:t>
             </a:r>
             <a:r>
-              <a:rPr lang="en-US" sz="1400" dirty="0" smtClean="0"/>
+              <a:rPr lang="en-US" sz="1400" dirty="0"/>
               <a:t>&lt;li&gt;</a:t>
             </a:r>
-            <a:endParaRPr lang="bg-BG" sz="1400" dirty="0" smtClean="0"/>
-          </a:p>
-          <a:p>
-            <a:r>
-              <a:rPr lang="bg-BG" sz="1400" dirty="0" smtClean="0"/>
+            <a:endParaRPr lang="bg-BG" sz="1400" dirty="0"/>
+          </a:p>
+          <a:p>
+            <a:r>
+              <a:rPr lang="bg-BG" sz="1400" dirty="0"/>
               <a:t>на </a:t>
             </a:r>
             <a:r>
-              <a:rPr lang="en-US" sz="1400" dirty="0" smtClean="0"/>
+              <a:rPr lang="en-US" sz="1400" dirty="0"/>
               <a:t>&lt;</a:t>
             </a:r>
             <a:r>
-              <a:rPr lang="en-US" sz="1400" dirty="0" err="1" smtClean="0"/>
+              <a:rPr lang="en-US" sz="1400" dirty="0" err="1"/>
               <a:t>ul</a:t>
             </a:r>
             <a:r>
-              <a:rPr lang="en-US" sz="1400" dirty="0" smtClean="0"/>
+              <a:rPr lang="en-US" sz="1400" dirty="0"/>
               <a:t>&gt;</a:t>
             </a:r>
             <a:r>
-              <a:rPr lang="bg-BG" sz="1400" dirty="0" smtClean="0"/>
-              <a:t> </a:t>
-            </a:r>
-            <a:endParaRPr lang="bg-BG" sz="1400" dirty="0"/>
+              <a:rPr lang="bg-BG" sz="1400" dirty="0"/>
+              <a:t>.</a:t>
+            </a:r>
           </a:p>
         </p:txBody>
       </p:sp>
@@ -9652,7 +11611,7 @@
           <a:lstStyle/>
           <a:p>
             <a:r>
-              <a:rPr lang="en-US" dirty="0" smtClean="0">
+              <a:rPr lang="en-US" dirty="0">
                 <a:solidFill>
                   <a:srgbClr val="9365B8"/>
                 </a:solidFill>
@@ -9661,13 +11620,9 @@
             </a:r>
             <a:r>
               <a:rPr lang="en-US" sz="1600" dirty="0"/>
-              <a:t>Adjacent </a:t>
-            </a:r>
-            <a:r>
-              <a:rPr lang="en-US" sz="1600" dirty="0" smtClean="0"/>
-              <a:t>Selector</a:t>
-            </a:r>
-            <a:endParaRPr lang="bg-BG" dirty="0" smtClean="0">
+              <a:t>Adjacent Selector</a:t>
+            </a:r>
+            <a:endParaRPr lang="bg-BG" dirty="0">
               <a:solidFill>
                 <a:srgbClr val="9365B8"/>
               </a:solidFill>
@@ -9675,32 +11630,47 @@
           </a:p>
           <a:p>
             <a:r>
-              <a:rPr lang="bg-BG" sz="1400" dirty="0" smtClean="0"/>
-              <a:t>Тази комбинация ще селектира само елемента, който е предшестван от предишния елемент.</a:t>
-            </a:r>
-          </a:p>
-          <a:p>
-            <a:r>
-              <a:rPr lang="bg-BG" sz="1400" dirty="0" smtClean="0"/>
-              <a:t>В този случай само първият параграш след всеки &lt;</a:t>
-            </a:r>
-            <a:r>
-              <a:rPr lang="en-US" sz="1400" dirty="0" err="1" smtClean="0"/>
+              <a:rPr lang="bg-BG" sz="1400" dirty="0"/>
+              <a:t>Тази комбинация ще селектира само елемента, който е предшестван от </a:t>
+            </a:r>
+            <a:r>
+              <a:rPr lang="en-US" sz="1400" dirty="0"/>
+              <a:t>X</a:t>
+            </a:r>
+            <a:r>
+              <a:rPr lang="bg-BG" sz="1400" dirty="0"/>
+              <a:t> елемент</a:t>
+            </a:r>
+            <a:r>
+              <a:rPr lang="en-US" sz="1400" dirty="0"/>
+              <a:t>a</a:t>
+            </a:r>
+            <a:r>
+              <a:rPr lang="bg-BG" sz="1400" dirty="0"/>
+              <a:t>.</a:t>
+            </a:r>
+          </a:p>
+          <a:p>
+            <a:r>
+              <a:rPr lang="bg-BG" sz="1400" dirty="0"/>
+              <a:t>В този случай само първият параграф след всеки &lt;</a:t>
+            </a:r>
+            <a:r>
+              <a:rPr lang="en-US" sz="1400" dirty="0" err="1"/>
               <a:t>ul</a:t>
             </a:r>
             <a:r>
-              <a:rPr lang="bg-BG" sz="1400" dirty="0" smtClean="0"/>
+              <a:rPr lang="bg-BG" sz="1400" dirty="0"/>
               <a:t>&gt;</a:t>
             </a:r>
             <a:r>
-              <a:rPr lang="en-US" sz="1400" dirty="0" smtClean="0"/>
+              <a:rPr lang="en-US" sz="1400" dirty="0"/>
               <a:t> </a:t>
             </a:r>
             <a:r>
-              <a:rPr lang="bg-BG" sz="1400" dirty="0" smtClean="0"/>
-              <a:t>ще има червен цвят</a:t>
-            </a:r>
-            <a:endParaRPr lang="bg-BG" sz="1400" dirty="0"/>
+              <a:rPr lang="bg-BG" sz="1400" dirty="0"/>
+              <a:t>ще има червен цвят.</a:t>
+            </a:r>
           </a:p>
         </p:txBody>
       </p:sp>
@@ -9777,7 +11747,7 @@
           <p:cNvPr id="39" name="Rectangle 38">
             <a:extLst>
               <a:ext uri="{FF2B5EF4-FFF2-40B4-BE49-F238E27FC236}">
-                <a16:creationId xmlns="" xmlns:a16="http://schemas.microsoft.com/office/drawing/2014/main" id="{C1C163D1-85A2-4643-BA3C-22035ECBF6E9}"/>
+                <a16:creationId xmlns:a16="http://schemas.microsoft.com/office/drawing/2014/main" id="{C1C163D1-85A2-4643-BA3C-22035ECBF6E9}"/>
               </a:ext>
             </a:extLst>
           </p:cNvPr>
@@ -9823,10 +11793,9 @@
           <a:p>
             <a:pPr algn="ctr"/>
             <a:r>
-              <a:rPr lang="en-US" sz="1400" dirty="0" smtClean="0"/>
+              <a:rPr lang="en-US" sz="1400" dirty="0"/>
               <a:t>Selector Combinations</a:t>
             </a:r>
-            <a:endParaRPr lang="en-US" sz="1400" dirty="0"/>
           </a:p>
         </p:txBody>
       </p:sp>
@@ -9835,7 +11804,7 @@
           <p:cNvPr id="5" name="Rectangle 4">
             <a:extLst>
               <a:ext uri="{FF2B5EF4-FFF2-40B4-BE49-F238E27FC236}">
-                <a16:creationId xmlns="" xmlns:a16="http://schemas.microsoft.com/office/drawing/2014/main" id="{12131ED0-4950-475C-B7DC-450FBBF3C54A}"/>
+                <a16:creationId xmlns:a16="http://schemas.microsoft.com/office/drawing/2014/main" id="{12131ED0-4950-475C-B7DC-450FBBF3C54A}"/>
               </a:ext>
             </a:extLst>
           </p:cNvPr>
@@ -9887,7 +11856,7 @@
           <p:cNvPr id="4" name="TextBox 3">
             <a:extLst>
               <a:ext uri="{FF2B5EF4-FFF2-40B4-BE49-F238E27FC236}">
-                <a16:creationId xmlns="" xmlns:a16="http://schemas.microsoft.com/office/drawing/2014/main" id="{DB2A6D78-D3DF-4739-BCDE-EE78ED59B04D}"/>
+                <a16:creationId xmlns:a16="http://schemas.microsoft.com/office/drawing/2014/main" id="{DB2A6D78-D3DF-4739-BCDE-EE78ED59B04D}"/>
               </a:ext>
             </a:extLst>
           </p:cNvPr>
@@ -9919,18 +11888,7 @@
                 <a:ea typeface="Verdana" panose="020B0604030504040204" pitchFamily="34" charset="0"/>
                 <a:cs typeface="Verdana" panose="020B0604030504040204" pitchFamily="34" charset="0"/>
               </a:rPr>
-              <a:t>CSS </a:t>
-            </a:r>
-            <a:r>
-              <a:rPr lang="en-US" sz="1200" b="1" dirty="0" smtClean="0">
-                <a:solidFill>
-                  <a:schemeClr val="bg1"/>
-                </a:solidFill>
-                <a:latin typeface="Verdana" panose="020B0604030504040204" pitchFamily="34" charset="0"/>
-                <a:ea typeface="Verdana" panose="020B0604030504040204" pitchFamily="34" charset="0"/>
-                <a:cs typeface="Verdana" panose="020B0604030504040204" pitchFamily="34" charset="0"/>
-              </a:rPr>
-              <a:t>selectors</a:t>
+              <a:t>CSS selectors</a:t>
             </a:r>
             <a:endParaRPr lang="bg-BG" sz="1200" dirty="0">
               <a:solidFill>
@@ -9948,7 +11906,7 @@
           <p:cNvPr id="10" name="Rectangle: Rounded Corners 5">
             <a:extLst>
               <a:ext uri="{FF2B5EF4-FFF2-40B4-BE49-F238E27FC236}">
-                <a16:creationId xmlns="" xmlns:a16="http://schemas.microsoft.com/office/drawing/2014/main" id="{682EAE92-D6DF-494B-9CC1-FF2B7145CC2C}"/>
+                <a16:creationId xmlns:a16="http://schemas.microsoft.com/office/drawing/2014/main" id="{682EAE92-D6DF-494B-9CC1-FF2B7145CC2C}"/>
               </a:ext>
             </a:extLst>
           </p:cNvPr>
@@ -9999,10 +11957,9 @@
           <a:p>
             <a:pPr algn="ctr"/>
             <a:r>
-              <a:rPr lang="en-US" dirty="0" smtClean="0"/>
+              <a:rPr lang="en-US" dirty="0"/>
               <a:t>CSS Selectors</a:t>
             </a:r>
-            <a:endParaRPr lang="en-US" dirty="0"/>
           </a:p>
         </p:txBody>
       </p:sp>
@@ -10029,91 +11986,65 @@
           <a:lstStyle/>
           <a:p>
             <a:r>
-              <a:rPr lang="en-US" dirty="0" smtClean="0">
+              <a:rPr lang="en-US" dirty="0">
                 <a:solidFill>
                   <a:srgbClr val="9365B8"/>
                 </a:solidFill>
               </a:rPr>
-              <a:t>X </a:t>
-            </a:r>
-            <a:r>
-              <a:rPr lang="en-US" dirty="0" smtClean="0">
-                <a:solidFill>
-                  <a:srgbClr val="9365B8"/>
-                </a:solidFill>
-              </a:rPr>
-              <a:t>~ </a:t>
-            </a:r>
-            <a:r>
-              <a:rPr lang="en-US" dirty="0" smtClean="0">
-                <a:solidFill>
-                  <a:srgbClr val="9365B8"/>
-                </a:solidFill>
-              </a:rPr>
-              <a:t>Y </a:t>
-            </a:r>
-            <a:endParaRPr lang="en-US" dirty="0">
-              <a:solidFill>
-                <a:srgbClr val="9365B8"/>
-              </a:solidFill>
-            </a:endParaRPr>
-          </a:p>
-          <a:p>
-            <a:r>
-              <a:rPr lang="bg-BG" sz="1400" dirty="0" smtClean="0"/>
+              <a:t>X ~ Y </a:t>
+            </a:r>
+          </a:p>
+          <a:p>
+            <a:r>
+              <a:rPr lang="bg-BG" sz="1400" dirty="0"/>
               <a:t>Ако </a:t>
             </a:r>
             <a:r>
-              <a:rPr lang="en-US" sz="1400" dirty="0" smtClean="0"/>
+              <a:rPr lang="en-US" sz="1400" dirty="0"/>
               <a:t>X + Y, </a:t>
             </a:r>
             <a:r>
-              <a:rPr lang="bg-BG" sz="1400" dirty="0" smtClean="0"/>
+              <a:rPr lang="bg-BG" sz="1400" dirty="0"/>
               <a:t>ще селектира </a:t>
             </a:r>
             <a:r>
-              <a:rPr lang="bg-BG" sz="1400" b="1" dirty="0" smtClean="0"/>
+              <a:rPr lang="bg-BG" sz="1400" b="1" dirty="0"/>
               <a:t>само </a:t>
             </a:r>
             <a:r>
-              <a:rPr lang="bg-BG" sz="1400" dirty="0" smtClean="0"/>
+              <a:rPr lang="bg-BG" sz="1400" dirty="0"/>
               <a:t>първия елемент, тази комбинация не е толкова стриктна и би селектирала в </a:t>
             </a:r>
           </a:p>
           <a:p>
             <a:r>
-              <a:rPr lang="bg-BG" sz="1400" dirty="0" smtClean="0"/>
+              <a:rPr lang="bg-BG" sz="1400" dirty="0"/>
               <a:t>нашия случай всеки </a:t>
             </a:r>
             <a:r>
-              <a:rPr lang="en-US" sz="1400" dirty="0" smtClean="0"/>
+              <a:rPr lang="en-US" sz="1400" dirty="0"/>
               <a:t>p </a:t>
             </a:r>
             <a:r>
-              <a:rPr lang="bg-BG" sz="1400" dirty="0" smtClean="0"/>
+              <a:rPr lang="bg-BG" sz="1400" dirty="0"/>
               <a:t>елемент</a:t>
             </a:r>
             <a:r>
-              <a:rPr lang="en-US" sz="1400" dirty="0" smtClean="0"/>
+              <a:rPr lang="en-US" sz="1400" dirty="0"/>
               <a:t>, </a:t>
             </a:r>
             <a:r>
-              <a:rPr lang="bg-BG" sz="1400" dirty="0" smtClean="0"/>
-              <a:t>който</a:t>
-            </a:r>
-            <a:r>
               <a:rPr lang="bg-BG" sz="1400" dirty="0"/>
-              <a:t> </a:t>
-            </a:r>
-            <a:r>
-              <a:rPr lang="bg-BG" sz="1400" dirty="0" smtClean="0"/>
-              <a:t>следва след </a:t>
-            </a:r>
-            <a:r>
-              <a:rPr lang="en-US" sz="1400" dirty="0" err="1" smtClean="0"/>
+              <a:t>който следва след </a:t>
+            </a:r>
+            <a:r>
+              <a:rPr lang="en-US" sz="1400" dirty="0" err="1"/>
               <a:t>ul</a:t>
             </a:r>
-            <a:endParaRPr lang="bg-BG" sz="1400" dirty="0"/>
+            <a:r>
+              <a:rPr lang="bg-BG" sz="1400" dirty="0"/>
+              <a:t>.</a:t>
+            </a:r>
           </a:p>
         </p:txBody>
       </p:sp>
@@ -10190,7 +12121,7 @@
           <p:cNvPr id="39" name="Rectangle 38">
             <a:extLst>
               <a:ext uri="{FF2B5EF4-FFF2-40B4-BE49-F238E27FC236}">
-                <a16:creationId xmlns="" xmlns:a16="http://schemas.microsoft.com/office/drawing/2014/main" id="{C1C163D1-85A2-4643-BA3C-22035ECBF6E9}"/>
+                <a16:creationId xmlns:a16="http://schemas.microsoft.com/office/drawing/2014/main" id="{C1C163D1-85A2-4643-BA3C-22035ECBF6E9}"/>
               </a:ext>
             </a:extLst>
           </p:cNvPr>
@@ -10236,10 +12167,9 @@
           <a:p>
             <a:pPr algn="ctr"/>
             <a:r>
-              <a:rPr lang="en-US" sz="1400" dirty="0" smtClean="0"/>
+              <a:rPr lang="en-US" sz="1400" dirty="0"/>
               <a:t>Selector Combinations</a:t>
             </a:r>
-            <a:endParaRPr lang="en-US" sz="1400" dirty="0"/>
           </a:p>
         </p:txBody>
       </p:sp>
@@ -10248,7 +12178,7 @@
           <p:cNvPr id="5" name="Rectangle 4">
             <a:extLst>
               <a:ext uri="{FF2B5EF4-FFF2-40B4-BE49-F238E27FC236}">
-                <a16:creationId xmlns="" xmlns:a16="http://schemas.microsoft.com/office/drawing/2014/main" id="{12131ED0-4950-475C-B7DC-450FBBF3C54A}"/>
+                <a16:creationId xmlns:a16="http://schemas.microsoft.com/office/drawing/2014/main" id="{12131ED0-4950-475C-B7DC-450FBBF3C54A}"/>
               </a:ext>
             </a:extLst>
           </p:cNvPr>
@@ -10300,7 +12230,7 @@
           <p:cNvPr id="4" name="TextBox 3">
             <a:extLst>
               <a:ext uri="{FF2B5EF4-FFF2-40B4-BE49-F238E27FC236}">
-                <a16:creationId xmlns="" xmlns:a16="http://schemas.microsoft.com/office/drawing/2014/main" id="{DB2A6D78-D3DF-4739-BCDE-EE78ED59B04D}"/>
+                <a16:creationId xmlns:a16="http://schemas.microsoft.com/office/drawing/2014/main" id="{DB2A6D78-D3DF-4739-BCDE-EE78ED59B04D}"/>
               </a:ext>
             </a:extLst>
           </p:cNvPr>
@@ -10332,18 +12262,7 @@
                 <a:ea typeface="Verdana" panose="020B0604030504040204" pitchFamily="34" charset="0"/>
                 <a:cs typeface="Verdana" panose="020B0604030504040204" pitchFamily="34" charset="0"/>
               </a:rPr>
-              <a:t>CSS </a:t>
-            </a:r>
-            <a:r>
-              <a:rPr lang="en-US" sz="1200" b="1" dirty="0" smtClean="0">
-                <a:solidFill>
-                  <a:schemeClr val="bg1"/>
-                </a:solidFill>
-                <a:latin typeface="Verdana" panose="020B0604030504040204" pitchFamily="34" charset="0"/>
-                <a:ea typeface="Verdana" panose="020B0604030504040204" pitchFamily="34" charset="0"/>
-                <a:cs typeface="Verdana" panose="020B0604030504040204" pitchFamily="34" charset="0"/>
-              </a:rPr>
-              <a:t>selectors</a:t>
+              <a:t>CSS selectors</a:t>
             </a:r>
             <a:endParaRPr lang="bg-BG" sz="1200" dirty="0">
               <a:solidFill>
@@ -10361,7 +12280,7 @@
           <p:cNvPr id="10" name="Rectangle: Rounded Corners 5">
             <a:extLst>
               <a:ext uri="{FF2B5EF4-FFF2-40B4-BE49-F238E27FC236}">
-                <a16:creationId xmlns="" xmlns:a16="http://schemas.microsoft.com/office/drawing/2014/main" id="{682EAE92-D6DF-494B-9CC1-FF2B7145CC2C}"/>
+                <a16:creationId xmlns:a16="http://schemas.microsoft.com/office/drawing/2014/main" id="{682EAE92-D6DF-494B-9CC1-FF2B7145CC2C}"/>
               </a:ext>
             </a:extLst>
           </p:cNvPr>
@@ -10412,10 +12331,9 @@
           <a:p>
             <a:pPr algn="ctr"/>
             <a:r>
-              <a:rPr lang="en-US" dirty="0" smtClean="0"/>
+              <a:rPr lang="en-US" dirty="0"/>
               <a:t>CSS Selectors</a:t>
             </a:r>
-            <a:endParaRPr lang="en-US" dirty="0"/>
           </a:p>
         </p:txBody>
       </p:sp>
@@ -10442,7 +12360,7 @@
           <a:lstStyle/>
           <a:p>
             <a:r>
-              <a:rPr lang="en-US" dirty="0" smtClean="0">
+              <a:rPr lang="en-US" dirty="0">
                 <a:solidFill>
                   <a:srgbClr val="9365B8"/>
                 </a:solidFill>
@@ -10452,45 +12370,44 @@
           </a:p>
           <a:p>
             <a:r>
-              <a:rPr lang="bg-BG" sz="1400" dirty="0" smtClean="0"/>
+              <a:rPr lang="bg-BG" sz="1400" dirty="0"/>
               <a:t>Разликата между стандартната комбинация </a:t>
             </a:r>
             <a:r>
-              <a:rPr lang="en-US" sz="1400" dirty="0" smtClean="0"/>
+              <a:rPr lang="en-US" sz="1400" dirty="0"/>
               <a:t>X Y </a:t>
             </a:r>
             <a:r>
-              <a:rPr lang="bg-BG" sz="1400" dirty="0" smtClean="0"/>
+              <a:rPr lang="bg-BG" sz="1400" dirty="0"/>
               <a:t>и </a:t>
             </a:r>
             <a:r>
-              <a:rPr lang="en-US" sz="1400" dirty="0" smtClean="0"/>
+              <a:rPr lang="en-US" sz="1400" dirty="0"/>
               <a:t>X &gt; Y</a:t>
             </a:r>
             <a:r>
-              <a:rPr lang="bg-BG" sz="1400" dirty="0" smtClean="0"/>
+              <a:rPr lang="bg-BG" sz="1400" dirty="0"/>
               <a:t>, е в това, че вторият ще селектира само </a:t>
             </a:r>
             <a:r>
-              <a:rPr lang="bg-BG" sz="1400" b="1" dirty="0" smtClean="0"/>
+              <a:rPr lang="bg-BG" sz="1400" b="1" dirty="0"/>
               <a:t>директни</a:t>
             </a:r>
-            <a:endParaRPr lang="en-US" sz="1400" b="1" dirty="0" smtClean="0"/>
-          </a:p>
-          <a:p>
-            <a:r>
-              <a:rPr lang="bg-BG" sz="1400" dirty="0" smtClean="0"/>
+            <a:endParaRPr lang="en-US" sz="1400" b="1" dirty="0"/>
+          </a:p>
+          <a:p>
+            <a:r>
+              <a:rPr lang="bg-BG" sz="1400" dirty="0"/>
               <a:t>потомци/</a:t>
             </a:r>
             <a:r>
-              <a:rPr lang="en-US" sz="1400" dirty="0" smtClean="0"/>
+              <a:rPr lang="en-US" sz="1400" dirty="0"/>
               <a:t>child </a:t>
             </a:r>
             <a:r>
-              <a:rPr lang="bg-BG" sz="1400" dirty="0" smtClean="0"/>
+              <a:rPr lang="bg-BG" sz="1400" dirty="0"/>
               <a:t>елементи.</a:t>
             </a:r>
-            <a:endParaRPr lang="bg-BG" sz="1400" dirty="0"/>
           </a:p>
         </p:txBody>
       </p:sp>
@@ -10541,99 +12458,95 @@
           <a:lstStyle/>
           <a:p>
             <a:r>
-              <a:rPr lang="bg-BG" sz="1400" dirty="0" smtClean="0"/>
+              <a:rPr lang="bg-BG" sz="1400" dirty="0"/>
               <a:t>Селектор </a:t>
             </a:r>
             <a:r>
-              <a:rPr lang="en-US" sz="1400" dirty="0" smtClean="0"/>
+              <a:rPr lang="en-US" sz="1400" dirty="0"/>
               <a:t>#container &gt; </a:t>
             </a:r>
             <a:r>
-              <a:rPr lang="en-US" sz="1400" dirty="0" err="1" smtClean="0"/>
-              <a:t>u</a:t>
-            </a:r>
-            <a:r>
               <a:rPr lang="en-US" sz="1400" dirty="0" err="1"/>
-              <a:t>l</a:t>
-            </a:r>
-            <a:r>
-              <a:rPr lang="en-US" sz="1400" dirty="0" smtClean="0"/>
+              <a:t>ul</a:t>
+            </a:r>
+            <a:r>
+              <a:rPr lang="en-US" sz="1400" dirty="0"/>
               <a:t>, </a:t>
             </a:r>
             <a:r>
-              <a:rPr lang="bg-BG" sz="1400" dirty="0" smtClean="0"/>
+              <a:rPr lang="bg-BG" sz="1400" dirty="0"/>
               <a:t>ще таргетира само </a:t>
             </a:r>
             <a:r>
-              <a:rPr lang="en-US" sz="1400" dirty="0" smtClean="0"/>
+              <a:rPr lang="en-US" sz="1400" dirty="0"/>
               <a:t>child </a:t>
             </a:r>
             <a:r>
-              <a:rPr lang="bg-BG" sz="1400" dirty="0" smtClean="0"/>
+              <a:rPr lang="bg-BG" sz="1400" dirty="0"/>
               <a:t>елемент</a:t>
             </a:r>
             <a:r>
-              <a:rPr lang="en-US" sz="1400" dirty="0" smtClean="0"/>
+              <a:rPr lang="en-US" sz="1400" dirty="0"/>
               <a:t> </a:t>
             </a:r>
             <a:r>
-              <a:rPr lang="en-US" sz="1400" dirty="0" err="1" smtClean="0"/>
+              <a:rPr lang="en-US" sz="1400" dirty="0" err="1"/>
               <a:t>ul</a:t>
             </a:r>
             <a:r>
-              <a:rPr lang="en-US" sz="1400" dirty="0" smtClean="0"/>
+              <a:rPr lang="en-US" sz="1400" dirty="0"/>
               <a:t> </a:t>
             </a:r>
             <a:r>
-              <a:rPr lang="bg-BG" sz="1400" dirty="0" smtClean="0"/>
+              <a:rPr lang="bg-BG" sz="1400" dirty="0"/>
               <a:t>, който е </a:t>
             </a:r>
             <a:r>
-              <a:rPr lang="bg-BG" sz="1400" b="1" dirty="0" smtClean="0"/>
+              <a:rPr lang="bg-BG" sz="1400" b="1" dirty="0"/>
               <a:t>директен </a:t>
             </a:r>
             <a:r>
-              <a:rPr lang="bg-BG" sz="1400" dirty="0" smtClean="0"/>
+              <a:rPr lang="bg-BG" sz="1400" dirty="0"/>
               <a:t>потомък на </a:t>
             </a:r>
             <a:r>
-              <a:rPr lang="en-US" sz="1400" dirty="0" smtClean="0"/>
+              <a:rPr lang="en-US" sz="1400" dirty="0"/>
               <a:t>&lt;div&gt; </a:t>
             </a:r>
             <a:r>
-              <a:rPr lang="bg-BG" sz="1400" dirty="0" smtClean="0"/>
+              <a:rPr lang="bg-BG" sz="1400" dirty="0"/>
               <a:t>с </a:t>
             </a:r>
             <a:r>
-              <a:rPr lang="en-US" sz="1400" dirty="0" smtClean="0"/>
+              <a:rPr lang="en-US" sz="1400" dirty="0"/>
               <a:t>id=“container”. </a:t>
             </a:r>
             <a:r>
-              <a:rPr lang="bg-BG" sz="1400" dirty="0" smtClean="0"/>
+              <a:rPr lang="bg-BG" sz="1400" dirty="0"/>
               <a:t>В случая няма да „хване“ </a:t>
             </a:r>
             <a:r>
-              <a:rPr lang="en-US" sz="1400" dirty="0" err="1" smtClean="0"/>
+              <a:rPr lang="en-US" sz="1400" dirty="0" err="1"/>
               <a:t>ul</a:t>
             </a:r>
             <a:r>
-              <a:rPr lang="en-US" sz="1400" dirty="0" smtClean="0"/>
+              <a:rPr lang="en-US" sz="1400" dirty="0"/>
               <a:t>,</a:t>
             </a:r>
             <a:r>
-              <a:rPr lang="bg-BG" sz="1400" dirty="0" smtClean="0"/>
+              <a:rPr lang="bg-BG" sz="1400" dirty="0"/>
               <a:t> който е </a:t>
             </a:r>
             <a:r>
-              <a:rPr lang="en-US" sz="1400" dirty="0" smtClean="0"/>
+              <a:rPr lang="en-US" sz="1400" dirty="0"/>
               <a:t>child </a:t>
             </a:r>
             <a:r>
-              <a:rPr lang="bg-BG" sz="1400" dirty="0" smtClean="0"/>
+              <a:rPr lang="bg-BG" sz="1400" dirty="0"/>
               <a:t>елемент на първото </a:t>
             </a:r>
             <a:r>
-              <a:rPr lang="en-US" sz="1400" dirty="0" smtClean="0"/>
+              <a:rPr lang="en-US" sz="1400" dirty="0"/>
               <a:t>li</a:t>
             </a:r>
             <a:endParaRPr lang="bg-BG" sz="1400" dirty="0"/>
@@ -10689,7 +12602,7 @@
           <p:cNvPr id="39" name="Rectangle 38">
             <a:extLst>
               <a:ext uri="{FF2B5EF4-FFF2-40B4-BE49-F238E27FC236}">
-                <a16:creationId xmlns="" xmlns:a16="http://schemas.microsoft.com/office/drawing/2014/main" id="{C1C163D1-85A2-4643-BA3C-22035ECBF6E9}"/>
+                <a16:creationId xmlns:a16="http://schemas.microsoft.com/office/drawing/2014/main" id="{C1C163D1-85A2-4643-BA3C-22035ECBF6E9}"/>
               </a:ext>
             </a:extLst>
           </p:cNvPr>
@@ -10735,10 +12648,9 @@
           <a:p>
             <a:pPr algn="ctr"/>
             <a:r>
-              <a:rPr lang="en-US" sz="1400" dirty="0" smtClean="0"/>
+              <a:rPr lang="en-US" sz="1400" dirty="0"/>
               <a:t>Simple Selectors</a:t>
             </a:r>
-            <a:endParaRPr lang="en-US" sz="1400" dirty="0"/>
           </a:p>
         </p:txBody>
       </p:sp>
@@ -10747,7 +12659,7 @@
           <p:cNvPr id="5" name="Rectangle 4">
             <a:extLst>
               <a:ext uri="{FF2B5EF4-FFF2-40B4-BE49-F238E27FC236}">
-                <a16:creationId xmlns="" xmlns:a16="http://schemas.microsoft.com/office/drawing/2014/main" id="{12131ED0-4950-475C-B7DC-450FBBF3C54A}"/>
+                <a16:creationId xmlns:a16="http://schemas.microsoft.com/office/drawing/2014/main" id="{12131ED0-4950-475C-B7DC-450FBBF3C54A}"/>
               </a:ext>
             </a:extLst>
           </p:cNvPr>
@@ -10799,7 +12711,7 @@
           <p:cNvPr id="4" name="TextBox 3">
             <a:extLst>
               <a:ext uri="{FF2B5EF4-FFF2-40B4-BE49-F238E27FC236}">
-                <a16:creationId xmlns="" xmlns:a16="http://schemas.microsoft.com/office/drawing/2014/main" id="{DB2A6D78-D3DF-4739-BCDE-EE78ED59B04D}"/>
+                <a16:creationId xmlns:a16="http://schemas.microsoft.com/office/drawing/2014/main" id="{DB2A6D78-D3DF-4739-BCDE-EE78ED59B04D}"/>
               </a:ext>
             </a:extLst>
           </p:cNvPr>
@@ -10831,18 +12743,7 @@
                 <a:ea typeface="Verdana" panose="020B0604030504040204" pitchFamily="34" charset="0"/>
                 <a:cs typeface="Verdana" panose="020B0604030504040204" pitchFamily="34" charset="0"/>
               </a:rPr>
-              <a:t>CSS </a:t>
-            </a:r>
-            <a:r>
-              <a:rPr lang="en-US" sz="1200" b="1" dirty="0" smtClean="0">
-                <a:solidFill>
-                  <a:schemeClr val="bg1"/>
-                </a:solidFill>
-                <a:latin typeface="Verdana" panose="020B0604030504040204" pitchFamily="34" charset="0"/>
-                <a:ea typeface="Verdana" panose="020B0604030504040204" pitchFamily="34" charset="0"/>
-                <a:cs typeface="Verdana" panose="020B0604030504040204" pitchFamily="34" charset="0"/>
-              </a:rPr>
-              <a:t>selectors</a:t>
+              <a:t>CSS selectors</a:t>
             </a:r>
             <a:endParaRPr lang="bg-BG" sz="1200" dirty="0">
               <a:solidFill>
@@ -10860,7 +12761,7 @@
           <p:cNvPr id="10" name="Rectangle: Rounded Corners 5">
             <a:extLst>
               <a:ext uri="{FF2B5EF4-FFF2-40B4-BE49-F238E27FC236}">
-                <a16:creationId xmlns="" xmlns:a16="http://schemas.microsoft.com/office/drawing/2014/main" id="{682EAE92-D6DF-494B-9CC1-FF2B7145CC2C}"/>
+                <a16:creationId xmlns:a16="http://schemas.microsoft.com/office/drawing/2014/main" id="{682EAE92-D6DF-494B-9CC1-FF2B7145CC2C}"/>
               </a:ext>
             </a:extLst>
           </p:cNvPr>
@@ -10912,25 +12813,20 @@
             <a:pPr algn="ctr"/>
             <a:r>
               <a:rPr lang="en-US" dirty="0"/>
-              <a:t>CSS Pseudo </a:t>
-            </a:r>
-            <a:r>
-              <a:rPr lang="en-US" dirty="0" smtClean="0"/>
-              <a:t>Selectors / </a:t>
-            </a:r>
-            <a:r>
-              <a:rPr lang="en-US" b="1" dirty="0" smtClean="0"/>
+              <a:t>CSS Pseudo Selectors / </a:t>
+            </a:r>
+            <a:r>
+              <a:rPr lang="en-US" b="1" dirty="0"/>
               <a:t>Pseudo</a:t>
             </a:r>
             <a:r>
-              <a:rPr lang="bg-BG" b="1" dirty="0" smtClean="0"/>
+              <a:rPr lang="bg-BG" b="1" dirty="0"/>
               <a:t>-</a:t>
             </a:r>
             <a:r>
-              <a:rPr lang="en-US" b="1" dirty="0" smtClean="0"/>
+              <a:rPr lang="en-US" b="1" dirty="0"/>
               <a:t>Classes</a:t>
             </a:r>
-            <a:endParaRPr lang="en-US" b="1" dirty="0"/>
           </a:p>
         </p:txBody>
       </p:sp>
@@ -10957,7 +12853,7 @@
           <a:lstStyle/>
           <a:p>
             <a:r>
-              <a:rPr lang="bg-BG" dirty="0" smtClean="0"/>
+              <a:rPr lang="bg-BG" dirty="0"/>
               <a:t>Какво е псевдо клас?</a:t>
             </a:r>
           </a:p>
@@ -10966,31 +12862,31 @@
           </a:p>
           <a:p>
             <a:r>
-              <a:rPr lang="bg-BG" sz="1400" dirty="0" smtClean="0"/>
+              <a:rPr lang="bg-BG" sz="1400" dirty="0"/>
               <a:t>Това са ключови думи добавени към селектор, които обозначават специално</a:t>
             </a:r>
           </a:p>
           <a:p>
             <a:r>
-              <a:rPr lang="bg-BG" sz="1400" dirty="0" smtClean="0"/>
+              <a:rPr lang="bg-BG" sz="1400" dirty="0"/>
               <a:t>състояние на селектирания елемент. Като например преминаването с курсора</a:t>
             </a:r>
           </a:p>
           <a:p>
             <a:r>
-              <a:rPr lang="bg-BG" sz="1400" dirty="0" smtClean="0"/>
+              <a:rPr lang="bg-BG" sz="1400" dirty="0"/>
               <a:t>над елемент (</a:t>
             </a:r>
             <a:r>
-              <a:rPr lang="en-US" sz="1400" dirty="0" smtClean="0"/>
+              <a:rPr lang="en-US" sz="1400" dirty="0"/>
               <a:t>hover</a:t>
             </a:r>
             <a:r>
-              <a:rPr lang="bg-BG" sz="1400" dirty="0" smtClean="0"/>
+              <a:rPr lang="bg-BG" sz="1400" dirty="0"/>
               <a:t>)</a:t>
             </a:r>
             <a:r>
-              <a:rPr lang="en-US" sz="1400" dirty="0" smtClean="0"/>
+              <a:rPr lang="en-US" sz="1400" dirty="0"/>
               <a:t>.</a:t>
             </a:r>
           </a:p>
@@ -10998,34 +12894,34 @@
             <a:endParaRPr lang="en-US" sz="1400" dirty="0"/>
           </a:p>
           <a:p>
-            <a:endParaRPr lang="en-US" sz="1400" dirty="0" smtClean="0"/>
-          </a:p>
-          <a:p>
             <a:endParaRPr lang="en-US" sz="1400" dirty="0"/>
           </a:p>
           <a:p>
-            <a:endParaRPr lang="en-US" sz="1400" dirty="0" smtClean="0"/>
-          </a:p>
-          <a:p>
             <a:endParaRPr lang="en-US" sz="1400" dirty="0"/>
           </a:p>
           <a:p>
-            <a:endParaRPr lang="en-US" sz="1400" dirty="0" smtClean="0"/>
-          </a:p>
-          <a:p>
-            <a:r>
-              <a:rPr lang="bg-BG" sz="1400" dirty="0" smtClean="0"/>
+            <a:endParaRPr lang="en-US" sz="1400" dirty="0"/>
+          </a:p>
+          <a:p>
+            <a:endParaRPr lang="en-US" sz="1400" dirty="0"/>
+          </a:p>
+          <a:p>
+            <a:endParaRPr lang="en-US" sz="1400" dirty="0"/>
+          </a:p>
+          <a:p>
+            <a:r>
+              <a:rPr lang="bg-BG" sz="1400" dirty="0"/>
               <a:t>Така написан селектор с псевдо клас, при преминаване на курсора през съответния </a:t>
             </a:r>
           </a:p>
           <a:p>
             <a:r>
-              <a:rPr lang="bg-BG" sz="1400" dirty="0" smtClean="0"/>
+              <a:rPr lang="bg-BG" sz="1400" dirty="0"/>
               <a:t>елемент, ще променя фоновия цвят на червен.</a:t>
             </a:r>
           </a:p>
           <a:p>
-            <a:endParaRPr lang="bg-BG" sz="1400" dirty="0" smtClean="0"/>
+            <a:endParaRPr lang="bg-BG" sz="1400" dirty="0"/>
           </a:p>
           <a:p>
             <a:endParaRPr lang="en-US" sz="1600" dirty="0"/>
@@ -11063,6 +12959,624 @@
     <p:extLst>
       <p:ext uri="{BB962C8B-B14F-4D97-AF65-F5344CB8AC3E}">
         <p14:creationId xmlns:p14="http://schemas.microsoft.com/office/powerpoint/2010/main" val="4210603311"/>
+      </p:ext>
+    </p:extLst>
+  </p:cSld>
+  <p:clrMapOvr>
+    <a:masterClrMapping/>
+  </p:clrMapOvr>
+</p:sld>
+</file>
+
+<file path=ppt/slides/slide9.xml><?xml version="1.0" encoding="utf-8"?>
+<p:sld xmlns:a="http://schemas.openxmlformats.org/drawingml/2006/main" xmlns:r="http://schemas.openxmlformats.org/officeDocument/2006/relationships" xmlns:p="http://schemas.openxmlformats.org/presentationml/2006/main">
+  <p:cSld>
+    <p:bg>
+      <p:bgPr>
+        <a:blipFill dpi="0" rotWithShape="1">
+          <a:blip r:embed="rId3">
+            <a:lum/>
+          </a:blip>
+          <a:srcRect/>
+          <a:stretch>
+            <a:fillRect/>
+          </a:stretch>
+        </a:blipFill>
+        <a:effectLst/>
+      </p:bgPr>
+    </p:bg>
+    <p:spTree>
+      <p:nvGrpSpPr>
+        <p:cNvPr id="1" name=""/>
+        <p:cNvGrpSpPr/>
+        <p:nvPr/>
+      </p:nvGrpSpPr>
+      <p:grpSpPr>
+        <a:xfrm>
+          <a:off x="0" y="0"/>
+          <a:ext cx="0" cy="0"/>
+          <a:chOff x="0" y="0"/>
+          <a:chExt cx="0" cy="0"/>
+        </a:xfrm>
+      </p:grpSpPr>
+      <p:sp>
+        <p:nvSpPr>
+          <p:cNvPr id="39" name="Rectangle 38">
+            <a:extLst>
+              <a:ext uri="{FF2B5EF4-FFF2-40B4-BE49-F238E27FC236}">
+                <a16:creationId xmlns:a16="http://schemas.microsoft.com/office/drawing/2014/main" id="{C1C163D1-85A2-4643-BA3C-22035ECBF6E9}"/>
+              </a:ext>
+            </a:extLst>
+          </p:cNvPr>
+          <p:cNvSpPr/>
+          <p:nvPr/>
+        </p:nvSpPr>
+        <p:spPr>
+          <a:xfrm>
+            <a:off x="7210970" y="0"/>
+            <a:ext cx="1933031" cy="356965"/>
+          </a:xfrm>
+          <a:prstGeom prst="rect">
+            <a:avLst/>
+          </a:prstGeom>
+          <a:solidFill>
+            <a:srgbClr val="0F7792">
+              <a:alpha val="50196"/>
+            </a:srgbClr>
+          </a:solidFill>
+          <a:ln>
+            <a:noFill/>
+          </a:ln>
+        </p:spPr>
+        <p:style>
+          <a:lnRef idx="2">
+            <a:schemeClr val="accent1">
+              <a:shade val="50000"/>
+            </a:schemeClr>
+          </a:lnRef>
+          <a:fillRef idx="1">
+            <a:schemeClr val="accent1"/>
+          </a:fillRef>
+          <a:effectRef idx="0">
+            <a:schemeClr val="accent1"/>
+          </a:effectRef>
+          <a:fontRef idx="minor">
+            <a:schemeClr val="lt1"/>
+          </a:fontRef>
+        </p:style>
+        <p:txBody>
+          <a:bodyPr rtlCol="0" anchor="ctr"/>
+          <a:lstStyle/>
+          <a:p>
+            <a:pPr algn="ctr"/>
+            <a:r>
+              <a:rPr lang="en-US" sz="1400" dirty="0"/>
+              <a:t>Selector Combinations</a:t>
+            </a:r>
+          </a:p>
+        </p:txBody>
+      </p:sp>
+      <p:sp>
+        <p:nvSpPr>
+          <p:cNvPr id="5" name="Rectangle 4">
+            <a:extLst>
+              <a:ext uri="{FF2B5EF4-FFF2-40B4-BE49-F238E27FC236}">
+                <a16:creationId xmlns:a16="http://schemas.microsoft.com/office/drawing/2014/main" id="{12131ED0-4950-475C-B7DC-450FBBF3C54A}"/>
+              </a:ext>
+            </a:extLst>
+          </p:cNvPr>
+          <p:cNvSpPr/>
+          <p:nvPr/>
+        </p:nvSpPr>
+        <p:spPr>
+          <a:xfrm>
+            <a:off x="0" y="0"/>
+            <a:ext cx="4283968" cy="356965"/>
+          </a:xfrm>
+          <a:prstGeom prst="rect">
+            <a:avLst/>
+          </a:prstGeom>
+          <a:solidFill>
+            <a:srgbClr val="0F7792"/>
+          </a:solidFill>
+          <a:ln>
+            <a:noFill/>
+          </a:ln>
+        </p:spPr>
+        <p:style>
+          <a:lnRef idx="2">
+            <a:schemeClr val="accent1">
+              <a:shade val="50000"/>
+            </a:schemeClr>
+          </a:lnRef>
+          <a:fillRef idx="1">
+            <a:schemeClr val="accent1"/>
+          </a:fillRef>
+          <a:effectRef idx="0">
+            <a:schemeClr val="accent1"/>
+          </a:effectRef>
+          <a:fontRef idx="minor">
+            <a:schemeClr val="lt1"/>
+          </a:fontRef>
+        </p:style>
+        <p:txBody>
+          <a:bodyPr rtlCol="0" anchor="ctr"/>
+          <a:lstStyle/>
+          <a:p>
+            <a:pPr algn="ctr"/>
+            <a:endParaRPr lang="en-US"/>
+          </a:p>
+        </p:txBody>
+      </p:sp>
+      <p:sp>
+        <p:nvSpPr>
+          <p:cNvPr id="4" name="TextBox 3">
+            <a:extLst>
+              <a:ext uri="{FF2B5EF4-FFF2-40B4-BE49-F238E27FC236}">
+                <a16:creationId xmlns:a16="http://schemas.microsoft.com/office/drawing/2014/main" id="{DB2A6D78-D3DF-4739-BCDE-EE78ED59B04D}"/>
+              </a:ext>
+            </a:extLst>
+          </p:cNvPr>
+          <p:cNvSpPr txBox="1"/>
+          <p:nvPr/>
+        </p:nvSpPr>
+        <p:spPr>
+          <a:xfrm>
+            <a:off x="89756" y="24634"/>
+            <a:ext cx="4122204" cy="276999"/>
+          </a:xfrm>
+          <a:prstGeom prst="rect">
+            <a:avLst/>
+          </a:prstGeom>
+          <a:noFill/>
+        </p:spPr>
+        <p:txBody>
+          <a:bodyPr wrap="square" rtlCol="0">
+            <a:spAutoFit/>
+          </a:bodyPr>
+          <a:lstStyle/>
+          <a:p>
+            <a:r>
+              <a:rPr lang="en-US" sz="1200" b="1" dirty="0">
+                <a:solidFill>
+                  <a:schemeClr val="bg1"/>
+                </a:solidFill>
+                <a:latin typeface="Verdana" panose="020B0604030504040204" pitchFamily="34" charset="0"/>
+                <a:ea typeface="Verdana" panose="020B0604030504040204" pitchFamily="34" charset="0"/>
+                <a:cs typeface="Verdana" panose="020B0604030504040204" pitchFamily="34" charset="0"/>
+              </a:rPr>
+              <a:t>CSS selectors</a:t>
+            </a:r>
+            <a:endParaRPr lang="bg-BG" sz="1200" dirty="0">
+              <a:solidFill>
+                <a:schemeClr val="bg1"/>
+              </a:solidFill>
+              <a:latin typeface="Verdana" panose="020B0604030504040204" pitchFamily="34" charset="0"/>
+              <a:ea typeface="Verdana" panose="020B0604030504040204" pitchFamily="34" charset="0"/>
+              <a:cs typeface="Verdana" panose="020B0604030504040204" pitchFamily="34" charset="0"/>
+            </a:endParaRPr>
+          </a:p>
+        </p:txBody>
+      </p:sp>
+      <p:sp>
+        <p:nvSpPr>
+          <p:cNvPr id="10" name="Rectangle: Rounded Corners 5">
+            <a:extLst>
+              <a:ext uri="{FF2B5EF4-FFF2-40B4-BE49-F238E27FC236}">
+                <a16:creationId xmlns:a16="http://schemas.microsoft.com/office/drawing/2014/main" id="{682EAE92-D6DF-494B-9CC1-FF2B7145CC2C}"/>
+              </a:ext>
+            </a:extLst>
+          </p:cNvPr>
+          <p:cNvSpPr/>
+          <p:nvPr/>
+        </p:nvSpPr>
+        <p:spPr>
+          <a:xfrm>
+            <a:off x="1187624" y="625252"/>
+            <a:ext cx="6624736" cy="504056"/>
+          </a:xfrm>
+          <a:prstGeom prst="roundRect">
+            <a:avLst/>
+          </a:prstGeom>
+          <a:solidFill>
+            <a:srgbClr val="127994"/>
+          </a:solidFill>
+          <a:ln>
+            <a:noFill/>
+          </a:ln>
+          <a:effectLst>
+            <a:outerShdw blurRad="50800" dist="38100" dir="5400000" algn="t" rotWithShape="0">
+              <a:prstClr val="black">
+                <a:alpha val="40000"/>
+              </a:prstClr>
+            </a:outerShdw>
+          </a:effectLst>
+        </p:spPr>
+        <p:style>
+          <a:lnRef idx="2">
+            <a:schemeClr val="accent1">
+              <a:shade val="50000"/>
+            </a:schemeClr>
+          </a:lnRef>
+          <a:fillRef idx="1">
+            <a:schemeClr val="accent1"/>
+          </a:fillRef>
+          <a:effectRef idx="0">
+            <a:schemeClr val="accent1"/>
+          </a:effectRef>
+          <a:fontRef idx="minor">
+            <a:schemeClr val="lt1"/>
+          </a:fontRef>
+        </p:style>
+        <p:txBody>
+          <a:bodyPr rtlCol="0" anchor="ctr"/>
+          <a:lstStyle/>
+          <a:p>
+            <a:pPr algn="ctr"/>
+            <a:r>
+              <a:rPr lang="en-US" dirty="0"/>
+              <a:t>CSS Pseudo Classes</a:t>
+            </a:r>
+          </a:p>
+        </p:txBody>
+      </p:sp>
+      <p:sp>
+        <p:nvSpPr>
+          <p:cNvPr id="9" name="TextBox 8"/>
+          <p:cNvSpPr txBox="1"/>
+          <p:nvPr/>
+        </p:nvSpPr>
+        <p:spPr>
+          <a:xfrm>
+            <a:off x="359532" y="1503769"/>
+            <a:ext cx="8280920" cy="3693319"/>
+          </a:xfrm>
+          <a:prstGeom prst="rect">
+            <a:avLst/>
+          </a:prstGeom>
+          <a:noFill/>
+        </p:spPr>
+        <p:txBody>
+          <a:bodyPr wrap="square" rtlCol="0">
+            <a:spAutoFit/>
+          </a:bodyPr>
+          <a:lstStyle/>
+          <a:p>
+            <a:r>
+              <a:rPr lang="en-US" dirty="0">
+                <a:solidFill>
+                  <a:srgbClr val="9365B8"/>
+                </a:solidFill>
+              </a:rPr>
+              <a:t>:link	-</a:t>
+            </a:r>
+            <a:r>
+              <a:rPr lang="bg-BG" dirty="0">
+                <a:solidFill>
+                  <a:srgbClr val="9365B8"/>
+                </a:solidFill>
+              </a:rPr>
+              <a:t> </a:t>
+            </a:r>
+            <a:r>
+              <a:rPr lang="bg-BG" dirty="0">
+                <a:solidFill>
+                  <a:schemeClr val="tx2">
+                    <a:lumMod val="75000"/>
+                  </a:schemeClr>
+                </a:solidFill>
+              </a:rPr>
+              <a:t>непосетен линк</a:t>
+            </a:r>
+          </a:p>
+          <a:p>
+            <a:r>
+              <a:rPr lang="en-US" dirty="0">
+                <a:solidFill>
+                  <a:srgbClr val="9365B8"/>
+                </a:solidFill>
+              </a:rPr>
+              <a:t>:visited</a:t>
+            </a:r>
+            <a:r>
+              <a:rPr lang="bg-BG" dirty="0">
+                <a:solidFill>
+                  <a:srgbClr val="9365B8"/>
+                </a:solidFill>
+              </a:rPr>
+              <a:t>	- </a:t>
+            </a:r>
+            <a:r>
+              <a:rPr lang="bg-BG" dirty="0">
+                <a:solidFill>
+                  <a:schemeClr val="tx2">
+                    <a:lumMod val="75000"/>
+                  </a:schemeClr>
+                </a:solidFill>
+              </a:rPr>
+              <a:t>посетен/използван линк</a:t>
+            </a:r>
+            <a:r>
+              <a:rPr lang="bg-BG" dirty="0">
+                <a:solidFill>
+                  <a:srgbClr val="9365B8"/>
+                </a:solidFill>
+              </a:rPr>
+              <a:t>	</a:t>
+            </a:r>
+            <a:endParaRPr lang="en-US" dirty="0">
+              <a:solidFill>
+                <a:srgbClr val="9365B8"/>
+              </a:solidFill>
+            </a:endParaRPr>
+          </a:p>
+          <a:p>
+            <a:endParaRPr lang="en-US" dirty="0">
+              <a:solidFill>
+                <a:srgbClr val="9365B8"/>
+              </a:solidFill>
+            </a:endParaRPr>
+          </a:p>
+          <a:p>
+            <a:r>
+              <a:rPr lang="en-US" dirty="0">
+                <a:solidFill>
+                  <a:srgbClr val="9365B8"/>
+                </a:solidFill>
+              </a:rPr>
+              <a:t>:hover</a:t>
+            </a:r>
+            <a:r>
+              <a:rPr lang="bg-BG" dirty="0">
+                <a:solidFill>
+                  <a:srgbClr val="9365B8"/>
+                </a:solidFill>
+              </a:rPr>
+              <a:t> </a:t>
+            </a:r>
+            <a:r>
+              <a:rPr lang="en-US" dirty="0">
+                <a:solidFill>
+                  <a:srgbClr val="9365B8"/>
+                </a:solidFill>
+              </a:rPr>
+              <a:t>	-</a:t>
+            </a:r>
+            <a:r>
+              <a:rPr lang="bg-BG" dirty="0">
+                <a:solidFill>
+                  <a:srgbClr val="9365B8"/>
+                </a:solidFill>
+              </a:rPr>
+              <a:t> </a:t>
+            </a:r>
+            <a:r>
+              <a:rPr lang="bg-BG" dirty="0">
+                <a:solidFill>
+                  <a:schemeClr val="tx2">
+                    <a:lumMod val="75000"/>
+                  </a:schemeClr>
+                </a:solidFill>
+              </a:rPr>
+              <a:t>при линкове, трябва да бъде деклариран </a:t>
+            </a:r>
+            <a:r>
+              <a:rPr lang="bg-BG" b="1" i="1" dirty="0">
+                <a:solidFill>
+                  <a:schemeClr val="tx2">
+                    <a:lumMod val="75000"/>
+                  </a:schemeClr>
+                </a:solidFill>
+              </a:rPr>
+              <a:t>след </a:t>
+            </a:r>
+            <a:r>
+              <a:rPr lang="en-US" b="1" i="1" dirty="0">
+                <a:solidFill>
+                  <a:schemeClr val="tx2">
+                    <a:lumMod val="75000"/>
+                  </a:schemeClr>
+                </a:solidFill>
+              </a:rPr>
+              <a:t>:</a:t>
+            </a:r>
+            <a:r>
+              <a:rPr lang="en-US" dirty="0">
+                <a:solidFill>
+                  <a:schemeClr val="tx2">
+                    <a:lumMod val="75000"/>
+                  </a:schemeClr>
+                </a:solidFill>
+              </a:rPr>
+              <a:t>visited </a:t>
+            </a:r>
+            <a:r>
+              <a:rPr lang="bg-BG" dirty="0">
+                <a:solidFill>
+                  <a:schemeClr val="tx2">
+                    <a:lumMod val="75000"/>
+                  </a:schemeClr>
+                </a:solidFill>
+              </a:rPr>
+              <a:t>или</a:t>
+            </a:r>
+            <a:r>
+              <a:rPr lang="en-US" dirty="0">
+                <a:solidFill>
+                  <a:schemeClr val="tx2">
+                    <a:lumMod val="75000"/>
+                  </a:schemeClr>
+                </a:solidFill>
+              </a:rPr>
+              <a:t> :link</a:t>
+            </a:r>
+            <a:endParaRPr lang="bg-BG" dirty="0">
+              <a:solidFill>
+                <a:schemeClr val="tx2">
+                  <a:lumMod val="75000"/>
+                </a:schemeClr>
+              </a:solidFill>
+            </a:endParaRPr>
+          </a:p>
+          <a:p>
+            <a:r>
+              <a:rPr lang="bg-BG" dirty="0">
+                <a:solidFill>
+                  <a:srgbClr val="9365B8"/>
+                </a:solidFill>
+              </a:rPr>
+              <a:t>:</a:t>
+            </a:r>
+            <a:r>
+              <a:rPr lang="en-US" dirty="0">
+                <a:solidFill>
+                  <a:srgbClr val="9365B8"/>
+                </a:solidFill>
+              </a:rPr>
+              <a:t>focus	</a:t>
+            </a:r>
+            <a:r>
+              <a:rPr lang="en-US" dirty="0">
+                <a:solidFill>
+                  <a:schemeClr val="tx2">
+                    <a:lumMod val="75000"/>
+                  </a:schemeClr>
+                </a:solidFill>
+              </a:rPr>
+              <a:t>- </a:t>
+            </a:r>
+            <a:r>
+              <a:rPr lang="bg-BG" dirty="0">
+                <a:solidFill>
+                  <a:schemeClr val="tx2">
+                    <a:lumMod val="75000"/>
+                  </a:schemeClr>
+                </a:solidFill>
+              </a:rPr>
+              <a:t>елементът е поставен под фокус</a:t>
+            </a:r>
+            <a:endParaRPr lang="en-US" dirty="0">
+              <a:solidFill>
+                <a:schemeClr val="tx2">
+                  <a:lumMod val="75000"/>
+                </a:schemeClr>
+              </a:solidFill>
+            </a:endParaRPr>
+          </a:p>
+          <a:p>
+            <a:r>
+              <a:rPr lang="en-US" dirty="0">
+                <a:solidFill>
+                  <a:srgbClr val="9365B8"/>
+                </a:solidFill>
+              </a:rPr>
+              <a:t>:active	</a:t>
+            </a:r>
+            <a:r>
+              <a:rPr lang="en-US" dirty="0">
+                <a:solidFill>
+                  <a:schemeClr val="tx2">
+                    <a:lumMod val="75000"/>
+                  </a:schemeClr>
+                </a:solidFill>
+              </a:rPr>
+              <a:t>-</a:t>
+            </a:r>
+            <a:r>
+              <a:rPr lang="bg-BG" dirty="0">
+                <a:solidFill>
+                  <a:schemeClr val="tx2">
+                    <a:lumMod val="75000"/>
+                  </a:schemeClr>
+                </a:solidFill>
+              </a:rPr>
+              <a:t> таргетира „активен елемент“ – напр бутон докато е натиснат</a:t>
+            </a:r>
+            <a:endParaRPr lang="en-US" dirty="0">
+              <a:solidFill>
+                <a:schemeClr val="tx2">
+                  <a:lumMod val="75000"/>
+                </a:schemeClr>
+              </a:solidFill>
+            </a:endParaRPr>
+          </a:p>
+          <a:p>
+            <a:endParaRPr lang="en-US" dirty="0">
+              <a:solidFill>
+                <a:srgbClr val="9365B8"/>
+              </a:solidFill>
+            </a:endParaRPr>
+          </a:p>
+          <a:p>
+            <a:r>
+              <a:rPr lang="en-US">
+                <a:solidFill>
+                  <a:srgbClr val="9365B8"/>
+                </a:solidFill>
+              </a:rPr>
+              <a:t>:checked</a:t>
+            </a:r>
+            <a:endParaRPr lang="en-US" dirty="0">
+              <a:solidFill>
+                <a:schemeClr val="tx2">
+                  <a:lumMod val="75000"/>
+                </a:schemeClr>
+              </a:solidFill>
+            </a:endParaRPr>
+          </a:p>
+          <a:p>
+            <a:r>
+              <a:rPr lang="en-US" dirty="0">
+                <a:solidFill>
+                  <a:srgbClr val="9365B8"/>
+                </a:solidFill>
+              </a:rPr>
+              <a:t>:disabled</a:t>
+            </a:r>
+          </a:p>
+          <a:p>
+            <a:r>
+              <a:rPr lang="en-US" dirty="0">
+                <a:solidFill>
+                  <a:srgbClr val="9365B8"/>
+                </a:solidFill>
+              </a:rPr>
+              <a:t>:valid</a:t>
+            </a:r>
+          </a:p>
+          <a:p>
+            <a:r>
+              <a:rPr lang="en-US" dirty="0">
+                <a:solidFill>
+                  <a:srgbClr val="9365B8"/>
+                </a:solidFill>
+              </a:rPr>
+              <a:t>:invalid</a:t>
+            </a:r>
+          </a:p>
+          <a:p>
+            <a:r>
+              <a:rPr lang="en-US" dirty="0">
+                <a:solidFill>
+                  <a:srgbClr val="9365B8"/>
+                </a:solidFill>
+              </a:rPr>
+              <a:t>:required</a:t>
+            </a:r>
+          </a:p>
+          <a:p>
+            <a:endParaRPr lang="en-US" dirty="0">
+              <a:solidFill>
+                <a:srgbClr val="9365B8"/>
+              </a:solidFill>
+            </a:endParaRPr>
+          </a:p>
+        </p:txBody>
+      </p:sp>
+    </p:spTree>
+    <p:extLst>
+      <p:ext uri="{BB962C8B-B14F-4D97-AF65-F5344CB8AC3E}">
+        <p14:creationId xmlns:p14="http://schemas.microsoft.com/office/powerpoint/2010/main" val="3666407308"/>
       </p:ext>
     </p:extLst>
   </p:cSld>
